--- a/Sunumlar/Sunum-3.pptx
+++ b/Sunumlar/Sunum-3.pptx
@@ -5,10 +5,10 @@
     <p:sldMasterId id="2147483696" r:id="rId4"/>
   </p:sldMasterIdLst>
   <p:notesMasterIdLst>
-    <p:notesMasterId r:id="rId22"/>
+    <p:notesMasterId r:id="rId33"/>
   </p:notesMasterIdLst>
   <p:handoutMasterIdLst>
-    <p:handoutMasterId r:id="rId23"/>
+    <p:handoutMasterId r:id="rId34"/>
   </p:handoutMasterIdLst>
   <p:sldIdLst>
     <p:sldId id="306" r:id="rId5"/>
@@ -27,7 +27,18 @@
     <p:sldId id="333" r:id="rId18"/>
     <p:sldId id="334" r:id="rId19"/>
     <p:sldId id="335" r:id="rId20"/>
-    <p:sldId id="328" r:id="rId21"/>
+    <p:sldId id="336" r:id="rId21"/>
+    <p:sldId id="337" r:id="rId22"/>
+    <p:sldId id="338" r:id="rId23"/>
+    <p:sldId id="339" r:id="rId24"/>
+    <p:sldId id="340" r:id="rId25"/>
+    <p:sldId id="341" r:id="rId26"/>
+    <p:sldId id="342" r:id="rId27"/>
+    <p:sldId id="343" r:id="rId28"/>
+    <p:sldId id="344" r:id="rId29"/>
+    <p:sldId id="345" r:id="rId30"/>
+    <p:sldId id="346" r:id="rId31"/>
+    <p:sldId id="347" r:id="rId32"/>
   </p:sldIdLst>
   <p:sldSz cx="12192000" cy="6858000"/>
   <p:notesSz cx="6858000" cy="9144000"/>
@@ -253,7 +264,7 @@
           <a:p>
             <a:fld id="{AF536ADF-3EC2-4D6F-9F7F-1F88E3288139}" type="datetime1">
               <a:rPr lang="tr-TR" smtClean="0"/>
-              <a:t>10.11.2023</a:t>
+              <a:t>27.11.2024</a:t>
             </a:fld>
             <a:endParaRPr lang="tr-TR"/>
           </a:p>
@@ -433,7 +444,7 @@
             <a:pPr rtl="0"/>
             <a:fld id="{BA214D3A-912A-4866-90B4-0232CEDB2416}" type="datetime1">
               <a:rPr lang="tr-TR" noProof="0" smtClean="0"/>
-              <a:t>10.11.2023</a:t>
+              <a:t>27.11.2024</a:t>
             </a:fld>
             <a:endParaRPr lang="tr-TR" noProof="0"/>
           </a:p>
@@ -1389,7 +1400,13 @@
   <p:cSld>
     <p:spTree>
       <p:nvGrpSpPr>
-        <p:cNvPr id="1" name=""/>
+        <p:cNvPr id="1" name="">
+          <a:extLst>
+            <a:ext uri="{FF2B5EF4-FFF2-40B4-BE49-F238E27FC236}">
+              <a16:creationId xmlns:a16="http://schemas.microsoft.com/office/drawing/2014/main" id="{5206BA87-6595-75F5-937A-8455E217541B}"/>
+            </a:ext>
+          </a:extLst>
+        </p:cNvPr>
         <p:cNvGrpSpPr/>
         <p:nvPr/>
       </p:nvGrpSpPr>
@@ -1403,7 +1420,13 @@
       </p:grpSpPr>
       <p:sp>
         <p:nvSpPr>
-          <p:cNvPr id="2" name="Slayt Resmi Yer Tutucusu 1"/>
+          <p:cNvPr id="2" name="Slayt Resmi Yer Tutucusu 1">
+            <a:extLst>
+              <a:ext uri="{FF2B5EF4-FFF2-40B4-BE49-F238E27FC236}">
+                <a16:creationId xmlns:a16="http://schemas.microsoft.com/office/drawing/2014/main" id="{233EAF08-46CE-07B6-9657-A5CD6D20D79E}"/>
+              </a:ext>
+            </a:extLst>
+          </p:cNvPr>
           <p:cNvSpPr>
             <a:spLocks noGrp="1" noRot="1" noChangeAspect="1"/>
           </p:cNvSpPr>
@@ -1415,7 +1438,13 @@
       </p:sp>
       <p:sp>
         <p:nvSpPr>
-          <p:cNvPr id="3" name="Not Yer Tutucusu 2"/>
+          <p:cNvPr id="3" name="Not Yer Tutucusu 2">
+            <a:extLst>
+              <a:ext uri="{FF2B5EF4-FFF2-40B4-BE49-F238E27FC236}">
+                <a16:creationId xmlns:a16="http://schemas.microsoft.com/office/drawing/2014/main" id="{D5CD152C-8FB1-7906-CEBA-1F1DF9223DCC}"/>
+              </a:ext>
+            </a:extLst>
+          </p:cNvPr>
           <p:cNvSpPr>
             <a:spLocks noGrp="1"/>
           </p:cNvSpPr>
@@ -1434,7 +1463,13 @@
       </p:sp>
       <p:sp>
         <p:nvSpPr>
-          <p:cNvPr id="4" name="Slayt Numarası Yer Tutucusu 3"/>
+          <p:cNvPr id="4" name="Slayt Numarası Yer Tutucusu 3">
+            <a:extLst>
+              <a:ext uri="{FF2B5EF4-FFF2-40B4-BE49-F238E27FC236}">
+                <a16:creationId xmlns:a16="http://schemas.microsoft.com/office/drawing/2014/main" id="{22C7701C-3765-B60A-068E-8A7B20378F56}"/>
+              </a:ext>
+            </a:extLst>
+          </p:cNvPr>
           <p:cNvSpPr>
             <a:spLocks noGrp="1"/>
           </p:cNvSpPr>
@@ -1459,7 +1494,225 @@
     </p:spTree>
     <p:extLst>
       <p:ext uri="{BB962C8B-B14F-4D97-AF65-F5344CB8AC3E}">
-        <p14:creationId xmlns:p14="http://schemas.microsoft.com/office/powerpoint/2010/main" val="1753943792"/>
+        <p14:creationId xmlns:p14="http://schemas.microsoft.com/office/powerpoint/2010/main" val="4115997432"/>
+      </p:ext>
+    </p:extLst>
+  </p:cSld>
+  <p:clrMapOvr>
+    <a:masterClrMapping/>
+  </p:clrMapOvr>
+</p:notes>
+</file>
+
+<file path=ppt/notesSlides/notesSlide18.xml><?xml version="1.0" encoding="utf-8"?>
+<p:notes xmlns:a="http://schemas.openxmlformats.org/drawingml/2006/main" xmlns:r="http://schemas.openxmlformats.org/officeDocument/2006/relationships" xmlns:p="http://schemas.openxmlformats.org/presentationml/2006/main">
+  <p:cSld>
+    <p:spTree>
+      <p:nvGrpSpPr>
+        <p:cNvPr id="1" name="">
+          <a:extLst>
+            <a:ext uri="{FF2B5EF4-FFF2-40B4-BE49-F238E27FC236}">
+              <a16:creationId xmlns:a16="http://schemas.microsoft.com/office/drawing/2014/main" id="{0E746A34-190A-815D-73A5-ECD10F670262}"/>
+            </a:ext>
+          </a:extLst>
+        </p:cNvPr>
+        <p:cNvGrpSpPr/>
+        <p:nvPr/>
+      </p:nvGrpSpPr>
+      <p:grpSpPr>
+        <a:xfrm>
+          <a:off x="0" y="0"/>
+          <a:ext cx="0" cy="0"/>
+          <a:chOff x="0" y="0"/>
+          <a:chExt cx="0" cy="0"/>
+        </a:xfrm>
+      </p:grpSpPr>
+      <p:sp>
+        <p:nvSpPr>
+          <p:cNvPr id="2" name="Slayt Resmi Yer Tutucusu 1">
+            <a:extLst>
+              <a:ext uri="{FF2B5EF4-FFF2-40B4-BE49-F238E27FC236}">
+                <a16:creationId xmlns:a16="http://schemas.microsoft.com/office/drawing/2014/main" id="{65A22DA8-DABF-99CF-205F-4C248515FA02}"/>
+              </a:ext>
+            </a:extLst>
+          </p:cNvPr>
+          <p:cNvSpPr>
+            <a:spLocks noGrp="1" noRot="1" noChangeAspect="1"/>
+          </p:cNvSpPr>
+          <p:nvPr>
+            <p:ph type="sldImg"/>
+          </p:nvPr>
+        </p:nvSpPr>
+        <p:spPr/>
+      </p:sp>
+      <p:sp>
+        <p:nvSpPr>
+          <p:cNvPr id="3" name="Not Yer Tutucusu 2">
+            <a:extLst>
+              <a:ext uri="{FF2B5EF4-FFF2-40B4-BE49-F238E27FC236}">
+                <a16:creationId xmlns:a16="http://schemas.microsoft.com/office/drawing/2014/main" id="{17BE8124-5DF1-09B6-7743-5C7EA493AF61}"/>
+              </a:ext>
+            </a:extLst>
+          </p:cNvPr>
+          <p:cNvSpPr>
+            <a:spLocks noGrp="1"/>
+          </p:cNvSpPr>
+          <p:nvPr>
+            <p:ph type="body" idx="1"/>
+          </p:nvPr>
+        </p:nvSpPr>
+        <p:spPr/>
+        <p:txBody>
+          <a:bodyPr/>
+          <a:lstStyle/>
+          <a:p>
+            <a:endParaRPr lang="tr-TR"/>
+          </a:p>
+        </p:txBody>
+      </p:sp>
+      <p:sp>
+        <p:nvSpPr>
+          <p:cNvPr id="4" name="Slayt Numarası Yer Tutucusu 3">
+            <a:extLst>
+              <a:ext uri="{FF2B5EF4-FFF2-40B4-BE49-F238E27FC236}">
+                <a16:creationId xmlns:a16="http://schemas.microsoft.com/office/drawing/2014/main" id="{14F22D44-D748-E851-062B-4717C904F6B7}"/>
+              </a:ext>
+            </a:extLst>
+          </p:cNvPr>
+          <p:cNvSpPr>
+            <a:spLocks noGrp="1"/>
+          </p:cNvSpPr>
+          <p:nvPr>
+            <p:ph type="sldNum" sz="quarter" idx="5"/>
+          </p:nvPr>
+        </p:nvSpPr>
+        <p:spPr/>
+        <p:txBody>
+          <a:bodyPr/>
+          <a:lstStyle/>
+          <a:p>
+            <a:pPr rtl="0"/>
+            <a:fld id="{D5939589-3E79-4C82-AA4A-FE78234FAA59}" type="slidenum">
+              <a:rPr lang="tr-TR" smtClean="0"/>
+              <a:t>18</a:t>
+            </a:fld>
+            <a:endParaRPr lang="tr-TR"/>
+          </a:p>
+        </p:txBody>
+      </p:sp>
+    </p:spTree>
+    <p:extLst>
+      <p:ext uri="{BB962C8B-B14F-4D97-AF65-F5344CB8AC3E}">
+        <p14:creationId xmlns:p14="http://schemas.microsoft.com/office/powerpoint/2010/main" val="975267632"/>
+      </p:ext>
+    </p:extLst>
+  </p:cSld>
+  <p:clrMapOvr>
+    <a:masterClrMapping/>
+  </p:clrMapOvr>
+</p:notes>
+</file>
+
+<file path=ppt/notesSlides/notesSlide19.xml><?xml version="1.0" encoding="utf-8"?>
+<p:notes xmlns:a="http://schemas.openxmlformats.org/drawingml/2006/main" xmlns:r="http://schemas.openxmlformats.org/officeDocument/2006/relationships" xmlns:p="http://schemas.openxmlformats.org/presentationml/2006/main">
+  <p:cSld>
+    <p:spTree>
+      <p:nvGrpSpPr>
+        <p:cNvPr id="1" name="">
+          <a:extLst>
+            <a:ext uri="{FF2B5EF4-FFF2-40B4-BE49-F238E27FC236}">
+              <a16:creationId xmlns:a16="http://schemas.microsoft.com/office/drawing/2014/main" id="{F60BB019-126C-2A64-6D80-1B85724915D8}"/>
+            </a:ext>
+          </a:extLst>
+        </p:cNvPr>
+        <p:cNvGrpSpPr/>
+        <p:nvPr/>
+      </p:nvGrpSpPr>
+      <p:grpSpPr>
+        <a:xfrm>
+          <a:off x="0" y="0"/>
+          <a:ext cx="0" cy="0"/>
+          <a:chOff x="0" y="0"/>
+          <a:chExt cx="0" cy="0"/>
+        </a:xfrm>
+      </p:grpSpPr>
+      <p:sp>
+        <p:nvSpPr>
+          <p:cNvPr id="2" name="Slayt Resmi Yer Tutucusu 1">
+            <a:extLst>
+              <a:ext uri="{FF2B5EF4-FFF2-40B4-BE49-F238E27FC236}">
+                <a16:creationId xmlns:a16="http://schemas.microsoft.com/office/drawing/2014/main" id="{BC9E703E-43CE-F729-BDD1-6A0070DB0948}"/>
+              </a:ext>
+            </a:extLst>
+          </p:cNvPr>
+          <p:cNvSpPr>
+            <a:spLocks noGrp="1" noRot="1" noChangeAspect="1"/>
+          </p:cNvSpPr>
+          <p:nvPr>
+            <p:ph type="sldImg"/>
+          </p:nvPr>
+        </p:nvSpPr>
+        <p:spPr/>
+      </p:sp>
+      <p:sp>
+        <p:nvSpPr>
+          <p:cNvPr id="3" name="Not Yer Tutucusu 2">
+            <a:extLst>
+              <a:ext uri="{FF2B5EF4-FFF2-40B4-BE49-F238E27FC236}">
+                <a16:creationId xmlns:a16="http://schemas.microsoft.com/office/drawing/2014/main" id="{CEA0E609-701E-0A61-AD48-13D07C03C185}"/>
+              </a:ext>
+            </a:extLst>
+          </p:cNvPr>
+          <p:cNvSpPr>
+            <a:spLocks noGrp="1"/>
+          </p:cNvSpPr>
+          <p:nvPr>
+            <p:ph type="body" idx="1"/>
+          </p:nvPr>
+        </p:nvSpPr>
+        <p:spPr/>
+        <p:txBody>
+          <a:bodyPr/>
+          <a:lstStyle/>
+          <a:p>
+            <a:endParaRPr lang="tr-TR"/>
+          </a:p>
+        </p:txBody>
+      </p:sp>
+      <p:sp>
+        <p:nvSpPr>
+          <p:cNvPr id="4" name="Slayt Numarası Yer Tutucusu 3">
+            <a:extLst>
+              <a:ext uri="{FF2B5EF4-FFF2-40B4-BE49-F238E27FC236}">
+                <a16:creationId xmlns:a16="http://schemas.microsoft.com/office/drawing/2014/main" id="{38B26A28-5D93-D7F1-08BE-3D827933A0BB}"/>
+              </a:ext>
+            </a:extLst>
+          </p:cNvPr>
+          <p:cNvSpPr>
+            <a:spLocks noGrp="1"/>
+          </p:cNvSpPr>
+          <p:nvPr>
+            <p:ph type="sldNum" sz="quarter" idx="5"/>
+          </p:nvPr>
+        </p:nvSpPr>
+        <p:spPr/>
+        <p:txBody>
+          <a:bodyPr/>
+          <a:lstStyle/>
+          <a:p>
+            <a:pPr rtl="0"/>
+            <a:fld id="{D5939589-3E79-4C82-AA4A-FE78234FAA59}" type="slidenum">
+              <a:rPr lang="tr-TR" smtClean="0"/>
+              <a:t>19</a:t>
+            </a:fld>
+            <a:endParaRPr lang="tr-TR"/>
+          </a:p>
+        </p:txBody>
+      </p:sp>
+    </p:spTree>
+    <p:extLst>
+      <p:ext uri="{BB962C8B-B14F-4D97-AF65-F5344CB8AC3E}">
+        <p14:creationId xmlns:p14="http://schemas.microsoft.com/office/powerpoint/2010/main" val="93731797"/>
       </p:ext>
     </p:extLst>
   </p:cSld>
@@ -1545,6 +1798,987 @@
     <p:extLst>
       <p:ext uri="{BB962C8B-B14F-4D97-AF65-F5344CB8AC3E}">
         <p14:creationId xmlns:p14="http://schemas.microsoft.com/office/powerpoint/2010/main" val="3826489869"/>
+      </p:ext>
+    </p:extLst>
+  </p:cSld>
+  <p:clrMapOvr>
+    <a:masterClrMapping/>
+  </p:clrMapOvr>
+</p:notes>
+</file>
+
+<file path=ppt/notesSlides/notesSlide20.xml><?xml version="1.0" encoding="utf-8"?>
+<p:notes xmlns:a="http://schemas.openxmlformats.org/drawingml/2006/main" xmlns:r="http://schemas.openxmlformats.org/officeDocument/2006/relationships" xmlns:p="http://schemas.openxmlformats.org/presentationml/2006/main">
+  <p:cSld>
+    <p:spTree>
+      <p:nvGrpSpPr>
+        <p:cNvPr id="1" name="">
+          <a:extLst>
+            <a:ext uri="{FF2B5EF4-FFF2-40B4-BE49-F238E27FC236}">
+              <a16:creationId xmlns:a16="http://schemas.microsoft.com/office/drawing/2014/main" id="{CDB20071-6C4C-07DD-1FA0-005EF7641A5F}"/>
+            </a:ext>
+          </a:extLst>
+        </p:cNvPr>
+        <p:cNvGrpSpPr/>
+        <p:nvPr/>
+      </p:nvGrpSpPr>
+      <p:grpSpPr>
+        <a:xfrm>
+          <a:off x="0" y="0"/>
+          <a:ext cx="0" cy="0"/>
+          <a:chOff x="0" y="0"/>
+          <a:chExt cx="0" cy="0"/>
+        </a:xfrm>
+      </p:grpSpPr>
+      <p:sp>
+        <p:nvSpPr>
+          <p:cNvPr id="2" name="Slayt Resmi Yer Tutucusu 1">
+            <a:extLst>
+              <a:ext uri="{FF2B5EF4-FFF2-40B4-BE49-F238E27FC236}">
+                <a16:creationId xmlns:a16="http://schemas.microsoft.com/office/drawing/2014/main" id="{9935D188-8DFF-0411-C2AC-36BB05793ADF}"/>
+              </a:ext>
+            </a:extLst>
+          </p:cNvPr>
+          <p:cNvSpPr>
+            <a:spLocks noGrp="1" noRot="1" noChangeAspect="1"/>
+          </p:cNvSpPr>
+          <p:nvPr>
+            <p:ph type="sldImg"/>
+          </p:nvPr>
+        </p:nvSpPr>
+        <p:spPr/>
+      </p:sp>
+      <p:sp>
+        <p:nvSpPr>
+          <p:cNvPr id="3" name="Not Yer Tutucusu 2">
+            <a:extLst>
+              <a:ext uri="{FF2B5EF4-FFF2-40B4-BE49-F238E27FC236}">
+                <a16:creationId xmlns:a16="http://schemas.microsoft.com/office/drawing/2014/main" id="{D54A4773-FB39-246C-5422-DA8830F26EB7}"/>
+              </a:ext>
+            </a:extLst>
+          </p:cNvPr>
+          <p:cNvSpPr>
+            <a:spLocks noGrp="1"/>
+          </p:cNvSpPr>
+          <p:nvPr>
+            <p:ph type="body" idx="1"/>
+          </p:nvPr>
+        </p:nvSpPr>
+        <p:spPr/>
+        <p:txBody>
+          <a:bodyPr/>
+          <a:lstStyle/>
+          <a:p>
+            <a:endParaRPr lang="tr-TR"/>
+          </a:p>
+        </p:txBody>
+      </p:sp>
+      <p:sp>
+        <p:nvSpPr>
+          <p:cNvPr id="4" name="Slayt Numarası Yer Tutucusu 3">
+            <a:extLst>
+              <a:ext uri="{FF2B5EF4-FFF2-40B4-BE49-F238E27FC236}">
+                <a16:creationId xmlns:a16="http://schemas.microsoft.com/office/drawing/2014/main" id="{C28717B6-4E06-4CAC-E1BA-3C902AE0994A}"/>
+              </a:ext>
+            </a:extLst>
+          </p:cNvPr>
+          <p:cNvSpPr>
+            <a:spLocks noGrp="1"/>
+          </p:cNvSpPr>
+          <p:nvPr>
+            <p:ph type="sldNum" sz="quarter" idx="5"/>
+          </p:nvPr>
+        </p:nvSpPr>
+        <p:spPr/>
+        <p:txBody>
+          <a:bodyPr/>
+          <a:lstStyle/>
+          <a:p>
+            <a:pPr rtl="0"/>
+            <a:fld id="{D5939589-3E79-4C82-AA4A-FE78234FAA59}" type="slidenum">
+              <a:rPr lang="tr-TR" smtClean="0"/>
+              <a:t>20</a:t>
+            </a:fld>
+            <a:endParaRPr lang="tr-TR"/>
+          </a:p>
+        </p:txBody>
+      </p:sp>
+    </p:spTree>
+    <p:extLst>
+      <p:ext uri="{BB962C8B-B14F-4D97-AF65-F5344CB8AC3E}">
+        <p14:creationId xmlns:p14="http://schemas.microsoft.com/office/powerpoint/2010/main" val="836007787"/>
+      </p:ext>
+    </p:extLst>
+  </p:cSld>
+  <p:clrMapOvr>
+    <a:masterClrMapping/>
+  </p:clrMapOvr>
+</p:notes>
+</file>
+
+<file path=ppt/notesSlides/notesSlide21.xml><?xml version="1.0" encoding="utf-8"?>
+<p:notes xmlns:a="http://schemas.openxmlformats.org/drawingml/2006/main" xmlns:r="http://schemas.openxmlformats.org/officeDocument/2006/relationships" xmlns:p="http://schemas.openxmlformats.org/presentationml/2006/main">
+  <p:cSld>
+    <p:spTree>
+      <p:nvGrpSpPr>
+        <p:cNvPr id="1" name="">
+          <a:extLst>
+            <a:ext uri="{FF2B5EF4-FFF2-40B4-BE49-F238E27FC236}">
+              <a16:creationId xmlns:a16="http://schemas.microsoft.com/office/drawing/2014/main" id="{9144FB46-03FF-965A-F5E8-EB8ED8D8D86B}"/>
+            </a:ext>
+          </a:extLst>
+        </p:cNvPr>
+        <p:cNvGrpSpPr/>
+        <p:nvPr/>
+      </p:nvGrpSpPr>
+      <p:grpSpPr>
+        <a:xfrm>
+          <a:off x="0" y="0"/>
+          <a:ext cx="0" cy="0"/>
+          <a:chOff x="0" y="0"/>
+          <a:chExt cx="0" cy="0"/>
+        </a:xfrm>
+      </p:grpSpPr>
+      <p:sp>
+        <p:nvSpPr>
+          <p:cNvPr id="2" name="Slayt Resmi Yer Tutucusu 1">
+            <a:extLst>
+              <a:ext uri="{FF2B5EF4-FFF2-40B4-BE49-F238E27FC236}">
+                <a16:creationId xmlns:a16="http://schemas.microsoft.com/office/drawing/2014/main" id="{A1DA0C8B-C75A-451C-EA1E-CE447246CF2C}"/>
+              </a:ext>
+            </a:extLst>
+          </p:cNvPr>
+          <p:cNvSpPr>
+            <a:spLocks noGrp="1" noRot="1" noChangeAspect="1"/>
+          </p:cNvSpPr>
+          <p:nvPr>
+            <p:ph type="sldImg"/>
+          </p:nvPr>
+        </p:nvSpPr>
+        <p:spPr/>
+      </p:sp>
+      <p:sp>
+        <p:nvSpPr>
+          <p:cNvPr id="3" name="Not Yer Tutucusu 2">
+            <a:extLst>
+              <a:ext uri="{FF2B5EF4-FFF2-40B4-BE49-F238E27FC236}">
+                <a16:creationId xmlns:a16="http://schemas.microsoft.com/office/drawing/2014/main" id="{029F0D53-8069-341E-18D1-DFF8899BA121}"/>
+              </a:ext>
+            </a:extLst>
+          </p:cNvPr>
+          <p:cNvSpPr>
+            <a:spLocks noGrp="1"/>
+          </p:cNvSpPr>
+          <p:nvPr>
+            <p:ph type="body" idx="1"/>
+          </p:nvPr>
+        </p:nvSpPr>
+        <p:spPr/>
+        <p:txBody>
+          <a:bodyPr/>
+          <a:lstStyle/>
+          <a:p>
+            <a:endParaRPr lang="tr-TR"/>
+          </a:p>
+        </p:txBody>
+      </p:sp>
+      <p:sp>
+        <p:nvSpPr>
+          <p:cNvPr id="4" name="Slayt Numarası Yer Tutucusu 3">
+            <a:extLst>
+              <a:ext uri="{FF2B5EF4-FFF2-40B4-BE49-F238E27FC236}">
+                <a16:creationId xmlns:a16="http://schemas.microsoft.com/office/drawing/2014/main" id="{BA596049-BC82-F318-6806-B570328DE87C}"/>
+              </a:ext>
+            </a:extLst>
+          </p:cNvPr>
+          <p:cNvSpPr>
+            <a:spLocks noGrp="1"/>
+          </p:cNvSpPr>
+          <p:nvPr>
+            <p:ph type="sldNum" sz="quarter" idx="5"/>
+          </p:nvPr>
+        </p:nvSpPr>
+        <p:spPr/>
+        <p:txBody>
+          <a:bodyPr/>
+          <a:lstStyle/>
+          <a:p>
+            <a:pPr rtl="0"/>
+            <a:fld id="{D5939589-3E79-4C82-AA4A-FE78234FAA59}" type="slidenum">
+              <a:rPr lang="tr-TR" smtClean="0"/>
+              <a:t>21</a:t>
+            </a:fld>
+            <a:endParaRPr lang="tr-TR"/>
+          </a:p>
+        </p:txBody>
+      </p:sp>
+    </p:spTree>
+    <p:extLst>
+      <p:ext uri="{BB962C8B-B14F-4D97-AF65-F5344CB8AC3E}">
+        <p14:creationId xmlns:p14="http://schemas.microsoft.com/office/powerpoint/2010/main" val="351370889"/>
+      </p:ext>
+    </p:extLst>
+  </p:cSld>
+  <p:clrMapOvr>
+    <a:masterClrMapping/>
+  </p:clrMapOvr>
+</p:notes>
+</file>
+
+<file path=ppt/notesSlides/notesSlide22.xml><?xml version="1.0" encoding="utf-8"?>
+<p:notes xmlns:a="http://schemas.openxmlformats.org/drawingml/2006/main" xmlns:r="http://schemas.openxmlformats.org/officeDocument/2006/relationships" xmlns:p="http://schemas.openxmlformats.org/presentationml/2006/main">
+  <p:cSld>
+    <p:spTree>
+      <p:nvGrpSpPr>
+        <p:cNvPr id="1" name="">
+          <a:extLst>
+            <a:ext uri="{FF2B5EF4-FFF2-40B4-BE49-F238E27FC236}">
+              <a16:creationId xmlns:a16="http://schemas.microsoft.com/office/drawing/2014/main" id="{ED505D33-8941-58E8-CF3D-C80C783F7632}"/>
+            </a:ext>
+          </a:extLst>
+        </p:cNvPr>
+        <p:cNvGrpSpPr/>
+        <p:nvPr/>
+      </p:nvGrpSpPr>
+      <p:grpSpPr>
+        <a:xfrm>
+          <a:off x="0" y="0"/>
+          <a:ext cx="0" cy="0"/>
+          <a:chOff x="0" y="0"/>
+          <a:chExt cx="0" cy="0"/>
+        </a:xfrm>
+      </p:grpSpPr>
+      <p:sp>
+        <p:nvSpPr>
+          <p:cNvPr id="2" name="Slayt Resmi Yer Tutucusu 1">
+            <a:extLst>
+              <a:ext uri="{FF2B5EF4-FFF2-40B4-BE49-F238E27FC236}">
+                <a16:creationId xmlns:a16="http://schemas.microsoft.com/office/drawing/2014/main" id="{FDE0C63D-B9E5-35DB-57CD-812A85FB5C49}"/>
+              </a:ext>
+            </a:extLst>
+          </p:cNvPr>
+          <p:cNvSpPr>
+            <a:spLocks noGrp="1" noRot="1" noChangeAspect="1"/>
+          </p:cNvSpPr>
+          <p:nvPr>
+            <p:ph type="sldImg"/>
+          </p:nvPr>
+        </p:nvSpPr>
+        <p:spPr/>
+      </p:sp>
+      <p:sp>
+        <p:nvSpPr>
+          <p:cNvPr id="3" name="Not Yer Tutucusu 2">
+            <a:extLst>
+              <a:ext uri="{FF2B5EF4-FFF2-40B4-BE49-F238E27FC236}">
+                <a16:creationId xmlns:a16="http://schemas.microsoft.com/office/drawing/2014/main" id="{956500E2-AA9D-90D8-81BA-59B55BD67319}"/>
+              </a:ext>
+            </a:extLst>
+          </p:cNvPr>
+          <p:cNvSpPr>
+            <a:spLocks noGrp="1"/>
+          </p:cNvSpPr>
+          <p:nvPr>
+            <p:ph type="body" idx="1"/>
+          </p:nvPr>
+        </p:nvSpPr>
+        <p:spPr/>
+        <p:txBody>
+          <a:bodyPr/>
+          <a:lstStyle/>
+          <a:p>
+            <a:endParaRPr lang="tr-TR"/>
+          </a:p>
+        </p:txBody>
+      </p:sp>
+      <p:sp>
+        <p:nvSpPr>
+          <p:cNvPr id="4" name="Slayt Numarası Yer Tutucusu 3">
+            <a:extLst>
+              <a:ext uri="{FF2B5EF4-FFF2-40B4-BE49-F238E27FC236}">
+                <a16:creationId xmlns:a16="http://schemas.microsoft.com/office/drawing/2014/main" id="{9A53C052-9EE0-EE50-89F6-2A0228EEE16E}"/>
+              </a:ext>
+            </a:extLst>
+          </p:cNvPr>
+          <p:cNvSpPr>
+            <a:spLocks noGrp="1"/>
+          </p:cNvSpPr>
+          <p:nvPr>
+            <p:ph type="sldNum" sz="quarter" idx="5"/>
+          </p:nvPr>
+        </p:nvSpPr>
+        <p:spPr/>
+        <p:txBody>
+          <a:bodyPr/>
+          <a:lstStyle/>
+          <a:p>
+            <a:pPr rtl="0"/>
+            <a:fld id="{D5939589-3E79-4C82-AA4A-FE78234FAA59}" type="slidenum">
+              <a:rPr lang="tr-TR" smtClean="0"/>
+              <a:t>22</a:t>
+            </a:fld>
+            <a:endParaRPr lang="tr-TR"/>
+          </a:p>
+        </p:txBody>
+      </p:sp>
+    </p:spTree>
+    <p:extLst>
+      <p:ext uri="{BB962C8B-B14F-4D97-AF65-F5344CB8AC3E}">
+        <p14:creationId xmlns:p14="http://schemas.microsoft.com/office/powerpoint/2010/main" val="879667126"/>
+      </p:ext>
+    </p:extLst>
+  </p:cSld>
+  <p:clrMapOvr>
+    <a:masterClrMapping/>
+  </p:clrMapOvr>
+</p:notes>
+</file>
+
+<file path=ppt/notesSlides/notesSlide23.xml><?xml version="1.0" encoding="utf-8"?>
+<p:notes xmlns:a="http://schemas.openxmlformats.org/drawingml/2006/main" xmlns:r="http://schemas.openxmlformats.org/officeDocument/2006/relationships" xmlns:p="http://schemas.openxmlformats.org/presentationml/2006/main">
+  <p:cSld>
+    <p:spTree>
+      <p:nvGrpSpPr>
+        <p:cNvPr id="1" name="">
+          <a:extLst>
+            <a:ext uri="{FF2B5EF4-FFF2-40B4-BE49-F238E27FC236}">
+              <a16:creationId xmlns:a16="http://schemas.microsoft.com/office/drawing/2014/main" id="{32B25A4B-387D-18D2-0F17-54A2E6723B9D}"/>
+            </a:ext>
+          </a:extLst>
+        </p:cNvPr>
+        <p:cNvGrpSpPr/>
+        <p:nvPr/>
+      </p:nvGrpSpPr>
+      <p:grpSpPr>
+        <a:xfrm>
+          <a:off x="0" y="0"/>
+          <a:ext cx="0" cy="0"/>
+          <a:chOff x="0" y="0"/>
+          <a:chExt cx="0" cy="0"/>
+        </a:xfrm>
+      </p:grpSpPr>
+      <p:sp>
+        <p:nvSpPr>
+          <p:cNvPr id="2" name="Slayt Resmi Yer Tutucusu 1">
+            <a:extLst>
+              <a:ext uri="{FF2B5EF4-FFF2-40B4-BE49-F238E27FC236}">
+                <a16:creationId xmlns:a16="http://schemas.microsoft.com/office/drawing/2014/main" id="{4D6F68EA-26B5-B9AF-C216-8523F727D46E}"/>
+              </a:ext>
+            </a:extLst>
+          </p:cNvPr>
+          <p:cNvSpPr>
+            <a:spLocks noGrp="1" noRot="1" noChangeAspect="1"/>
+          </p:cNvSpPr>
+          <p:nvPr>
+            <p:ph type="sldImg"/>
+          </p:nvPr>
+        </p:nvSpPr>
+        <p:spPr/>
+      </p:sp>
+      <p:sp>
+        <p:nvSpPr>
+          <p:cNvPr id="3" name="Not Yer Tutucusu 2">
+            <a:extLst>
+              <a:ext uri="{FF2B5EF4-FFF2-40B4-BE49-F238E27FC236}">
+                <a16:creationId xmlns:a16="http://schemas.microsoft.com/office/drawing/2014/main" id="{DF9AAD67-9E85-12A1-5F5C-44C238410B86}"/>
+              </a:ext>
+            </a:extLst>
+          </p:cNvPr>
+          <p:cNvSpPr>
+            <a:spLocks noGrp="1"/>
+          </p:cNvSpPr>
+          <p:nvPr>
+            <p:ph type="body" idx="1"/>
+          </p:nvPr>
+        </p:nvSpPr>
+        <p:spPr/>
+        <p:txBody>
+          <a:bodyPr/>
+          <a:lstStyle/>
+          <a:p>
+            <a:endParaRPr lang="tr-TR"/>
+          </a:p>
+        </p:txBody>
+      </p:sp>
+      <p:sp>
+        <p:nvSpPr>
+          <p:cNvPr id="4" name="Slayt Numarası Yer Tutucusu 3">
+            <a:extLst>
+              <a:ext uri="{FF2B5EF4-FFF2-40B4-BE49-F238E27FC236}">
+                <a16:creationId xmlns:a16="http://schemas.microsoft.com/office/drawing/2014/main" id="{B1FFE0A1-7B29-9530-1630-E32A35A3268B}"/>
+              </a:ext>
+            </a:extLst>
+          </p:cNvPr>
+          <p:cNvSpPr>
+            <a:spLocks noGrp="1"/>
+          </p:cNvSpPr>
+          <p:nvPr>
+            <p:ph type="sldNum" sz="quarter" idx="5"/>
+          </p:nvPr>
+        </p:nvSpPr>
+        <p:spPr/>
+        <p:txBody>
+          <a:bodyPr/>
+          <a:lstStyle/>
+          <a:p>
+            <a:pPr rtl="0"/>
+            <a:fld id="{D5939589-3E79-4C82-AA4A-FE78234FAA59}" type="slidenum">
+              <a:rPr lang="tr-TR" smtClean="0"/>
+              <a:t>23</a:t>
+            </a:fld>
+            <a:endParaRPr lang="tr-TR"/>
+          </a:p>
+        </p:txBody>
+      </p:sp>
+    </p:spTree>
+    <p:extLst>
+      <p:ext uri="{BB962C8B-B14F-4D97-AF65-F5344CB8AC3E}">
+        <p14:creationId xmlns:p14="http://schemas.microsoft.com/office/powerpoint/2010/main" val="3529645611"/>
+      </p:ext>
+    </p:extLst>
+  </p:cSld>
+  <p:clrMapOvr>
+    <a:masterClrMapping/>
+  </p:clrMapOvr>
+</p:notes>
+</file>
+
+<file path=ppt/notesSlides/notesSlide24.xml><?xml version="1.0" encoding="utf-8"?>
+<p:notes xmlns:a="http://schemas.openxmlformats.org/drawingml/2006/main" xmlns:r="http://schemas.openxmlformats.org/officeDocument/2006/relationships" xmlns:p="http://schemas.openxmlformats.org/presentationml/2006/main">
+  <p:cSld>
+    <p:spTree>
+      <p:nvGrpSpPr>
+        <p:cNvPr id="1" name="">
+          <a:extLst>
+            <a:ext uri="{FF2B5EF4-FFF2-40B4-BE49-F238E27FC236}">
+              <a16:creationId xmlns:a16="http://schemas.microsoft.com/office/drawing/2014/main" id="{84CC13B6-207C-C69C-2740-5E90BB59615B}"/>
+            </a:ext>
+          </a:extLst>
+        </p:cNvPr>
+        <p:cNvGrpSpPr/>
+        <p:nvPr/>
+      </p:nvGrpSpPr>
+      <p:grpSpPr>
+        <a:xfrm>
+          <a:off x="0" y="0"/>
+          <a:ext cx="0" cy="0"/>
+          <a:chOff x="0" y="0"/>
+          <a:chExt cx="0" cy="0"/>
+        </a:xfrm>
+      </p:grpSpPr>
+      <p:sp>
+        <p:nvSpPr>
+          <p:cNvPr id="2" name="Slayt Resmi Yer Tutucusu 1">
+            <a:extLst>
+              <a:ext uri="{FF2B5EF4-FFF2-40B4-BE49-F238E27FC236}">
+                <a16:creationId xmlns:a16="http://schemas.microsoft.com/office/drawing/2014/main" id="{7619FFFD-75B7-13AE-4A74-09E66030D49A}"/>
+              </a:ext>
+            </a:extLst>
+          </p:cNvPr>
+          <p:cNvSpPr>
+            <a:spLocks noGrp="1" noRot="1" noChangeAspect="1"/>
+          </p:cNvSpPr>
+          <p:nvPr>
+            <p:ph type="sldImg"/>
+          </p:nvPr>
+        </p:nvSpPr>
+        <p:spPr/>
+      </p:sp>
+      <p:sp>
+        <p:nvSpPr>
+          <p:cNvPr id="3" name="Not Yer Tutucusu 2">
+            <a:extLst>
+              <a:ext uri="{FF2B5EF4-FFF2-40B4-BE49-F238E27FC236}">
+                <a16:creationId xmlns:a16="http://schemas.microsoft.com/office/drawing/2014/main" id="{B09E93B2-C3EE-F0F7-58EE-D0C2C2DAD78F}"/>
+              </a:ext>
+            </a:extLst>
+          </p:cNvPr>
+          <p:cNvSpPr>
+            <a:spLocks noGrp="1"/>
+          </p:cNvSpPr>
+          <p:nvPr>
+            <p:ph type="body" idx="1"/>
+          </p:nvPr>
+        </p:nvSpPr>
+        <p:spPr/>
+        <p:txBody>
+          <a:bodyPr/>
+          <a:lstStyle/>
+          <a:p>
+            <a:endParaRPr lang="tr-TR"/>
+          </a:p>
+        </p:txBody>
+      </p:sp>
+      <p:sp>
+        <p:nvSpPr>
+          <p:cNvPr id="4" name="Slayt Numarası Yer Tutucusu 3">
+            <a:extLst>
+              <a:ext uri="{FF2B5EF4-FFF2-40B4-BE49-F238E27FC236}">
+                <a16:creationId xmlns:a16="http://schemas.microsoft.com/office/drawing/2014/main" id="{A3779B03-AAC6-485C-096C-9BF1668EDC2B}"/>
+              </a:ext>
+            </a:extLst>
+          </p:cNvPr>
+          <p:cNvSpPr>
+            <a:spLocks noGrp="1"/>
+          </p:cNvSpPr>
+          <p:nvPr>
+            <p:ph type="sldNum" sz="quarter" idx="5"/>
+          </p:nvPr>
+        </p:nvSpPr>
+        <p:spPr/>
+        <p:txBody>
+          <a:bodyPr/>
+          <a:lstStyle/>
+          <a:p>
+            <a:pPr rtl="0"/>
+            <a:fld id="{D5939589-3E79-4C82-AA4A-FE78234FAA59}" type="slidenum">
+              <a:rPr lang="tr-TR" smtClean="0"/>
+              <a:t>24</a:t>
+            </a:fld>
+            <a:endParaRPr lang="tr-TR"/>
+          </a:p>
+        </p:txBody>
+      </p:sp>
+    </p:spTree>
+    <p:extLst>
+      <p:ext uri="{BB962C8B-B14F-4D97-AF65-F5344CB8AC3E}">
+        <p14:creationId xmlns:p14="http://schemas.microsoft.com/office/powerpoint/2010/main" val="2437671429"/>
+      </p:ext>
+    </p:extLst>
+  </p:cSld>
+  <p:clrMapOvr>
+    <a:masterClrMapping/>
+  </p:clrMapOvr>
+</p:notes>
+</file>
+
+<file path=ppt/notesSlides/notesSlide25.xml><?xml version="1.0" encoding="utf-8"?>
+<p:notes xmlns:a="http://schemas.openxmlformats.org/drawingml/2006/main" xmlns:r="http://schemas.openxmlformats.org/officeDocument/2006/relationships" xmlns:p="http://schemas.openxmlformats.org/presentationml/2006/main">
+  <p:cSld>
+    <p:spTree>
+      <p:nvGrpSpPr>
+        <p:cNvPr id="1" name="">
+          <a:extLst>
+            <a:ext uri="{FF2B5EF4-FFF2-40B4-BE49-F238E27FC236}">
+              <a16:creationId xmlns:a16="http://schemas.microsoft.com/office/drawing/2014/main" id="{986237E1-1426-48DA-5589-234A19252A61}"/>
+            </a:ext>
+          </a:extLst>
+        </p:cNvPr>
+        <p:cNvGrpSpPr/>
+        <p:nvPr/>
+      </p:nvGrpSpPr>
+      <p:grpSpPr>
+        <a:xfrm>
+          <a:off x="0" y="0"/>
+          <a:ext cx="0" cy="0"/>
+          <a:chOff x="0" y="0"/>
+          <a:chExt cx="0" cy="0"/>
+        </a:xfrm>
+      </p:grpSpPr>
+      <p:sp>
+        <p:nvSpPr>
+          <p:cNvPr id="2" name="Slayt Resmi Yer Tutucusu 1">
+            <a:extLst>
+              <a:ext uri="{FF2B5EF4-FFF2-40B4-BE49-F238E27FC236}">
+                <a16:creationId xmlns:a16="http://schemas.microsoft.com/office/drawing/2014/main" id="{80EEB338-E6AE-8B0F-209E-A5EB5ED762A6}"/>
+              </a:ext>
+            </a:extLst>
+          </p:cNvPr>
+          <p:cNvSpPr>
+            <a:spLocks noGrp="1" noRot="1" noChangeAspect="1"/>
+          </p:cNvSpPr>
+          <p:nvPr>
+            <p:ph type="sldImg"/>
+          </p:nvPr>
+        </p:nvSpPr>
+        <p:spPr/>
+      </p:sp>
+      <p:sp>
+        <p:nvSpPr>
+          <p:cNvPr id="3" name="Not Yer Tutucusu 2">
+            <a:extLst>
+              <a:ext uri="{FF2B5EF4-FFF2-40B4-BE49-F238E27FC236}">
+                <a16:creationId xmlns:a16="http://schemas.microsoft.com/office/drawing/2014/main" id="{0966DF6C-3595-24D7-F0C3-1A2BDC16A5A2}"/>
+              </a:ext>
+            </a:extLst>
+          </p:cNvPr>
+          <p:cNvSpPr>
+            <a:spLocks noGrp="1"/>
+          </p:cNvSpPr>
+          <p:nvPr>
+            <p:ph type="body" idx="1"/>
+          </p:nvPr>
+        </p:nvSpPr>
+        <p:spPr/>
+        <p:txBody>
+          <a:bodyPr/>
+          <a:lstStyle/>
+          <a:p>
+            <a:endParaRPr lang="tr-TR"/>
+          </a:p>
+        </p:txBody>
+      </p:sp>
+      <p:sp>
+        <p:nvSpPr>
+          <p:cNvPr id="4" name="Slayt Numarası Yer Tutucusu 3">
+            <a:extLst>
+              <a:ext uri="{FF2B5EF4-FFF2-40B4-BE49-F238E27FC236}">
+                <a16:creationId xmlns:a16="http://schemas.microsoft.com/office/drawing/2014/main" id="{5343695D-DD31-03C3-FEF6-80A77ED0430E}"/>
+              </a:ext>
+            </a:extLst>
+          </p:cNvPr>
+          <p:cNvSpPr>
+            <a:spLocks noGrp="1"/>
+          </p:cNvSpPr>
+          <p:nvPr>
+            <p:ph type="sldNum" sz="quarter" idx="5"/>
+          </p:nvPr>
+        </p:nvSpPr>
+        <p:spPr/>
+        <p:txBody>
+          <a:bodyPr/>
+          <a:lstStyle/>
+          <a:p>
+            <a:pPr rtl="0"/>
+            <a:fld id="{D5939589-3E79-4C82-AA4A-FE78234FAA59}" type="slidenum">
+              <a:rPr lang="tr-TR" smtClean="0"/>
+              <a:t>25</a:t>
+            </a:fld>
+            <a:endParaRPr lang="tr-TR"/>
+          </a:p>
+        </p:txBody>
+      </p:sp>
+    </p:spTree>
+    <p:extLst>
+      <p:ext uri="{BB962C8B-B14F-4D97-AF65-F5344CB8AC3E}">
+        <p14:creationId xmlns:p14="http://schemas.microsoft.com/office/powerpoint/2010/main" val="2818955308"/>
+      </p:ext>
+    </p:extLst>
+  </p:cSld>
+  <p:clrMapOvr>
+    <a:masterClrMapping/>
+  </p:clrMapOvr>
+</p:notes>
+</file>
+
+<file path=ppt/notesSlides/notesSlide26.xml><?xml version="1.0" encoding="utf-8"?>
+<p:notes xmlns:a="http://schemas.openxmlformats.org/drawingml/2006/main" xmlns:r="http://schemas.openxmlformats.org/officeDocument/2006/relationships" xmlns:p="http://schemas.openxmlformats.org/presentationml/2006/main">
+  <p:cSld>
+    <p:spTree>
+      <p:nvGrpSpPr>
+        <p:cNvPr id="1" name="">
+          <a:extLst>
+            <a:ext uri="{FF2B5EF4-FFF2-40B4-BE49-F238E27FC236}">
+              <a16:creationId xmlns:a16="http://schemas.microsoft.com/office/drawing/2014/main" id="{CDFD20AD-ADDE-35BD-DD9C-136ABDD10E6F}"/>
+            </a:ext>
+          </a:extLst>
+        </p:cNvPr>
+        <p:cNvGrpSpPr/>
+        <p:nvPr/>
+      </p:nvGrpSpPr>
+      <p:grpSpPr>
+        <a:xfrm>
+          <a:off x="0" y="0"/>
+          <a:ext cx="0" cy="0"/>
+          <a:chOff x="0" y="0"/>
+          <a:chExt cx="0" cy="0"/>
+        </a:xfrm>
+      </p:grpSpPr>
+      <p:sp>
+        <p:nvSpPr>
+          <p:cNvPr id="2" name="Slayt Resmi Yer Tutucusu 1">
+            <a:extLst>
+              <a:ext uri="{FF2B5EF4-FFF2-40B4-BE49-F238E27FC236}">
+                <a16:creationId xmlns:a16="http://schemas.microsoft.com/office/drawing/2014/main" id="{4A44A820-E746-79BB-D837-1C54D204A41B}"/>
+              </a:ext>
+            </a:extLst>
+          </p:cNvPr>
+          <p:cNvSpPr>
+            <a:spLocks noGrp="1" noRot="1" noChangeAspect="1"/>
+          </p:cNvSpPr>
+          <p:nvPr>
+            <p:ph type="sldImg"/>
+          </p:nvPr>
+        </p:nvSpPr>
+        <p:spPr/>
+      </p:sp>
+      <p:sp>
+        <p:nvSpPr>
+          <p:cNvPr id="3" name="Not Yer Tutucusu 2">
+            <a:extLst>
+              <a:ext uri="{FF2B5EF4-FFF2-40B4-BE49-F238E27FC236}">
+                <a16:creationId xmlns:a16="http://schemas.microsoft.com/office/drawing/2014/main" id="{690DA954-BB34-4181-4F63-3CEE3E45F9A5}"/>
+              </a:ext>
+            </a:extLst>
+          </p:cNvPr>
+          <p:cNvSpPr>
+            <a:spLocks noGrp="1"/>
+          </p:cNvSpPr>
+          <p:nvPr>
+            <p:ph type="body" idx="1"/>
+          </p:nvPr>
+        </p:nvSpPr>
+        <p:spPr/>
+        <p:txBody>
+          <a:bodyPr/>
+          <a:lstStyle/>
+          <a:p>
+            <a:endParaRPr lang="tr-TR"/>
+          </a:p>
+        </p:txBody>
+      </p:sp>
+      <p:sp>
+        <p:nvSpPr>
+          <p:cNvPr id="4" name="Slayt Numarası Yer Tutucusu 3">
+            <a:extLst>
+              <a:ext uri="{FF2B5EF4-FFF2-40B4-BE49-F238E27FC236}">
+                <a16:creationId xmlns:a16="http://schemas.microsoft.com/office/drawing/2014/main" id="{A8070E1B-C48E-176C-CBF9-0C4838798758}"/>
+              </a:ext>
+            </a:extLst>
+          </p:cNvPr>
+          <p:cNvSpPr>
+            <a:spLocks noGrp="1"/>
+          </p:cNvSpPr>
+          <p:nvPr>
+            <p:ph type="sldNum" sz="quarter" idx="5"/>
+          </p:nvPr>
+        </p:nvSpPr>
+        <p:spPr/>
+        <p:txBody>
+          <a:bodyPr/>
+          <a:lstStyle/>
+          <a:p>
+            <a:pPr rtl="0"/>
+            <a:fld id="{D5939589-3E79-4C82-AA4A-FE78234FAA59}" type="slidenum">
+              <a:rPr lang="tr-TR" smtClean="0"/>
+              <a:t>26</a:t>
+            </a:fld>
+            <a:endParaRPr lang="tr-TR"/>
+          </a:p>
+        </p:txBody>
+      </p:sp>
+    </p:spTree>
+    <p:extLst>
+      <p:ext uri="{BB962C8B-B14F-4D97-AF65-F5344CB8AC3E}">
+        <p14:creationId xmlns:p14="http://schemas.microsoft.com/office/powerpoint/2010/main" val="675705764"/>
+      </p:ext>
+    </p:extLst>
+  </p:cSld>
+  <p:clrMapOvr>
+    <a:masterClrMapping/>
+  </p:clrMapOvr>
+</p:notes>
+</file>
+
+<file path=ppt/notesSlides/notesSlide27.xml><?xml version="1.0" encoding="utf-8"?>
+<p:notes xmlns:a="http://schemas.openxmlformats.org/drawingml/2006/main" xmlns:r="http://schemas.openxmlformats.org/officeDocument/2006/relationships" xmlns:p="http://schemas.openxmlformats.org/presentationml/2006/main">
+  <p:cSld>
+    <p:spTree>
+      <p:nvGrpSpPr>
+        <p:cNvPr id="1" name="">
+          <a:extLst>
+            <a:ext uri="{FF2B5EF4-FFF2-40B4-BE49-F238E27FC236}">
+              <a16:creationId xmlns:a16="http://schemas.microsoft.com/office/drawing/2014/main" id="{8ADD949A-9328-CBFE-CB26-8AC0C362990D}"/>
+            </a:ext>
+          </a:extLst>
+        </p:cNvPr>
+        <p:cNvGrpSpPr/>
+        <p:nvPr/>
+      </p:nvGrpSpPr>
+      <p:grpSpPr>
+        <a:xfrm>
+          <a:off x="0" y="0"/>
+          <a:ext cx="0" cy="0"/>
+          <a:chOff x="0" y="0"/>
+          <a:chExt cx="0" cy="0"/>
+        </a:xfrm>
+      </p:grpSpPr>
+      <p:sp>
+        <p:nvSpPr>
+          <p:cNvPr id="2" name="Slayt Resmi Yer Tutucusu 1">
+            <a:extLst>
+              <a:ext uri="{FF2B5EF4-FFF2-40B4-BE49-F238E27FC236}">
+                <a16:creationId xmlns:a16="http://schemas.microsoft.com/office/drawing/2014/main" id="{F7027081-735C-3F15-6863-1D013D72D8D9}"/>
+              </a:ext>
+            </a:extLst>
+          </p:cNvPr>
+          <p:cNvSpPr>
+            <a:spLocks noGrp="1" noRot="1" noChangeAspect="1"/>
+          </p:cNvSpPr>
+          <p:nvPr>
+            <p:ph type="sldImg"/>
+          </p:nvPr>
+        </p:nvSpPr>
+        <p:spPr/>
+      </p:sp>
+      <p:sp>
+        <p:nvSpPr>
+          <p:cNvPr id="3" name="Not Yer Tutucusu 2">
+            <a:extLst>
+              <a:ext uri="{FF2B5EF4-FFF2-40B4-BE49-F238E27FC236}">
+                <a16:creationId xmlns:a16="http://schemas.microsoft.com/office/drawing/2014/main" id="{3F8557CC-9B61-7D94-4EB1-47E4CCCB0134}"/>
+              </a:ext>
+            </a:extLst>
+          </p:cNvPr>
+          <p:cNvSpPr>
+            <a:spLocks noGrp="1"/>
+          </p:cNvSpPr>
+          <p:nvPr>
+            <p:ph type="body" idx="1"/>
+          </p:nvPr>
+        </p:nvSpPr>
+        <p:spPr/>
+        <p:txBody>
+          <a:bodyPr/>
+          <a:lstStyle/>
+          <a:p>
+            <a:endParaRPr lang="tr-TR"/>
+          </a:p>
+        </p:txBody>
+      </p:sp>
+      <p:sp>
+        <p:nvSpPr>
+          <p:cNvPr id="4" name="Slayt Numarası Yer Tutucusu 3">
+            <a:extLst>
+              <a:ext uri="{FF2B5EF4-FFF2-40B4-BE49-F238E27FC236}">
+                <a16:creationId xmlns:a16="http://schemas.microsoft.com/office/drawing/2014/main" id="{11044605-4A0F-0D19-9079-818C8DB17DC3}"/>
+              </a:ext>
+            </a:extLst>
+          </p:cNvPr>
+          <p:cNvSpPr>
+            <a:spLocks noGrp="1"/>
+          </p:cNvSpPr>
+          <p:nvPr>
+            <p:ph type="sldNum" sz="quarter" idx="5"/>
+          </p:nvPr>
+        </p:nvSpPr>
+        <p:spPr/>
+        <p:txBody>
+          <a:bodyPr/>
+          <a:lstStyle/>
+          <a:p>
+            <a:pPr rtl="0"/>
+            <a:fld id="{D5939589-3E79-4C82-AA4A-FE78234FAA59}" type="slidenum">
+              <a:rPr lang="tr-TR" smtClean="0"/>
+              <a:t>27</a:t>
+            </a:fld>
+            <a:endParaRPr lang="tr-TR"/>
+          </a:p>
+        </p:txBody>
+      </p:sp>
+    </p:spTree>
+    <p:extLst>
+      <p:ext uri="{BB962C8B-B14F-4D97-AF65-F5344CB8AC3E}">
+        <p14:creationId xmlns:p14="http://schemas.microsoft.com/office/powerpoint/2010/main" val="946721042"/>
+      </p:ext>
+    </p:extLst>
+  </p:cSld>
+  <p:clrMapOvr>
+    <a:masterClrMapping/>
+  </p:clrMapOvr>
+</p:notes>
+</file>
+
+<file path=ppt/notesSlides/notesSlide28.xml><?xml version="1.0" encoding="utf-8"?>
+<p:notes xmlns:a="http://schemas.openxmlformats.org/drawingml/2006/main" xmlns:r="http://schemas.openxmlformats.org/officeDocument/2006/relationships" xmlns:p="http://schemas.openxmlformats.org/presentationml/2006/main">
+  <p:cSld>
+    <p:spTree>
+      <p:nvGrpSpPr>
+        <p:cNvPr id="1" name="">
+          <a:extLst>
+            <a:ext uri="{FF2B5EF4-FFF2-40B4-BE49-F238E27FC236}">
+              <a16:creationId xmlns:a16="http://schemas.microsoft.com/office/drawing/2014/main" id="{2A87FAFC-828E-9238-D16D-51626F7E4DDA}"/>
+            </a:ext>
+          </a:extLst>
+        </p:cNvPr>
+        <p:cNvGrpSpPr/>
+        <p:nvPr/>
+      </p:nvGrpSpPr>
+      <p:grpSpPr>
+        <a:xfrm>
+          <a:off x="0" y="0"/>
+          <a:ext cx="0" cy="0"/>
+          <a:chOff x="0" y="0"/>
+          <a:chExt cx="0" cy="0"/>
+        </a:xfrm>
+      </p:grpSpPr>
+      <p:sp>
+        <p:nvSpPr>
+          <p:cNvPr id="2" name="Slayt Resmi Yer Tutucusu 1">
+            <a:extLst>
+              <a:ext uri="{FF2B5EF4-FFF2-40B4-BE49-F238E27FC236}">
+                <a16:creationId xmlns:a16="http://schemas.microsoft.com/office/drawing/2014/main" id="{E19FC1CF-E79F-3713-4F29-C0C4C249BFB4}"/>
+              </a:ext>
+            </a:extLst>
+          </p:cNvPr>
+          <p:cNvSpPr>
+            <a:spLocks noGrp="1" noRot="1" noChangeAspect="1"/>
+          </p:cNvSpPr>
+          <p:nvPr>
+            <p:ph type="sldImg"/>
+          </p:nvPr>
+        </p:nvSpPr>
+        <p:spPr/>
+      </p:sp>
+      <p:sp>
+        <p:nvSpPr>
+          <p:cNvPr id="3" name="Not Yer Tutucusu 2">
+            <a:extLst>
+              <a:ext uri="{FF2B5EF4-FFF2-40B4-BE49-F238E27FC236}">
+                <a16:creationId xmlns:a16="http://schemas.microsoft.com/office/drawing/2014/main" id="{C78E6845-2ADF-D093-D53B-41A33C585C85}"/>
+              </a:ext>
+            </a:extLst>
+          </p:cNvPr>
+          <p:cNvSpPr>
+            <a:spLocks noGrp="1"/>
+          </p:cNvSpPr>
+          <p:nvPr>
+            <p:ph type="body" idx="1"/>
+          </p:nvPr>
+        </p:nvSpPr>
+        <p:spPr/>
+        <p:txBody>
+          <a:bodyPr/>
+          <a:lstStyle/>
+          <a:p>
+            <a:endParaRPr lang="tr-TR"/>
+          </a:p>
+        </p:txBody>
+      </p:sp>
+      <p:sp>
+        <p:nvSpPr>
+          <p:cNvPr id="4" name="Slayt Numarası Yer Tutucusu 3">
+            <a:extLst>
+              <a:ext uri="{FF2B5EF4-FFF2-40B4-BE49-F238E27FC236}">
+                <a16:creationId xmlns:a16="http://schemas.microsoft.com/office/drawing/2014/main" id="{3F58CF5C-A05D-AE6F-C574-65CCB5ECA2B0}"/>
+              </a:ext>
+            </a:extLst>
+          </p:cNvPr>
+          <p:cNvSpPr>
+            <a:spLocks noGrp="1"/>
+          </p:cNvSpPr>
+          <p:nvPr>
+            <p:ph type="sldNum" sz="quarter" idx="5"/>
+          </p:nvPr>
+        </p:nvSpPr>
+        <p:spPr/>
+        <p:txBody>
+          <a:bodyPr/>
+          <a:lstStyle/>
+          <a:p>
+            <a:pPr rtl="0"/>
+            <a:fld id="{D5939589-3E79-4C82-AA4A-FE78234FAA59}" type="slidenum">
+              <a:rPr lang="tr-TR" smtClean="0"/>
+              <a:t>28</a:t>
+            </a:fld>
+            <a:endParaRPr lang="tr-TR"/>
+          </a:p>
+        </p:txBody>
+      </p:sp>
+    </p:spTree>
+    <p:extLst>
+      <p:ext uri="{BB962C8B-B14F-4D97-AF65-F5344CB8AC3E}">
+        <p14:creationId xmlns:p14="http://schemas.microsoft.com/office/powerpoint/2010/main" val="3636690361"/>
       </p:ext>
     </p:extLst>
   </p:cSld>
@@ -13094,8 +14328,21 @@
                   <a:schemeClr val="accent1"/>
                 </a:solidFill>
               </a:rPr>
-              <a:t>handlandmark_spyder_app.py</a:t>
-            </a:r>
+              <a:t>handlandmark_spyder_app.py-&gt; </a:t>
+            </a:r>
+            <a:r>
+              <a:rPr lang="tr-TR" sz="2800" dirty="0" err="1">
+                <a:solidFill>
+                  <a:schemeClr val="accent1"/>
+                </a:solidFill>
+              </a:rPr>
+              <a:t>vision.HandLandmarker</a:t>
+            </a:r>
+            <a:endParaRPr lang="tr-TR" sz="2800" dirty="0">
+              <a:solidFill>
+                <a:schemeClr val="accent1"/>
+              </a:solidFill>
+            </a:endParaRPr>
           </a:p>
         </p:txBody>
       </p:sp>
@@ -13616,7 +14863,7 @@
         </p:blipFill>
         <p:spPr>
           <a:xfrm>
-            <a:off x="8755404" y="1482437"/>
+            <a:off x="8766119" y="1110082"/>
             <a:ext cx="3208298" cy="4991533"/>
           </a:xfrm>
           <a:prstGeom prst="rect">
@@ -14877,16 +16124,28 @@
           <a:p>
             <a:pPr algn="just"/>
             <a:r>
-              <a:rPr lang="tr-TR" sz="2000" b="1" u="sng" dirty="0">
+              <a:rPr lang="tr-TR" sz="2000" b="1" u="sng" dirty="0" err="1">
                 <a:solidFill>
                   <a:schemeClr val="accent2"/>
                 </a:solidFill>
               </a:rPr>
-              <a:t>hand_world_landmarks:</a:t>
+              <a:t>hand_world_landmarks</a:t>
+            </a:r>
+            <a:r>
+              <a:rPr lang="tr-TR" sz="2000" b="1" u="sng">
+                <a:solidFill>
+                  <a:schemeClr val="accent2"/>
+                </a:solidFill>
+              </a:rPr>
+              <a:t>: </a:t>
+            </a:r>
+            <a:r>
+              <a:rPr lang="tr-TR"/>
+              <a:t>21 </a:t>
             </a:r>
             <a:r>
               <a:rPr lang="tr-TR" dirty="0"/>
-              <a:t>21 el işareti aynı zamanda dünya koordinatlarında sunulur. Her bir yer işareti, başlangıç noktası elin geometrik merkezinde olacak şekilde gerçek dünyanın 3 boyutlu koordinatlarını metre cinsinden temsil eden x, y ve z'den oluşur.</a:t>
+              <a:t>el işareti aynı zamanda dünya koordinatlarında sunulur. Her bir yer işareti, başlangıç noktası elin geometrik merkezinde olacak şekilde gerçek dünyanın 3 boyutlu koordinatlarını metre cinsinden temsil eden x, y ve z'den oluşur.</a:t>
             </a:r>
           </a:p>
           <a:p>
@@ -14997,7 +16256,13 @@
   <p:cSld>
     <p:spTree>
       <p:nvGrpSpPr>
-        <p:cNvPr id="1" name=""/>
+        <p:cNvPr id="1" name="">
+          <a:extLst>
+            <a:ext uri="{FF2B5EF4-FFF2-40B4-BE49-F238E27FC236}">
+              <a16:creationId xmlns:a16="http://schemas.microsoft.com/office/drawing/2014/main" id="{B057C013-FDED-86C8-665F-4C4D9F07445D}"/>
+            </a:ext>
+          </a:extLst>
+        </p:cNvPr>
         <p:cNvGrpSpPr/>
         <p:nvPr/>
       </p:nvGrpSpPr>
@@ -15014,7 +16279,7 @@
           <p:cNvPr id="3" name="Başlık 2">
             <a:extLst>
               <a:ext uri="{FF2B5EF4-FFF2-40B4-BE49-F238E27FC236}">
-                <a16:creationId xmlns:a16="http://schemas.microsoft.com/office/drawing/2014/main" id="{0115FF41-AFA4-4D25-AB42-AB034F4B4FEC}"/>
+                <a16:creationId xmlns:a16="http://schemas.microsoft.com/office/drawing/2014/main" id="{54BD904C-3A0D-9F34-8C46-FACEA4EA0DAB}"/>
               </a:ext>
             </a:extLst>
           </p:cNvPr>
@@ -15082,7 +16347,7 @@
           <p:cNvPr id="11" name="Slayt Numarası Yer Tutucusu 10">
             <a:extLst>
               <a:ext uri="{FF2B5EF4-FFF2-40B4-BE49-F238E27FC236}">
-                <a16:creationId xmlns:a16="http://schemas.microsoft.com/office/drawing/2014/main" id="{56AE2454-CE9A-4A6B-AB5A-349E0D967654}"/>
+                <a16:creationId xmlns:a16="http://schemas.microsoft.com/office/drawing/2014/main" id="{494EFD80-97DC-B445-B890-181FFF90EB40}"/>
               </a:ext>
             </a:extLst>
           </p:cNvPr>
@@ -15113,7 +16378,7 @@
           <p:cNvPr id="4" name="İçerik Yer Tutucusu 3">
             <a:extLst>
               <a:ext uri="{FF2B5EF4-FFF2-40B4-BE49-F238E27FC236}">
-                <a16:creationId xmlns:a16="http://schemas.microsoft.com/office/drawing/2014/main" id="{23CFCE7C-C506-F2B0-9976-31D026B56BAF}"/>
+                <a16:creationId xmlns:a16="http://schemas.microsoft.com/office/drawing/2014/main" id="{4C577C78-0F0F-E434-7A1B-2343AF116D00}"/>
               </a:ext>
             </a:extLst>
           </p:cNvPr>
@@ -15138,7 +16403,7 @@
           <p:cNvPr id="9" name="Resim 8">
             <a:extLst>
               <a:ext uri="{FF2B5EF4-FFF2-40B4-BE49-F238E27FC236}">
-                <a16:creationId xmlns:a16="http://schemas.microsoft.com/office/drawing/2014/main" id="{BCFB5D79-EC94-AE52-C960-48C04FA47986}"/>
+                <a16:creationId xmlns:a16="http://schemas.microsoft.com/office/drawing/2014/main" id="{CF3F3722-5CE7-9162-BED1-3834D0AAA4C1}"/>
               </a:ext>
             </a:extLst>
           </p:cNvPr>
@@ -15168,7 +16433,7 @@
           <p:cNvPr id="5" name="Resim 4">
             <a:extLst>
               <a:ext uri="{FF2B5EF4-FFF2-40B4-BE49-F238E27FC236}">
-                <a16:creationId xmlns:a16="http://schemas.microsoft.com/office/drawing/2014/main" id="{FA60876C-CF0A-3E75-605E-EB2665C3A0CB}"/>
+                <a16:creationId xmlns:a16="http://schemas.microsoft.com/office/drawing/2014/main" id="{9356358D-1438-B0CB-AA21-76CE96CD06B9}"/>
               </a:ext>
             </a:extLst>
           </p:cNvPr>
@@ -15196,7 +16461,502 @@
     </p:spTree>
     <p:extLst>
       <p:ext uri="{BB962C8B-B14F-4D97-AF65-F5344CB8AC3E}">
-        <p14:creationId xmlns:p14="http://schemas.microsoft.com/office/powerpoint/2010/main" val="4247174397"/>
+        <p14:creationId xmlns:p14="http://schemas.microsoft.com/office/powerpoint/2010/main" val="1252403850"/>
+      </p:ext>
+    </p:extLst>
+  </p:cSld>
+  <p:clrMapOvr>
+    <a:masterClrMapping/>
+  </p:clrMapOvr>
+</p:sld>
+</file>
+
+<file path=ppt/slides/slide18.xml><?xml version="1.0" encoding="utf-8"?>
+<p:sld xmlns:a="http://schemas.openxmlformats.org/drawingml/2006/main" xmlns:r="http://schemas.openxmlformats.org/officeDocument/2006/relationships" xmlns:p="http://schemas.openxmlformats.org/presentationml/2006/main">
+  <p:cSld>
+    <p:spTree>
+      <p:nvGrpSpPr>
+        <p:cNvPr id="1" name="">
+          <a:extLst>
+            <a:ext uri="{FF2B5EF4-FFF2-40B4-BE49-F238E27FC236}">
+              <a16:creationId xmlns:a16="http://schemas.microsoft.com/office/drawing/2014/main" id="{9AAF85F7-78AF-3D2D-B488-99BD728DF744}"/>
+            </a:ext>
+          </a:extLst>
+        </p:cNvPr>
+        <p:cNvGrpSpPr/>
+        <p:nvPr/>
+      </p:nvGrpSpPr>
+      <p:grpSpPr>
+        <a:xfrm>
+          <a:off x="0" y="0"/>
+          <a:ext cx="0" cy="0"/>
+          <a:chOff x="0" y="0"/>
+          <a:chExt cx="0" cy="0"/>
+        </a:xfrm>
+      </p:grpSpPr>
+      <p:sp>
+        <p:nvSpPr>
+          <p:cNvPr id="3" name="Başlık 2">
+            <a:extLst>
+              <a:ext uri="{FF2B5EF4-FFF2-40B4-BE49-F238E27FC236}">
+                <a16:creationId xmlns:a16="http://schemas.microsoft.com/office/drawing/2014/main" id="{DE0F79E9-B9E7-C99F-5ADF-2145D7587C40}"/>
+              </a:ext>
+            </a:extLst>
+          </p:cNvPr>
+          <p:cNvSpPr>
+            <a:spLocks noGrp="1"/>
+          </p:cNvSpPr>
+          <p:nvPr>
+            <p:ph type="title"/>
+          </p:nvPr>
+        </p:nvSpPr>
+        <p:spPr>
+          <a:xfrm>
+            <a:off x="217583" y="282440"/>
+            <a:ext cx="11436154" cy="572907"/>
+          </a:xfrm>
+        </p:spPr>
+        <p:txBody>
+          <a:bodyPr rtlCol="0">
+            <a:noAutofit/>
+          </a:bodyPr>
+          <a:lstStyle/>
+          <a:p>
+            <a:pPr rtl="0"/>
+            <a:r>
+              <a:rPr lang="tr-TR" sz="2800" dirty="0"/>
+              <a:t>El Yer İşaretlerinin Tespiti (</a:t>
+            </a:r>
+            <a:r>
+              <a:rPr lang="tr-TR" sz="2800" dirty="0" err="1"/>
+              <a:t>Hand</a:t>
+            </a:r>
+            <a:r>
+              <a:rPr lang="tr-TR" sz="2800" dirty="0"/>
+              <a:t> </a:t>
+            </a:r>
+            <a:r>
+              <a:rPr lang="tr-TR" sz="2800" dirty="0" err="1"/>
+              <a:t>Landmarks</a:t>
+            </a:r>
+            <a:r>
+              <a:rPr lang="tr-TR" sz="2800" dirty="0"/>
+              <a:t> </a:t>
+            </a:r>
+            <a:r>
+              <a:rPr lang="tr-TR" sz="2800" dirty="0" err="1"/>
+              <a:t>Detection</a:t>
+            </a:r>
+            <a:r>
+              <a:rPr lang="tr-TR" sz="2800" dirty="0"/>
+              <a:t>)-&gt; </a:t>
+            </a:r>
+            <a:r>
+              <a:rPr lang="tr-TR" sz="2800" dirty="0">
+                <a:solidFill>
+                  <a:schemeClr val="accent1"/>
+                </a:solidFill>
+              </a:rPr>
+              <a:t>handlandmark_video_spyder_app.py -&gt; </a:t>
+            </a:r>
+            <a:r>
+              <a:rPr lang="tr-TR" sz="2800" dirty="0" err="1">
+                <a:solidFill>
+                  <a:schemeClr val="accent1"/>
+                </a:solidFill>
+              </a:rPr>
+              <a:t>vision.HandLandmarker</a:t>
+            </a:r>
+            <a:endParaRPr lang="tr-TR" sz="2800" dirty="0">
+              <a:solidFill>
+                <a:schemeClr val="accent1"/>
+              </a:solidFill>
+            </a:endParaRPr>
+          </a:p>
+        </p:txBody>
+      </p:sp>
+      <p:sp>
+        <p:nvSpPr>
+          <p:cNvPr id="11" name="Slayt Numarası Yer Tutucusu 10">
+            <a:extLst>
+              <a:ext uri="{FF2B5EF4-FFF2-40B4-BE49-F238E27FC236}">
+                <a16:creationId xmlns:a16="http://schemas.microsoft.com/office/drawing/2014/main" id="{2337546C-C73E-D4CF-47E6-DB78F299E22E}"/>
+              </a:ext>
+            </a:extLst>
+          </p:cNvPr>
+          <p:cNvSpPr>
+            <a:spLocks noGrp="1"/>
+          </p:cNvSpPr>
+          <p:nvPr>
+            <p:ph type="sldNum" sz="quarter" idx="12"/>
+          </p:nvPr>
+        </p:nvSpPr>
+        <p:spPr/>
+        <p:txBody>
+          <a:bodyPr rtlCol="0"/>
+          <a:lstStyle/>
+          <a:p>
+            <a:pPr rtl="0"/>
+            <a:fld id="{D8DA9DAA-006C-4F4B-980E-E3DF019B24E2}" type="slidenum">
+              <a:rPr lang="tr-TR" smtClean="0"/>
+              <a:pPr rtl="0"/>
+              <a:t>18</a:t>
+            </a:fld>
+            <a:endParaRPr lang="tr-TR"/>
+          </a:p>
+        </p:txBody>
+      </p:sp>
+      <p:sp>
+        <p:nvSpPr>
+          <p:cNvPr id="4" name="İçerik Yer Tutucusu 3">
+            <a:extLst>
+              <a:ext uri="{FF2B5EF4-FFF2-40B4-BE49-F238E27FC236}">
+                <a16:creationId xmlns:a16="http://schemas.microsoft.com/office/drawing/2014/main" id="{2F65339E-912B-A2CC-8BCA-7EC942A86009}"/>
+              </a:ext>
+            </a:extLst>
+          </p:cNvPr>
+          <p:cNvSpPr>
+            <a:spLocks noGrp="1"/>
+          </p:cNvSpPr>
+          <p:nvPr>
+            <p:ph idx="1"/>
+          </p:nvPr>
+        </p:nvSpPr>
+        <p:spPr>
+          <a:xfrm>
+            <a:off x="1204953" y="6004249"/>
+            <a:ext cx="9310645" cy="853751"/>
+          </a:xfrm>
+        </p:spPr>
+        <p:txBody>
+          <a:bodyPr>
+            <a:normAutofit fontScale="85000" lnSpcReduction="10000"/>
+          </a:bodyPr>
+          <a:lstStyle/>
+          <a:p>
+            <a:r>
+              <a:rPr lang="tr-TR" dirty="0"/>
+              <a:t>Canlı kamera görüntüsü üzerinde asenkron </a:t>
+            </a:r>
+            <a:r>
+              <a:rPr lang="tr-TR" dirty="0" err="1"/>
+              <a:t>detection</a:t>
+            </a:r>
+            <a:r>
+              <a:rPr lang="tr-TR" dirty="0"/>
+              <a:t> yapmak ve bir </a:t>
+            </a:r>
+            <a:r>
+              <a:rPr lang="tr-TR" dirty="0" err="1"/>
+              <a:t>callback</a:t>
+            </a:r>
+            <a:r>
+              <a:rPr lang="tr-TR" dirty="0"/>
+              <a:t> </a:t>
+            </a:r>
+            <a:r>
+              <a:rPr lang="tr-TR" dirty="0" err="1"/>
+              <a:t>function</a:t>
+            </a:r>
+            <a:r>
+              <a:rPr lang="tr-TR" dirty="0"/>
+              <a:t> tanımlamak gerekmektedir. Burada </a:t>
+            </a:r>
+            <a:r>
+              <a:rPr lang="tr-TR" dirty="0" err="1"/>
+              <a:t>print_result</a:t>
+            </a:r>
+            <a:r>
+              <a:rPr lang="tr-TR" dirty="0"/>
+              <a:t> isimli fonksiyon bildirimi yapılmıştır.</a:t>
+            </a:r>
+          </a:p>
+        </p:txBody>
+      </p:sp>
+      <p:pic>
+        <p:nvPicPr>
+          <p:cNvPr id="6" name="Resim 5">
+            <a:extLst>
+              <a:ext uri="{FF2B5EF4-FFF2-40B4-BE49-F238E27FC236}">
+                <a16:creationId xmlns:a16="http://schemas.microsoft.com/office/drawing/2014/main" id="{1308F1CB-B3A8-0B01-CBC4-5584120047EC}"/>
+              </a:ext>
+            </a:extLst>
+          </p:cNvPr>
+          <p:cNvPicPr>
+            <a:picLocks noChangeAspect="1"/>
+          </p:cNvPicPr>
+          <p:nvPr/>
+        </p:nvPicPr>
+        <p:blipFill>
+          <a:blip r:embed="rId3"/>
+          <a:stretch>
+            <a:fillRect/>
+          </a:stretch>
+        </p:blipFill>
+        <p:spPr>
+          <a:xfrm>
+            <a:off x="1283265" y="880449"/>
+            <a:ext cx="7554055" cy="2433734"/>
+          </a:xfrm>
+          <a:prstGeom prst="rect">
+            <a:avLst/>
+          </a:prstGeom>
+        </p:spPr>
+      </p:pic>
+      <p:pic>
+        <p:nvPicPr>
+          <p:cNvPr id="12" name="Resim 11">
+            <a:extLst>
+              <a:ext uri="{FF2B5EF4-FFF2-40B4-BE49-F238E27FC236}">
+                <a16:creationId xmlns:a16="http://schemas.microsoft.com/office/drawing/2014/main" id="{16941E07-A58C-B1A9-E7D2-7F844EE064E6}"/>
+              </a:ext>
+            </a:extLst>
+          </p:cNvPr>
+          <p:cNvPicPr>
+            <a:picLocks noChangeAspect="1"/>
+          </p:cNvPicPr>
+          <p:nvPr/>
+        </p:nvPicPr>
+        <p:blipFill>
+          <a:blip r:embed="rId4"/>
+          <a:stretch>
+            <a:fillRect/>
+          </a:stretch>
+        </p:blipFill>
+        <p:spPr>
+          <a:xfrm>
+            <a:off x="1283265" y="3370669"/>
+            <a:ext cx="8144592" cy="1855332"/>
+          </a:xfrm>
+          <a:prstGeom prst="rect">
+            <a:avLst/>
+          </a:prstGeom>
+        </p:spPr>
+      </p:pic>
+      <p:pic>
+        <p:nvPicPr>
+          <p:cNvPr id="16" name="Resim 15">
+            <a:extLst>
+              <a:ext uri="{FF2B5EF4-FFF2-40B4-BE49-F238E27FC236}">
+                <a16:creationId xmlns:a16="http://schemas.microsoft.com/office/drawing/2014/main" id="{89D975D8-E8A3-5759-6639-08892905DD9D}"/>
+              </a:ext>
+            </a:extLst>
+          </p:cNvPr>
+          <p:cNvPicPr>
+            <a:picLocks noChangeAspect="1"/>
+          </p:cNvPicPr>
+          <p:nvPr/>
+        </p:nvPicPr>
+        <p:blipFill>
+          <a:blip r:embed="rId5"/>
+          <a:stretch>
+            <a:fillRect/>
+          </a:stretch>
+        </p:blipFill>
+        <p:spPr>
+          <a:xfrm>
+            <a:off x="1283264" y="5333160"/>
+            <a:ext cx="5835789" cy="367843"/>
+          </a:xfrm>
+          <a:prstGeom prst="rect">
+            <a:avLst/>
+          </a:prstGeom>
+        </p:spPr>
+      </p:pic>
+    </p:spTree>
+    <p:extLst>
+      <p:ext uri="{BB962C8B-B14F-4D97-AF65-F5344CB8AC3E}">
+        <p14:creationId xmlns:p14="http://schemas.microsoft.com/office/powerpoint/2010/main" val="2619336562"/>
+      </p:ext>
+    </p:extLst>
+  </p:cSld>
+  <p:clrMapOvr>
+    <a:masterClrMapping/>
+  </p:clrMapOvr>
+</p:sld>
+</file>
+
+<file path=ppt/slides/slide19.xml><?xml version="1.0" encoding="utf-8"?>
+<p:sld xmlns:a="http://schemas.openxmlformats.org/drawingml/2006/main" xmlns:r="http://schemas.openxmlformats.org/officeDocument/2006/relationships" xmlns:p="http://schemas.openxmlformats.org/presentationml/2006/main">
+  <p:cSld>
+    <p:spTree>
+      <p:nvGrpSpPr>
+        <p:cNvPr id="1" name="">
+          <a:extLst>
+            <a:ext uri="{FF2B5EF4-FFF2-40B4-BE49-F238E27FC236}">
+              <a16:creationId xmlns:a16="http://schemas.microsoft.com/office/drawing/2014/main" id="{D1B96C89-A0DF-613B-5A9C-B6B678F27D56}"/>
+            </a:ext>
+          </a:extLst>
+        </p:cNvPr>
+        <p:cNvGrpSpPr/>
+        <p:nvPr/>
+      </p:nvGrpSpPr>
+      <p:grpSpPr>
+        <a:xfrm>
+          <a:off x="0" y="0"/>
+          <a:ext cx="0" cy="0"/>
+          <a:chOff x="0" y="0"/>
+          <a:chExt cx="0" cy="0"/>
+        </a:xfrm>
+      </p:grpSpPr>
+      <p:sp>
+        <p:nvSpPr>
+          <p:cNvPr id="3" name="Başlık 2">
+            <a:extLst>
+              <a:ext uri="{FF2B5EF4-FFF2-40B4-BE49-F238E27FC236}">
+                <a16:creationId xmlns:a16="http://schemas.microsoft.com/office/drawing/2014/main" id="{969B3F5D-E07F-8054-92F6-B16923AA8208}"/>
+              </a:ext>
+            </a:extLst>
+          </p:cNvPr>
+          <p:cNvSpPr>
+            <a:spLocks noGrp="1"/>
+          </p:cNvSpPr>
+          <p:nvPr>
+            <p:ph type="title"/>
+          </p:nvPr>
+        </p:nvSpPr>
+        <p:spPr>
+          <a:xfrm>
+            <a:off x="217583" y="282440"/>
+            <a:ext cx="11436154" cy="572907"/>
+          </a:xfrm>
+        </p:spPr>
+        <p:txBody>
+          <a:bodyPr rtlCol="0">
+            <a:noAutofit/>
+          </a:bodyPr>
+          <a:lstStyle/>
+          <a:p>
+            <a:pPr rtl="0"/>
+            <a:r>
+              <a:rPr lang="tr-TR" sz="2800" dirty="0"/>
+              <a:t>El Yer İşaretlerinin Tespiti (</a:t>
+            </a:r>
+            <a:r>
+              <a:rPr lang="tr-TR" sz="2800" dirty="0" err="1"/>
+              <a:t>Hand</a:t>
+            </a:r>
+            <a:r>
+              <a:rPr lang="tr-TR" sz="2800" dirty="0"/>
+              <a:t> </a:t>
+            </a:r>
+            <a:r>
+              <a:rPr lang="tr-TR" sz="2800" dirty="0" err="1"/>
+              <a:t>Landmarks</a:t>
+            </a:r>
+            <a:r>
+              <a:rPr lang="tr-TR" sz="2800" dirty="0"/>
+              <a:t> </a:t>
+            </a:r>
+            <a:r>
+              <a:rPr lang="tr-TR" sz="2800" dirty="0" err="1"/>
+              <a:t>Detection</a:t>
+            </a:r>
+            <a:r>
+              <a:rPr lang="tr-TR" sz="2800" dirty="0"/>
+              <a:t>)-&gt; </a:t>
+            </a:r>
+            <a:r>
+              <a:rPr lang="tr-TR" sz="2800" dirty="0">
+                <a:solidFill>
+                  <a:schemeClr val="accent1"/>
+                </a:solidFill>
+              </a:rPr>
+              <a:t>handlandmark_video_spyder_app.py</a:t>
+            </a:r>
+          </a:p>
+        </p:txBody>
+      </p:sp>
+      <p:sp>
+        <p:nvSpPr>
+          <p:cNvPr id="11" name="Slayt Numarası Yer Tutucusu 10">
+            <a:extLst>
+              <a:ext uri="{FF2B5EF4-FFF2-40B4-BE49-F238E27FC236}">
+                <a16:creationId xmlns:a16="http://schemas.microsoft.com/office/drawing/2014/main" id="{601F6A6B-CE10-83E7-D5ED-5643F91D34E2}"/>
+              </a:ext>
+            </a:extLst>
+          </p:cNvPr>
+          <p:cNvSpPr>
+            <a:spLocks noGrp="1"/>
+          </p:cNvSpPr>
+          <p:nvPr>
+            <p:ph type="sldNum" sz="quarter" idx="12"/>
+          </p:nvPr>
+        </p:nvSpPr>
+        <p:spPr/>
+        <p:txBody>
+          <a:bodyPr rtlCol="0"/>
+          <a:lstStyle/>
+          <a:p>
+            <a:pPr rtl="0"/>
+            <a:fld id="{D8DA9DAA-006C-4F4B-980E-E3DF019B24E2}" type="slidenum">
+              <a:rPr lang="tr-TR" smtClean="0"/>
+              <a:pPr rtl="0"/>
+              <a:t>19</a:t>
+            </a:fld>
+            <a:endParaRPr lang="tr-TR"/>
+          </a:p>
+        </p:txBody>
+      </p:sp>
+      <p:sp>
+        <p:nvSpPr>
+          <p:cNvPr id="8" name="İçerik Yer Tutucusu 7">
+            <a:extLst>
+              <a:ext uri="{FF2B5EF4-FFF2-40B4-BE49-F238E27FC236}">
+                <a16:creationId xmlns:a16="http://schemas.microsoft.com/office/drawing/2014/main" id="{38FECC18-FE71-5864-DFC5-C8A80D3EC9F9}"/>
+              </a:ext>
+            </a:extLst>
+          </p:cNvPr>
+          <p:cNvSpPr>
+            <a:spLocks noGrp="1"/>
+          </p:cNvSpPr>
+          <p:nvPr>
+            <p:ph idx="1"/>
+          </p:nvPr>
+        </p:nvSpPr>
+        <p:spPr/>
+        <p:txBody>
+          <a:bodyPr/>
+          <a:lstStyle/>
+          <a:p>
+            <a:endParaRPr lang="tr-TR"/>
+          </a:p>
+        </p:txBody>
+      </p:sp>
+      <p:pic>
+        <p:nvPicPr>
+          <p:cNvPr id="14" name="Resim 13">
+            <a:extLst>
+              <a:ext uri="{FF2B5EF4-FFF2-40B4-BE49-F238E27FC236}">
+                <a16:creationId xmlns:a16="http://schemas.microsoft.com/office/drawing/2014/main" id="{354E85EB-989C-8226-ED2B-15A901D72F44}"/>
+              </a:ext>
+            </a:extLst>
+          </p:cNvPr>
+          <p:cNvPicPr>
+            <a:picLocks noChangeAspect="1"/>
+          </p:cNvPicPr>
+          <p:nvPr/>
+        </p:nvPicPr>
+        <p:blipFill>
+          <a:blip r:embed="rId3"/>
+          <a:stretch>
+            <a:fillRect/>
+          </a:stretch>
+        </p:blipFill>
+        <p:spPr>
+          <a:xfrm>
+            <a:off x="727714" y="776771"/>
+            <a:ext cx="9773494" cy="5944703"/>
+          </a:xfrm>
+          <a:prstGeom prst="rect">
+            <a:avLst/>
+          </a:prstGeom>
+        </p:spPr>
+      </p:pic>
+    </p:spTree>
+    <p:extLst>
+      <p:ext uri="{BB962C8B-B14F-4D97-AF65-F5344CB8AC3E}">
+        <p14:creationId xmlns:p14="http://schemas.microsoft.com/office/powerpoint/2010/main" val="4102654916"/>
       </p:ext>
     </p:extLst>
   </p:cSld>
@@ -15423,6 +17183,3613 @@
     <p:extLst>
       <p:ext uri="{BB962C8B-B14F-4D97-AF65-F5344CB8AC3E}">
         <p14:creationId xmlns:p14="http://schemas.microsoft.com/office/powerpoint/2010/main" val="3881878178"/>
+      </p:ext>
+    </p:extLst>
+  </p:cSld>
+  <p:clrMapOvr>
+    <a:masterClrMapping/>
+  </p:clrMapOvr>
+</p:sld>
+</file>
+
+<file path=ppt/slides/slide20.xml><?xml version="1.0" encoding="utf-8"?>
+<p:sld xmlns:a="http://schemas.openxmlformats.org/drawingml/2006/main" xmlns:r="http://schemas.openxmlformats.org/officeDocument/2006/relationships" xmlns:p="http://schemas.openxmlformats.org/presentationml/2006/main">
+  <p:cSld>
+    <p:spTree>
+      <p:nvGrpSpPr>
+        <p:cNvPr id="1" name="">
+          <a:extLst>
+            <a:ext uri="{FF2B5EF4-FFF2-40B4-BE49-F238E27FC236}">
+              <a16:creationId xmlns:a16="http://schemas.microsoft.com/office/drawing/2014/main" id="{28443070-4C85-AA32-F898-9593D2D6F14A}"/>
+            </a:ext>
+          </a:extLst>
+        </p:cNvPr>
+        <p:cNvGrpSpPr/>
+        <p:nvPr/>
+      </p:nvGrpSpPr>
+      <p:grpSpPr>
+        <a:xfrm>
+          <a:off x="0" y="0"/>
+          <a:ext cx="0" cy="0"/>
+          <a:chOff x="0" y="0"/>
+          <a:chExt cx="0" cy="0"/>
+        </a:xfrm>
+      </p:grpSpPr>
+      <p:sp>
+        <p:nvSpPr>
+          <p:cNvPr id="3" name="Başlık 2">
+            <a:extLst>
+              <a:ext uri="{FF2B5EF4-FFF2-40B4-BE49-F238E27FC236}">
+                <a16:creationId xmlns:a16="http://schemas.microsoft.com/office/drawing/2014/main" id="{208C3391-888A-02C8-55A9-76C30AD5DCAC}"/>
+              </a:ext>
+            </a:extLst>
+          </p:cNvPr>
+          <p:cNvSpPr>
+            <a:spLocks noGrp="1"/>
+          </p:cNvSpPr>
+          <p:nvPr>
+            <p:ph type="title"/>
+          </p:nvPr>
+        </p:nvSpPr>
+        <p:spPr>
+          <a:xfrm>
+            <a:off x="217583" y="282440"/>
+            <a:ext cx="11436154" cy="572907"/>
+          </a:xfrm>
+        </p:spPr>
+        <p:txBody>
+          <a:bodyPr rtlCol="0">
+            <a:noAutofit/>
+          </a:bodyPr>
+          <a:lstStyle/>
+          <a:p>
+            <a:pPr rtl="0"/>
+            <a:r>
+              <a:rPr lang="tr-TR" sz="2800" dirty="0"/>
+              <a:t>El Yer İşaretlerinin Tespiti (</a:t>
+            </a:r>
+            <a:r>
+              <a:rPr lang="tr-TR" sz="2800" dirty="0" err="1"/>
+              <a:t>Hand</a:t>
+            </a:r>
+            <a:r>
+              <a:rPr lang="tr-TR" sz="2800" dirty="0"/>
+              <a:t> </a:t>
+            </a:r>
+            <a:r>
+              <a:rPr lang="tr-TR" sz="2800" dirty="0" err="1"/>
+              <a:t>Landmarks</a:t>
+            </a:r>
+            <a:r>
+              <a:rPr lang="tr-TR" sz="2800" dirty="0"/>
+              <a:t> </a:t>
+            </a:r>
+            <a:r>
+              <a:rPr lang="tr-TR" sz="2800" dirty="0" err="1"/>
+              <a:t>Detection</a:t>
+            </a:r>
+            <a:r>
+              <a:rPr lang="tr-TR" sz="2800" dirty="0"/>
+              <a:t>)-&gt; </a:t>
+            </a:r>
+            <a:r>
+              <a:rPr lang="tr-TR" sz="2800" dirty="0">
+                <a:solidFill>
+                  <a:schemeClr val="accent1"/>
+                </a:solidFill>
+              </a:rPr>
+              <a:t>handlandmark_video_spyder_app.py</a:t>
+            </a:r>
+          </a:p>
+        </p:txBody>
+      </p:sp>
+      <p:sp>
+        <p:nvSpPr>
+          <p:cNvPr id="11" name="Slayt Numarası Yer Tutucusu 10">
+            <a:extLst>
+              <a:ext uri="{FF2B5EF4-FFF2-40B4-BE49-F238E27FC236}">
+                <a16:creationId xmlns:a16="http://schemas.microsoft.com/office/drawing/2014/main" id="{E4BB948C-DD77-0518-337C-22D770E41901}"/>
+              </a:ext>
+            </a:extLst>
+          </p:cNvPr>
+          <p:cNvSpPr>
+            <a:spLocks noGrp="1"/>
+          </p:cNvSpPr>
+          <p:nvPr>
+            <p:ph type="sldNum" sz="quarter" idx="12"/>
+          </p:nvPr>
+        </p:nvSpPr>
+        <p:spPr/>
+        <p:txBody>
+          <a:bodyPr rtlCol="0"/>
+          <a:lstStyle/>
+          <a:p>
+            <a:pPr rtl="0"/>
+            <a:fld id="{D8DA9DAA-006C-4F4B-980E-E3DF019B24E2}" type="slidenum">
+              <a:rPr lang="tr-TR" smtClean="0"/>
+              <a:pPr rtl="0"/>
+              <a:t>20</a:t>
+            </a:fld>
+            <a:endParaRPr lang="tr-TR"/>
+          </a:p>
+        </p:txBody>
+      </p:sp>
+      <p:sp>
+        <p:nvSpPr>
+          <p:cNvPr id="4" name="İçerik Yer Tutucusu 3">
+            <a:extLst>
+              <a:ext uri="{FF2B5EF4-FFF2-40B4-BE49-F238E27FC236}">
+                <a16:creationId xmlns:a16="http://schemas.microsoft.com/office/drawing/2014/main" id="{945CE4E7-53F5-5614-266F-FBF4D17725D5}"/>
+              </a:ext>
+            </a:extLst>
+          </p:cNvPr>
+          <p:cNvSpPr>
+            <a:spLocks noGrp="1"/>
+          </p:cNvSpPr>
+          <p:nvPr>
+            <p:ph idx="1"/>
+          </p:nvPr>
+        </p:nvSpPr>
+        <p:spPr>
+          <a:xfrm>
+            <a:off x="598463" y="984380"/>
+            <a:ext cx="9310645" cy="853751"/>
+          </a:xfrm>
+        </p:spPr>
+        <p:txBody>
+          <a:bodyPr>
+            <a:normAutofit/>
+          </a:bodyPr>
+          <a:lstStyle/>
+          <a:p>
+            <a:r>
+              <a:rPr lang="tr-TR" dirty="0"/>
+              <a:t>Kod İnceleme:</a:t>
+            </a:r>
+          </a:p>
+        </p:txBody>
+      </p:sp>
+      <p:pic>
+        <p:nvPicPr>
+          <p:cNvPr id="8" name="Resim 7">
+            <a:extLst>
+              <a:ext uri="{FF2B5EF4-FFF2-40B4-BE49-F238E27FC236}">
+                <a16:creationId xmlns:a16="http://schemas.microsoft.com/office/drawing/2014/main" id="{E137D41A-F5E8-454C-AA6A-83FF4438FE33}"/>
+              </a:ext>
+            </a:extLst>
+          </p:cNvPr>
+          <p:cNvPicPr>
+            <a:picLocks noChangeAspect="1"/>
+          </p:cNvPicPr>
+          <p:nvPr/>
+        </p:nvPicPr>
+        <p:blipFill>
+          <a:blip r:embed="rId3"/>
+          <a:stretch>
+            <a:fillRect/>
+          </a:stretch>
+        </p:blipFill>
+        <p:spPr>
+          <a:xfrm>
+            <a:off x="1878432" y="1621932"/>
+            <a:ext cx="4895804" cy="289249"/>
+          </a:xfrm>
+          <a:prstGeom prst="rect">
+            <a:avLst/>
+          </a:prstGeom>
+        </p:spPr>
+      </p:pic>
+      <p:pic>
+        <p:nvPicPr>
+          <p:cNvPr id="10" name="Resim 9">
+            <a:extLst>
+              <a:ext uri="{FF2B5EF4-FFF2-40B4-BE49-F238E27FC236}">
+                <a16:creationId xmlns:a16="http://schemas.microsoft.com/office/drawing/2014/main" id="{0C774B97-515C-EC89-6F0A-3D87A7289107}"/>
+              </a:ext>
+            </a:extLst>
+          </p:cNvPr>
+          <p:cNvPicPr>
+            <a:picLocks noChangeAspect="1"/>
+          </p:cNvPicPr>
+          <p:nvPr/>
+        </p:nvPicPr>
+        <p:blipFill>
+          <a:blip r:embed="rId4"/>
+          <a:stretch>
+            <a:fillRect/>
+          </a:stretch>
+        </p:blipFill>
+        <p:spPr>
+          <a:xfrm>
+            <a:off x="98940" y="2466362"/>
+            <a:ext cx="11825582" cy="520902"/>
+          </a:xfrm>
+          <a:prstGeom prst="rect">
+            <a:avLst/>
+          </a:prstGeom>
+        </p:spPr>
+      </p:pic>
+      <p:sp>
+        <p:nvSpPr>
+          <p:cNvPr id="12" name="Ok: Aşağı 11">
+            <a:extLst>
+              <a:ext uri="{FF2B5EF4-FFF2-40B4-BE49-F238E27FC236}">
+                <a16:creationId xmlns:a16="http://schemas.microsoft.com/office/drawing/2014/main" id="{15C2F16E-A5A0-995B-B20E-423364F32BD5}"/>
+              </a:ext>
+            </a:extLst>
+          </p:cNvPr>
+          <p:cNvSpPr/>
+          <p:nvPr/>
+        </p:nvSpPr>
+        <p:spPr>
+          <a:xfrm>
+            <a:off x="4086808" y="1967164"/>
+            <a:ext cx="261257" cy="412142"/>
+          </a:xfrm>
+          <a:prstGeom prst="downArrow">
+            <a:avLst/>
+          </a:prstGeom>
+        </p:spPr>
+        <p:style>
+          <a:lnRef idx="2">
+            <a:schemeClr val="accent1">
+              <a:shade val="15000"/>
+            </a:schemeClr>
+          </a:lnRef>
+          <a:fillRef idx="1">
+            <a:schemeClr val="accent1"/>
+          </a:fillRef>
+          <a:effectRef idx="0">
+            <a:schemeClr val="accent1"/>
+          </a:effectRef>
+          <a:fontRef idx="minor">
+            <a:schemeClr val="lt1"/>
+          </a:fontRef>
+        </p:style>
+        <p:txBody>
+          <a:bodyPr rtlCol="0" anchor="ctr"/>
+          <a:lstStyle/>
+          <a:p>
+            <a:pPr algn="ctr"/>
+            <a:endParaRPr lang="tr-TR"/>
+          </a:p>
+        </p:txBody>
+      </p:sp>
+    </p:spTree>
+    <p:extLst>
+      <p:ext uri="{BB962C8B-B14F-4D97-AF65-F5344CB8AC3E}">
+        <p14:creationId xmlns:p14="http://schemas.microsoft.com/office/powerpoint/2010/main" val="503850252"/>
+      </p:ext>
+    </p:extLst>
+  </p:cSld>
+  <p:clrMapOvr>
+    <a:masterClrMapping/>
+  </p:clrMapOvr>
+</p:sld>
+</file>
+
+<file path=ppt/slides/slide21.xml><?xml version="1.0" encoding="utf-8"?>
+<p:sld xmlns:a="http://schemas.openxmlformats.org/drawingml/2006/main" xmlns:r="http://schemas.openxmlformats.org/officeDocument/2006/relationships" xmlns:p="http://schemas.openxmlformats.org/presentationml/2006/main">
+  <p:cSld>
+    <p:spTree>
+      <p:nvGrpSpPr>
+        <p:cNvPr id="1" name="">
+          <a:extLst>
+            <a:ext uri="{FF2B5EF4-FFF2-40B4-BE49-F238E27FC236}">
+              <a16:creationId xmlns:a16="http://schemas.microsoft.com/office/drawing/2014/main" id="{37C65DB1-7498-2912-7AF5-BD14A60E53BF}"/>
+            </a:ext>
+          </a:extLst>
+        </p:cNvPr>
+        <p:cNvGrpSpPr/>
+        <p:nvPr/>
+      </p:nvGrpSpPr>
+      <p:grpSpPr>
+        <a:xfrm>
+          <a:off x="0" y="0"/>
+          <a:ext cx="0" cy="0"/>
+          <a:chOff x="0" y="0"/>
+          <a:chExt cx="0" cy="0"/>
+        </a:xfrm>
+      </p:grpSpPr>
+      <p:sp>
+        <p:nvSpPr>
+          <p:cNvPr id="3" name="Başlık 2">
+            <a:extLst>
+              <a:ext uri="{FF2B5EF4-FFF2-40B4-BE49-F238E27FC236}">
+                <a16:creationId xmlns:a16="http://schemas.microsoft.com/office/drawing/2014/main" id="{5DD9F63C-986A-6EA4-D27A-990742F16A0A}"/>
+              </a:ext>
+            </a:extLst>
+          </p:cNvPr>
+          <p:cNvSpPr>
+            <a:spLocks noGrp="1"/>
+          </p:cNvSpPr>
+          <p:nvPr>
+            <p:ph type="title"/>
+          </p:nvPr>
+        </p:nvSpPr>
+        <p:spPr>
+          <a:xfrm>
+            <a:off x="217583" y="282440"/>
+            <a:ext cx="11436154" cy="572907"/>
+          </a:xfrm>
+        </p:spPr>
+        <p:txBody>
+          <a:bodyPr rtlCol="0">
+            <a:noAutofit/>
+          </a:bodyPr>
+          <a:lstStyle/>
+          <a:p>
+            <a:pPr rtl="0"/>
+            <a:r>
+              <a:rPr lang="tr-TR" sz="2800" dirty="0"/>
+              <a:t>El Yer İşaretlerinin Tespiti (</a:t>
+            </a:r>
+            <a:r>
+              <a:rPr lang="tr-TR" sz="2800" dirty="0" err="1"/>
+              <a:t>Hand</a:t>
+            </a:r>
+            <a:r>
+              <a:rPr lang="tr-TR" sz="2800" dirty="0"/>
+              <a:t> </a:t>
+            </a:r>
+            <a:r>
+              <a:rPr lang="tr-TR" sz="2800" dirty="0" err="1"/>
+              <a:t>Landmarks</a:t>
+            </a:r>
+            <a:r>
+              <a:rPr lang="tr-TR" sz="2800" dirty="0"/>
+              <a:t> </a:t>
+            </a:r>
+            <a:r>
+              <a:rPr lang="tr-TR" sz="2800" dirty="0" err="1"/>
+              <a:t>Detection</a:t>
+            </a:r>
+            <a:r>
+              <a:rPr lang="tr-TR" sz="2800" dirty="0"/>
+              <a:t>)-&gt; </a:t>
+            </a:r>
+            <a:r>
+              <a:rPr lang="tr-TR" sz="2800" dirty="0">
+                <a:solidFill>
+                  <a:schemeClr val="accent1"/>
+                </a:solidFill>
+              </a:rPr>
+              <a:t>handlandmark_video_spyder_app.py</a:t>
+            </a:r>
+          </a:p>
+        </p:txBody>
+      </p:sp>
+      <p:sp>
+        <p:nvSpPr>
+          <p:cNvPr id="11" name="Slayt Numarası Yer Tutucusu 10">
+            <a:extLst>
+              <a:ext uri="{FF2B5EF4-FFF2-40B4-BE49-F238E27FC236}">
+                <a16:creationId xmlns:a16="http://schemas.microsoft.com/office/drawing/2014/main" id="{0E1D34DE-2A0B-E095-909C-D6E66ED0DCB3}"/>
+              </a:ext>
+            </a:extLst>
+          </p:cNvPr>
+          <p:cNvSpPr>
+            <a:spLocks noGrp="1"/>
+          </p:cNvSpPr>
+          <p:nvPr>
+            <p:ph type="sldNum" sz="quarter" idx="12"/>
+          </p:nvPr>
+        </p:nvSpPr>
+        <p:spPr/>
+        <p:txBody>
+          <a:bodyPr rtlCol="0"/>
+          <a:lstStyle/>
+          <a:p>
+            <a:pPr rtl="0"/>
+            <a:fld id="{D8DA9DAA-006C-4F4B-980E-E3DF019B24E2}" type="slidenum">
+              <a:rPr lang="tr-TR" smtClean="0"/>
+              <a:pPr rtl="0"/>
+              <a:t>21</a:t>
+            </a:fld>
+            <a:endParaRPr lang="tr-TR"/>
+          </a:p>
+        </p:txBody>
+      </p:sp>
+      <p:sp>
+        <p:nvSpPr>
+          <p:cNvPr id="4" name="İçerik Yer Tutucusu 3">
+            <a:extLst>
+              <a:ext uri="{FF2B5EF4-FFF2-40B4-BE49-F238E27FC236}">
+                <a16:creationId xmlns:a16="http://schemas.microsoft.com/office/drawing/2014/main" id="{707E5E07-3310-8E10-496B-77FCF2F950C0}"/>
+              </a:ext>
+            </a:extLst>
+          </p:cNvPr>
+          <p:cNvSpPr>
+            <a:spLocks noGrp="1"/>
+          </p:cNvSpPr>
+          <p:nvPr>
+            <p:ph idx="1"/>
+          </p:nvPr>
+        </p:nvSpPr>
+        <p:spPr>
+          <a:xfrm>
+            <a:off x="598463" y="984380"/>
+            <a:ext cx="9310645" cy="853751"/>
+          </a:xfrm>
+        </p:spPr>
+        <p:txBody>
+          <a:bodyPr>
+            <a:normAutofit/>
+          </a:bodyPr>
+          <a:lstStyle/>
+          <a:p>
+            <a:r>
+              <a:rPr lang="tr-TR" dirty="0"/>
+              <a:t>Kod İnceleme: İki el için liste içinde 2 liste vardır. İçerdeki liste elemanları </a:t>
+            </a:r>
+            <a:r>
+              <a:rPr lang="tr-TR" dirty="0" err="1"/>
+              <a:t>NormalizedLandmark</a:t>
+            </a:r>
+            <a:r>
+              <a:rPr lang="tr-TR" dirty="0"/>
+              <a:t> nesnelerinden oluşmaktadır.</a:t>
+            </a:r>
+          </a:p>
+        </p:txBody>
+      </p:sp>
+      <p:sp>
+        <p:nvSpPr>
+          <p:cNvPr id="12" name="Ok: Aşağı 11">
+            <a:extLst>
+              <a:ext uri="{FF2B5EF4-FFF2-40B4-BE49-F238E27FC236}">
+                <a16:creationId xmlns:a16="http://schemas.microsoft.com/office/drawing/2014/main" id="{CA3D9E1A-BF53-2452-085E-4D7BA5FBB0B2}"/>
+              </a:ext>
+            </a:extLst>
+          </p:cNvPr>
+          <p:cNvSpPr/>
+          <p:nvPr/>
+        </p:nvSpPr>
+        <p:spPr>
+          <a:xfrm>
+            <a:off x="4590661" y="2270773"/>
+            <a:ext cx="261257" cy="412142"/>
+          </a:xfrm>
+          <a:prstGeom prst="downArrow">
+            <a:avLst/>
+          </a:prstGeom>
+        </p:spPr>
+        <p:style>
+          <a:lnRef idx="2">
+            <a:schemeClr val="accent1">
+              <a:shade val="15000"/>
+            </a:schemeClr>
+          </a:lnRef>
+          <a:fillRef idx="1">
+            <a:schemeClr val="accent1"/>
+          </a:fillRef>
+          <a:effectRef idx="0">
+            <a:schemeClr val="accent1"/>
+          </a:effectRef>
+          <a:fontRef idx="minor">
+            <a:schemeClr val="lt1"/>
+          </a:fontRef>
+        </p:style>
+        <p:txBody>
+          <a:bodyPr rtlCol="0" anchor="ctr"/>
+          <a:lstStyle/>
+          <a:p>
+            <a:pPr algn="ctr"/>
+            <a:endParaRPr lang="tr-TR"/>
+          </a:p>
+        </p:txBody>
+      </p:sp>
+      <p:pic>
+        <p:nvPicPr>
+          <p:cNvPr id="14" name="Resim 13">
+            <a:extLst>
+              <a:ext uri="{FF2B5EF4-FFF2-40B4-BE49-F238E27FC236}">
+                <a16:creationId xmlns:a16="http://schemas.microsoft.com/office/drawing/2014/main" id="{8691F45E-2C87-0453-FAAB-2FD3CA4FD2F6}"/>
+              </a:ext>
+            </a:extLst>
+          </p:cNvPr>
+          <p:cNvPicPr>
+            <a:picLocks noChangeAspect="1"/>
+          </p:cNvPicPr>
+          <p:nvPr/>
+        </p:nvPicPr>
+        <p:blipFill>
+          <a:blip r:embed="rId3"/>
+          <a:stretch>
+            <a:fillRect/>
+          </a:stretch>
+        </p:blipFill>
+        <p:spPr>
+          <a:xfrm>
+            <a:off x="1412798" y="2700734"/>
+            <a:ext cx="9045724" cy="3795089"/>
+          </a:xfrm>
+          <a:prstGeom prst="rect">
+            <a:avLst/>
+          </a:prstGeom>
+        </p:spPr>
+      </p:pic>
+      <p:pic>
+        <p:nvPicPr>
+          <p:cNvPr id="5" name="Resim 4">
+            <a:extLst>
+              <a:ext uri="{FF2B5EF4-FFF2-40B4-BE49-F238E27FC236}">
+                <a16:creationId xmlns:a16="http://schemas.microsoft.com/office/drawing/2014/main" id="{F99BA4CA-5CC6-A148-0DD0-9DD9A5DCE0F8}"/>
+              </a:ext>
+            </a:extLst>
+          </p:cNvPr>
+          <p:cNvPicPr>
+            <a:picLocks noChangeAspect="1"/>
+          </p:cNvPicPr>
+          <p:nvPr/>
+        </p:nvPicPr>
+        <p:blipFill>
+          <a:blip r:embed="rId4"/>
+          <a:stretch>
+            <a:fillRect/>
+          </a:stretch>
+        </p:blipFill>
+        <p:spPr>
+          <a:xfrm>
+            <a:off x="2427928" y="1838131"/>
+            <a:ext cx="5141826" cy="336744"/>
+          </a:xfrm>
+          <a:prstGeom prst="rect">
+            <a:avLst/>
+          </a:prstGeom>
+        </p:spPr>
+      </p:pic>
+    </p:spTree>
+    <p:extLst>
+      <p:ext uri="{BB962C8B-B14F-4D97-AF65-F5344CB8AC3E}">
+        <p14:creationId xmlns:p14="http://schemas.microsoft.com/office/powerpoint/2010/main" val="2779970037"/>
+      </p:ext>
+    </p:extLst>
+  </p:cSld>
+  <p:clrMapOvr>
+    <a:masterClrMapping/>
+  </p:clrMapOvr>
+</p:sld>
+</file>
+
+<file path=ppt/slides/slide22.xml><?xml version="1.0" encoding="utf-8"?>
+<p:sld xmlns:a="http://schemas.openxmlformats.org/drawingml/2006/main" xmlns:r="http://schemas.openxmlformats.org/officeDocument/2006/relationships" xmlns:p="http://schemas.openxmlformats.org/presentationml/2006/main">
+  <p:cSld>
+    <p:spTree>
+      <p:nvGrpSpPr>
+        <p:cNvPr id="1" name="">
+          <a:extLst>
+            <a:ext uri="{FF2B5EF4-FFF2-40B4-BE49-F238E27FC236}">
+              <a16:creationId xmlns:a16="http://schemas.microsoft.com/office/drawing/2014/main" id="{5A50422F-4EBC-27E3-C53A-FE4F5FEAA2A5}"/>
+            </a:ext>
+          </a:extLst>
+        </p:cNvPr>
+        <p:cNvGrpSpPr/>
+        <p:nvPr/>
+      </p:nvGrpSpPr>
+      <p:grpSpPr>
+        <a:xfrm>
+          <a:off x="0" y="0"/>
+          <a:ext cx="0" cy="0"/>
+          <a:chOff x="0" y="0"/>
+          <a:chExt cx="0" cy="0"/>
+        </a:xfrm>
+      </p:grpSpPr>
+      <p:sp>
+        <p:nvSpPr>
+          <p:cNvPr id="3" name="Başlık 2">
+            <a:extLst>
+              <a:ext uri="{FF2B5EF4-FFF2-40B4-BE49-F238E27FC236}">
+                <a16:creationId xmlns:a16="http://schemas.microsoft.com/office/drawing/2014/main" id="{59A4F742-949D-8376-058A-034FC1961736}"/>
+              </a:ext>
+            </a:extLst>
+          </p:cNvPr>
+          <p:cNvSpPr>
+            <a:spLocks noGrp="1"/>
+          </p:cNvSpPr>
+          <p:nvPr>
+            <p:ph type="title"/>
+          </p:nvPr>
+        </p:nvSpPr>
+        <p:spPr>
+          <a:xfrm>
+            <a:off x="217583" y="282440"/>
+            <a:ext cx="11436154" cy="572907"/>
+          </a:xfrm>
+        </p:spPr>
+        <p:txBody>
+          <a:bodyPr rtlCol="0">
+            <a:noAutofit/>
+          </a:bodyPr>
+          <a:lstStyle/>
+          <a:p>
+            <a:pPr rtl="0"/>
+            <a:r>
+              <a:rPr lang="tr-TR" sz="2800" dirty="0"/>
+              <a:t>El Yer İşaretlerinin Tespiti (</a:t>
+            </a:r>
+            <a:r>
+              <a:rPr lang="tr-TR" sz="2800" dirty="0" err="1"/>
+              <a:t>Hand</a:t>
+            </a:r>
+            <a:r>
+              <a:rPr lang="tr-TR" sz="2800" dirty="0"/>
+              <a:t> </a:t>
+            </a:r>
+            <a:r>
+              <a:rPr lang="tr-TR" sz="2800" dirty="0" err="1"/>
+              <a:t>Landmarks</a:t>
+            </a:r>
+            <a:r>
+              <a:rPr lang="tr-TR" sz="2800" dirty="0"/>
+              <a:t> </a:t>
+            </a:r>
+            <a:r>
+              <a:rPr lang="tr-TR" sz="2800" dirty="0" err="1"/>
+              <a:t>Detection</a:t>
+            </a:r>
+            <a:r>
+              <a:rPr lang="tr-TR" sz="2800" dirty="0"/>
+              <a:t>)-&gt; </a:t>
+            </a:r>
+            <a:r>
+              <a:rPr lang="tr-TR" sz="2800" dirty="0">
+                <a:solidFill>
+                  <a:schemeClr val="accent1"/>
+                </a:solidFill>
+              </a:rPr>
+              <a:t>handlandmark_video_spyder_app.py</a:t>
+            </a:r>
+          </a:p>
+        </p:txBody>
+      </p:sp>
+      <p:sp>
+        <p:nvSpPr>
+          <p:cNvPr id="11" name="Slayt Numarası Yer Tutucusu 10">
+            <a:extLst>
+              <a:ext uri="{FF2B5EF4-FFF2-40B4-BE49-F238E27FC236}">
+                <a16:creationId xmlns:a16="http://schemas.microsoft.com/office/drawing/2014/main" id="{51DDCEC2-FBE5-3F08-8D5F-C502EF086E7E}"/>
+              </a:ext>
+            </a:extLst>
+          </p:cNvPr>
+          <p:cNvSpPr>
+            <a:spLocks noGrp="1"/>
+          </p:cNvSpPr>
+          <p:nvPr>
+            <p:ph type="sldNum" sz="quarter" idx="12"/>
+          </p:nvPr>
+        </p:nvSpPr>
+        <p:spPr/>
+        <p:txBody>
+          <a:bodyPr rtlCol="0"/>
+          <a:lstStyle/>
+          <a:p>
+            <a:pPr rtl="0"/>
+            <a:fld id="{D8DA9DAA-006C-4F4B-980E-E3DF019B24E2}" type="slidenum">
+              <a:rPr lang="tr-TR" smtClean="0"/>
+              <a:pPr rtl="0"/>
+              <a:t>22</a:t>
+            </a:fld>
+            <a:endParaRPr lang="tr-TR"/>
+          </a:p>
+        </p:txBody>
+      </p:sp>
+      <p:sp>
+        <p:nvSpPr>
+          <p:cNvPr id="4" name="İçerik Yer Tutucusu 3">
+            <a:extLst>
+              <a:ext uri="{FF2B5EF4-FFF2-40B4-BE49-F238E27FC236}">
+                <a16:creationId xmlns:a16="http://schemas.microsoft.com/office/drawing/2014/main" id="{5DB9DC47-16A9-6351-64A8-CA681973EB9A}"/>
+              </a:ext>
+            </a:extLst>
+          </p:cNvPr>
+          <p:cNvSpPr>
+            <a:spLocks noGrp="1"/>
+          </p:cNvSpPr>
+          <p:nvPr>
+            <p:ph idx="1"/>
+          </p:nvPr>
+        </p:nvSpPr>
+        <p:spPr>
+          <a:xfrm>
+            <a:off x="391887" y="984380"/>
+            <a:ext cx="10338318" cy="1292289"/>
+          </a:xfrm>
+        </p:spPr>
+        <p:txBody>
+          <a:bodyPr>
+            <a:normAutofit fontScale="55000" lnSpcReduction="20000"/>
+          </a:bodyPr>
+          <a:lstStyle/>
+          <a:p>
+            <a:r>
+              <a:rPr lang="en-US" sz="2800" dirty="0" err="1"/>
+              <a:t>hand_landmarks_list</a:t>
+            </a:r>
+            <a:r>
+              <a:rPr lang="tr-TR" sz="2800" dirty="0"/>
+              <a:t> içindeki her bir eleman için </a:t>
+            </a:r>
+            <a:r>
+              <a:rPr lang="en-US" sz="2800" dirty="0" err="1"/>
+              <a:t>handedness_list</a:t>
+            </a:r>
+            <a:r>
+              <a:rPr lang="tr-TR" sz="2800" dirty="0"/>
+              <a:t> içinde el bilgisi bulunur. Bu nedenle her ikisinin de elemanlarına bir </a:t>
+            </a:r>
+            <a:r>
+              <a:rPr lang="tr-TR" sz="2800" dirty="0" err="1"/>
+              <a:t>for</a:t>
+            </a:r>
+            <a:r>
+              <a:rPr lang="tr-TR" sz="2800" dirty="0"/>
+              <a:t> döngüsü içinde eş zamanlı erişilmelidir.</a:t>
+            </a:r>
+          </a:p>
+          <a:p>
+            <a:r>
+              <a:rPr lang="tr-TR" sz="2800" dirty="0"/>
+              <a:t>Döngüdeki her bir </a:t>
+            </a:r>
+            <a:r>
+              <a:rPr lang="tr-TR" sz="2800" dirty="0" err="1"/>
+              <a:t>handlandmark</a:t>
+            </a:r>
+            <a:r>
+              <a:rPr lang="tr-TR" sz="2800" dirty="0"/>
+              <a:t>, 21 tane </a:t>
+            </a:r>
+            <a:r>
+              <a:rPr lang="tr-TR" sz="2800" dirty="0" err="1"/>
+              <a:t>NormalizedLandmark</a:t>
+            </a:r>
+            <a:r>
+              <a:rPr lang="tr-TR" sz="2800" dirty="0"/>
+              <a:t>  nesnesine sahiptir. </a:t>
+            </a:r>
+          </a:p>
+          <a:p>
+            <a:r>
+              <a:rPr lang="tr-TR" sz="2800" dirty="0"/>
+              <a:t>Her bir </a:t>
+            </a:r>
+            <a:r>
+              <a:rPr lang="tr-TR" sz="2800" dirty="0" err="1"/>
+              <a:t>hand</a:t>
+            </a:r>
+            <a:r>
+              <a:rPr lang="tr-TR" sz="2800" dirty="0"/>
+              <a:t> ise bir tane </a:t>
+            </a:r>
+            <a:r>
+              <a:rPr lang="tr-TR" sz="2800" dirty="0" err="1"/>
+              <a:t>category</a:t>
+            </a:r>
+            <a:r>
+              <a:rPr lang="tr-TR" sz="2800" dirty="0"/>
+              <a:t> nesnesine sahiptir. </a:t>
+            </a:r>
+            <a:r>
+              <a:rPr lang="tr-TR" sz="2800" dirty="0" err="1"/>
+              <a:t>Indekle</a:t>
+            </a:r>
+            <a:r>
+              <a:rPr lang="tr-TR" sz="2800" dirty="0"/>
+              <a:t> ilgili nesnelere erişip </a:t>
+            </a:r>
+            <a:r>
+              <a:rPr lang="tr-TR" sz="2800" dirty="0" err="1"/>
+              <a:t>propertylerine</a:t>
+            </a:r>
+            <a:r>
+              <a:rPr lang="tr-TR" sz="2800" dirty="0"/>
+              <a:t> ulaşılabilir.</a:t>
+            </a:r>
+          </a:p>
+          <a:p>
+            <a:endParaRPr lang="tr-TR" dirty="0"/>
+          </a:p>
+        </p:txBody>
+      </p:sp>
+      <p:pic>
+        <p:nvPicPr>
+          <p:cNvPr id="8" name="Resim 7">
+            <a:extLst>
+              <a:ext uri="{FF2B5EF4-FFF2-40B4-BE49-F238E27FC236}">
+                <a16:creationId xmlns:a16="http://schemas.microsoft.com/office/drawing/2014/main" id="{DE68CD7D-C5B8-EB61-A5D3-2AEAD4499CAC}"/>
+              </a:ext>
+            </a:extLst>
+          </p:cNvPr>
+          <p:cNvPicPr>
+            <a:picLocks noChangeAspect="1"/>
+          </p:cNvPicPr>
+          <p:nvPr/>
+        </p:nvPicPr>
+        <p:blipFill>
+          <a:blip r:embed="rId3"/>
+          <a:stretch>
+            <a:fillRect/>
+          </a:stretch>
+        </p:blipFill>
+        <p:spPr>
+          <a:xfrm>
+            <a:off x="612811" y="2433695"/>
+            <a:ext cx="11029197" cy="3360615"/>
+          </a:xfrm>
+          <a:prstGeom prst="rect">
+            <a:avLst/>
+          </a:prstGeom>
+        </p:spPr>
+      </p:pic>
+    </p:spTree>
+    <p:extLst>
+      <p:ext uri="{BB962C8B-B14F-4D97-AF65-F5344CB8AC3E}">
+        <p14:creationId xmlns:p14="http://schemas.microsoft.com/office/powerpoint/2010/main" val="30163797"/>
+      </p:ext>
+    </p:extLst>
+  </p:cSld>
+  <p:clrMapOvr>
+    <a:masterClrMapping/>
+  </p:clrMapOvr>
+</p:sld>
+</file>
+
+<file path=ppt/slides/slide23.xml><?xml version="1.0" encoding="utf-8"?>
+<p:sld xmlns:a="http://schemas.openxmlformats.org/drawingml/2006/main" xmlns:r="http://schemas.openxmlformats.org/officeDocument/2006/relationships" xmlns:p="http://schemas.openxmlformats.org/presentationml/2006/main">
+  <p:cSld>
+    <p:spTree>
+      <p:nvGrpSpPr>
+        <p:cNvPr id="1" name="">
+          <a:extLst>
+            <a:ext uri="{FF2B5EF4-FFF2-40B4-BE49-F238E27FC236}">
+              <a16:creationId xmlns:a16="http://schemas.microsoft.com/office/drawing/2014/main" id="{E43CBEA5-FF78-E277-F91C-13E099FF46F1}"/>
+            </a:ext>
+          </a:extLst>
+        </p:cNvPr>
+        <p:cNvGrpSpPr/>
+        <p:nvPr/>
+      </p:nvGrpSpPr>
+      <p:grpSpPr>
+        <a:xfrm>
+          <a:off x="0" y="0"/>
+          <a:ext cx="0" cy="0"/>
+          <a:chOff x="0" y="0"/>
+          <a:chExt cx="0" cy="0"/>
+        </a:xfrm>
+      </p:grpSpPr>
+      <p:sp>
+        <p:nvSpPr>
+          <p:cNvPr id="3" name="Başlık 2">
+            <a:extLst>
+              <a:ext uri="{FF2B5EF4-FFF2-40B4-BE49-F238E27FC236}">
+                <a16:creationId xmlns:a16="http://schemas.microsoft.com/office/drawing/2014/main" id="{DC655DD4-AFF4-61C1-5C49-067987A5DA2B}"/>
+              </a:ext>
+            </a:extLst>
+          </p:cNvPr>
+          <p:cNvSpPr>
+            <a:spLocks noGrp="1"/>
+          </p:cNvSpPr>
+          <p:nvPr>
+            <p:ph type="title"/>
+          </p:nvPr>
+        </p:nvSpPr>
+        <p:spPr>
+          <a:xfrm>
+            <a:off x="217583" y="282440"/>
+            <a:ext cx="11436154" cy="572907"/>
+          </a:xfrm>
+        </p:spPr>
+        <p:txBody>
+          <a:bodyPr rtlCol="0">
+            <a:noAutofit/>
+          </a:bodyPr>
+          <a:lstStyle/>
+          <a:p>
+            <a:pPr rtl="0"/>
+            <a:r>
+              <a:rPr lang="tr-TR" sz="2800" dirty="0"/>
+              <a:t>El Yer İşaretlerinin Tespiti (</a:t>
+            </a:r>
+            <a:r>
+              <a:rPr lang="tr-TR" sz="2800" dirty="0" err="1"/>
+              <a:t>Hand</a:t>
+            </a:r>
+            <a:r>
+              <a:rPr lang="tr-TR" sz="2800" dirty="0"/>
+              <a:t> </a:t>
+            </a:r>
+            <a:r>
+              <a:rPr lang="tr-TR" sz="2800" dirty="0" err="1"/>
+              <a:t>Landmarks</a:t>
+            </a:r>
+            <a:r>
+              <a:rPr lang="tr-TR" sz="2800" dirty="0"/>
+              <a:t> </a:t>
+            </a:r>
+            <a:r>
+              <a:rPr lang="tr-TR" sz="2800" dirty="0" err="1"/>
+              <a:t>Detection</a:t>
+            </a:r>
+            <a:r>
+              <a:rPr lang="tr-TR" sz="2800" dirty="0"/>
+              <a:t>)-&gt; </a:t>
+            </a:r>
+            <a:r>
+              <a:rPr lang="tr-TR" sz="2800" dirty="0" err="1">
+                <a:solidFill>
+                  <a:schemeClr val="accent1"/>
+                </a:solidFill>
+              </a:rPr>
+              <a:t>mp.solutions.hands</a:t>
+            </a:r>
+            <a:r>
+              <a:rPr lang="tr-TR" sz="2800" dirty="0">
+                <a:solidFill>
+                  <a:schemeClr val="accent1"/>
+                </a:solidFill>
+              </a:rPr>
+              <a:t> Çözümü</a:t>
+            </a:r>
+          </a:p>
+        </p:txBody>
+      </p:sp>
+      <p:sp>
+        <p:nvSpPr>
+          <p:cNvPr id="11" name="Slayt Numarası Yer Tutucusu 10">
+            <a:extLst>
+              <a:ext uri="{FF2B5EF4-FFF2-40B4-BE49-F238E27FC236}">
+                <a16:creationId xmlns:a16="http://schemas.microsoft.com/office/drawing/2014/main" id="{90AD6979-A54A-EEF6-95B7-7A81CB022CEA}"/>
+              </a:ext>
+            </a:extLst>
+          </p:cNvPr>
+          <p:cNvSpPr>
+            <a:spLocks noGrp="1"/>
+          </p:cNvSpPr>
+          <p:nvPr>
+            <p:ph type="sldNum" sz="quarter" idx="12"/>
+          </p:nvPr>
+        </p:nvSpPr>
+        <p:spPr/>
+        <p:txBody>
+          <a:bodyPr rtlCol="0"/>
+          <a:lstStyle/>
+          <a:p>
+            <a:pPr rtl="0"/>
+            <a:fld id="{D8DA9DAA-006C-4F4B-980E-E3DF019B24E2}" type="slidenum">
+              <a:rPr lang="tr-TR" smtClean="0"/>
+              <a:pPr rtl="0"/>
+              <a:t>23</a:t>
+            </a:fld>
+            <a:endParaRPr lang="tr-TR"/>
+          </a:p>
+        </p:txBody>
+      </p:sp>
+      <p:sp>
+        <p:nvSpPr>
+          <p:cNvPr id="4" name="İçerik Yer Tutucusu 3">
+            <a:extLst>
+              <a:ext uri="{FF2B5EF4-FFF2-40B4-BE49-F238E27FC236}">
+                <a16:creationId xmlns:a16="http://schemas.microsoft.com/office/drawing/2014/main" id="{F3617D95-BDFD-84BB-4DC8-C07BDD22A958}"/>
+              </a:ext>
+            </a:extLst>
+          </p:cNvPr>
+          <p:cNvSpPr>
+            <a:spLocks noGrp="1"/>
+          </p:cNvSpPr>
+          <p:nvPr>
+            <p:ph idx="1"/>
+          </p:nvPr>
+        </p:nvSpPr>
+        <p:spPr>
+          <a:xfrm>
+            <a:off x="391887" y="984380"/>
+            <a:ext cx="10338318" cy="5371970"/>
+          </a:xfrm>
+        </p:spPr>
+        <p:txBody>
+          <a:bodyPr>
+            <a:normAutofit/>
+          </a:bodyPr>
+          <a:lstStyle/>
+          <a:p>
+            <a:pPr marL="457200" indent="-457200">
+              <a:buFont typeface="Arial" panose="020B0604020202020204" pitchFamily="34" charset="0"/>
+              <a:buChar char="•"/>
+            </a:pPr>
+            <a:r>
+              <a:rPr lang="en-US" dirty="0" err="1">
+                <a:latin typeface="Times New Roman" panose="02020603050405020304" pitchFamily="18" charset="0"/>
+                <a:cs typeface="Times New Roman" panose="02020603050405020304" pitchFamily="18" charset="0"/>
+              </a:rPr>
+              <a:t>mp.solutions.hands</a:t>
+            </a:r>
+            <a:r>
+              <a:rPr lang="en-US" dirty="0">
+                <a:latin typeface="Times New Roman" panose="02020603050405020304" pitchFamily="18" charset="0"/>
+                <a:cs typeface="Times New Roman" panose="02020603050405020304" pitchFamily="18" charset="0"/>
+              </a:rPr>
+              <a:t> </a:t>
+            </a:r>
+            <a:r>
+              <a:rPr lang="en-US" dirty="0" err="1">
+                <a:latin typeface="Times New Roman" panose="02020603050405020304" pitchFamily="18" charset="0"/>
+                <a:cs typeface="Times New Roman" panose="02020603050405020304" pitchFamily="18" charset="0"/>
+              </a:rPr>
+              <a:t>genellikle</a:t>
+            </a:r>
+            <a:r>
+              <a:rPr lang="en-US" dirty="0">
+                <a:latin typeface="Times New Roman" panose="02020603050405020304" pitchFamily="18" charset="0"/>
+                <a:cs typeface="Times New Roman" panose="02020603050405020304" pitchFamily="18" charset="0"/>
+              </a:rPr>
+              <a:t> </a:t>
+            </a:r>
+            <a:r>
+              <a:rPr lang="en-US" dirty="0" err="1">
+                <a:latin typeface="Times New Roman" panose="02020603050405020304" pitchFamily="18" charset="0"/>
+                <a:cs typeface="Times New Roman" panose="02020603050405020304" pitchFamily="18" charset="0"/>
+              </a:rPr>
+              <a:t>daha</a:t>
+            </a:r>
+            <a:r>
+              <a:rPr lang="en-US" dirty="0">
+                <a:latin typeface="Times New Roman" panose="02020603050405020304" pitchFamily="18" charset="0"/>
+                <a:cs typeface="Times New Roman" panose="02020603050405020304" pitchFamily="18" charset="0"/>
+              </a:rPr>
+              <a:t> </a:t>
+            </a:r>
+            <a:r>
+              <a:rPr lang="en-US" dirty="0" err="1">
+                <a:latin typeface="Times New Roman" panose="02020603050405020304" pitchFamily="18" charset="0"/>
+                <a:cs typeface="Times New Roman" panose="02020603050405020304" pitchFamily="18" charset="0"/>
+              </a:rPr>
+              <a:t>hızlı</a:t>
+            </a:r>
+            <a:r>
+              <a:rPr lang="en-US" dirty="0">
+                <a:latin typeface="Times New Roman" panose="02020603050405020304" pitchFamily="18" charset="0"/>
+                <a:cs typeface="Times New Roman" panose="02020603050405020304" pitchFamily="18" charset="0"/>
+              </a:rPr>
+              <a:t> </a:t>
+            </a:r>
+            <a:r>
+              <a:rPr lang="en-US" dirty="0" err="1">
+                <a:latin typeface="Times New Roman" panose="02020603050405020304" pitchFamily="18" charset="0"/>
+                <a:cs typeface="Times New Roman" panose="02020603050405020304" pitchFamily="18" charset="0"/>
+              </a:rPr>
+              <a:t>ve</a:t>
+            </a:r>
+            <a:r>
+              <a:rPr lang="en-US" dirty="0">
+                <a:latin typeface="Times New Roman" panose="02020603050405020304" pitchFamily="18" charset="0"/>
+                <a:cs typeface="Times New Roman" panose="02020603050405020304" pitchFamily="18" charset="0"/>
+              </a:rPr>
+              <a:t> </a:t>
+            </a:r>
+            <a:r>
+              <a:rPr lang="en-US" dirty="0" err="1">
+                <a:latin typeface="Times New Roman" panose="02020603050405020304" pitchFamily="18" charset="0"/>
+                <a:cs typeface="Times New Roman" panose="02020603050405020304" pitchFamily="18" charset="0"/>
+              </a:rPr>
+              <a:t>hafif</a:t>
+            </a:r>
+            <a:r>
+              <a:rPr lang="en-US" dirty="0">
+                <a:latin typeface="Times New Roman" panose="02020603050405020304" pitchFamily="18" charset="0"/>
+                <a:cs typeface="Times New Roman" panose="02020603050405020304" pitchFamily="18" charset="0"/>
+              </a:rPr>
+              <a:t> </a:t>
+            </a:r>
+            <a:r>
+              <a:rPr lang="en-US" dirty="0" err="1">
+                <a:latin typeface="Times New Roman" panose="02020603050405020304" pitchFamily="18" charset="0"/>
+                <a:cs typeface="Times New Roman" panose="02020603050405020304" pitchFamily="18" charset="0"/>
+              </a:rPr>
+              <a:t>bir</a:t>
+            </a:r>
+            <a:r>
+              <a:rPr lang="en-US" dirty="0">
+                <a:latin typeface="Times New Roman" panose="02020603050405020304" pitchFamily="18" charset="0"/>
+                <a:cs typeface="Times New Roman" panose="02020603050405020304" pitchFamily="18" charset="0"/>
+              </a:rPr>
+              <a:t> model </a:t>
+            </a:r>
+            <a:r>
+              <a:rPr lang="en-US" dirty="0" err="1">
+                <a:latin typeface="Times New Roman" panose="02020603050405020304" pitchFamily="18" charset="0"/>
+                <a:cs typeface="Times New Roman" panose="02020603050405020304" pitchFamily="18" charset="0"/>
+              </a:rPr>
+              <a:t>arayan</a:t>
+            </a:r>
+            <a:r>
+              <a:rPr lang="en-US" dirty="0">
+                <a:latin typeface="Times New Roman" panose="02020603050405020304" pitchFamily="18" charset="0"/>
+                <a:cs typeface="Times New Roman" panose="02020603050405020304" pitchFamily="18" charset="0"/>
+              </a:rPr>
+              <a:t> </a:t>
+            </a:r>
+            <a:r>
+              <a:rPr lang="en-US" dirty="0" err="1">
+                <a:latin typeface="Times New Roman" panose="02020603050405020304" pitchFamily="18" charset="0"/>
+                <a:cs typeface="Times New Roman" panose="02020603050405020304" pitchFamily="18" charset="0"/>
+              </a:rPr>
+              <a:t>uygulamalar</a:t>
+            </a:r>
+            <a:r>
+              <a:rPr lang="en-US" dirty="0">
+                <a:latin typeface="Times New Roman" panose="02020603050405020304" pitchFamily="18" charset="0"/>
+                <a:cs typeface="Times New Roman" panose="02020603050405020304" pitchFamily="18" charset="0"/>
+              </a:rPr>
+              <a:t> </a:t>
+            </a:r>
+            <a:r>
+              <a:rPr lang="en-US" dirty="0" err="1">
+                <a:latin typeface="Times New Roman" panose="02020603050405020304" pitchFamily="18" charset="0"/>
+                <a:cs typeface="Times New Roman" panose="02020603050405020304" pitchFamily="18" charset="0"/>
+              </a:rPr>
+              <a:t>için</a:t>
+            </a:r>
+            <a:r>
+              <a:rPr lang="en-US" dirty="0">
+                <a:latin typeface="Times New Roman" panose="02020603050405020304" pitchFamily="18" charset="0"/>
+                <a:cs typeface="Times New Roman" panose="02020603050405020304" pitchFamily="18" charset="0"/>
+              </a:rPr>
+              <a:t> </a:t>
+            </a:r>
+            <a:r>
+              <a:rPr lang="en-US" dirty="0" err="1">
+                <a:latin typeface="Times New Roman" panose="02020603050405020304" pitchFamily="18" charset="0"/>
+                <a:cs typeface="Times New Roman" panose="02020603050405020304" pitchFamily="18" charset="0"/>
+              </a:rPr>
+              <a:t>tercih</a:t>
+            </a:r>
+            <a:r>
+              <a:rPr lang="en-US" dirty="0">
+                <a:latin typeface="Times New Roman" panose="02020603050405020304" pitchFamily="18" charset="0"/>
+                <a:cs typeface="Times New Roman" panose="02020603050405020304" pitchFamily="18" charset="0"/>
+              </a:rPr>
+              <a:t> </a:t>
+            </a:r>
+            <a:r>
+              <a:rPr lang="en-US" dirty="0" err="1">
+                <a:latin typeface="Times New Roman" panose="02020603050405020304" pitchFamily="18" charset="0"/>
+                <a:cs typeface="Times New Roman" panose="02020603050405020304" pitchFamily="18" charset="0"/>
+              </a:rPr>
+              <a:t>edilir</a:t>
+            </a:r>
+            <a:r>
+              <a:rPr lang="en-US" dirty="0">
+                <a:latin typeface="Times New Roman" panose="02020603050405020304" pitchFamily="18" charset="0"/>
+                <a:cs typeface="Times New Roman" panose="02020603050405020304" pitchFamily="18" charset="0"/>
+              </a:rPr>
+              <a:t>, </a:t>
+            </a:r>
+            <a:r>
+              <a:rPr lang="en-US" dirty="0" err="1">
+                <a:latin typeface="Times New Roman" panose="02020603050405020304" pitchFamily="18" charset="0"/>
+                <a:cs typeface="Times New Roman" panose="02020603050405020304" pitchFamily="18" charset="0"/>
+              </a:rPr>
+              <a:t>özellikle</a:t>
+            </a:r>
+            <a:r>
+              <a:rPr lang="en-US" dirty="0">
+                <a:latin typeface="Times New Roman" panose="02020603050405020304" pitchFamily="18" charset="0"/>
+                <a:cs typeface="Times New Roman" panose="02020603050405020304" pitchFamily="18" charset="0"/>
+              </a:rPr>
+              <a:t> </a:t>
+            </a:r>
+            <a:r>
+              <a:rPr lang="en-US" dirty="0" err="1">
+                <a:latin typeface="Times New Roman" panose="02020603050405020304" pitchFamily="18" charset="0"/>
+                <a:cs typeface="Times New Roman" panose="02020603050405020304" pitchFamily="18" charset="0"/>
+              </a:rPr>
+              <a:t>basit</a:t>
+            </a:r>
+            <a:r>
+              <a:rPr lang="en-US" dirty="0">
+                <a:latin typeface="Times New Roman" panose="02020603050405020304" pitchFamily="18" charset="0"/>
+                <a:cs typeface="Times New Roman" panose="02020603050405020304" pitchFamily="18" charset="0"/>
+              </a:rPr>
+              <a:t> </a:t>
+            </a:r>
+            <a:r>
+              <a:rPr lang="en-US" dirty="0" err="1">
+                <a:latin typeface="Times New Roman" panose="02020603050405020304" pitchFamily="18" charset="0"/>
+                <a:cs typeface="Times New Roman" panose="02020603050405020304" pitchFamily="18" charset="0"/>
+              </a:rPr>
+              <a:t>el</a:t>
+            </a:r>
+            <a:r>
+              <a:rPr lang="en-US" dirty="0">
+                <a:latin typeface="Times New Roman" panose="02020603050405020304" pitchFamily="18" charset="0"/>
+                <a:cs typeface="Times New Roman" panose="02020603050405020304" pitchFamily="18" charset="0"/>
+              </a:rPr>
+              <a:t> </a:t>
+            </a:r>
+            <a:r>
+              <a:rPr lang="en-US" dirty="0" err="1">
+                <a:latin typeface="Times New Roman" panose="02020603050405020304" pitchFamily="18" charset="0"/>
+                <a:cs typeface="Times New Roman" panose="02020603050405020304" pitchFamily="18" charset="0"/>
+              </a:rPr>
+              <a:t>tespiti</a:t>
+            </a:r>
+            <a:r>
+              <a:rPr lang="en-US" dirty="0">
+                <a:latin typeface="Times New Roman" panose="02020603050405020304" pitchFamily="18" charset="0"/>
+                <a:cs typeface="Times New Roman" panose="02020603050405020304" pitchFamily="18" charset="0"/>
+              </a:rPr>
+              <a:t> </a:t>
+            </a:r>
+            <a:r>
+              <a:rPr lang="en-US" dirty="0" err="1">
+                <a:latin typeface="Times New Roman" panose="02020603050405020304" pitchFamily="18" charset="0"/>
+                <a:cs typeface="Times New Roman" panose="02020603050405020304" pitchFamily="18" charset="0"/>
+              </a:rPr>
+              <a:t>ve</a:t>
+            </a:r>
+            <a:r>
+              <a:rPr lang="en-US" dirty="0">
+                <a:latin typeface="Times New Roman" panose="02020603050405020304" pitchFamily="18" charset="0"/>
+                <a:cs typeface="Times New Roman" panose="02020603050405020304" pitchFamily="18" charset="0"/>
+              </a:rPr>
+              <a:t> </a:t>
+            </a:r>
+            <a:r>
+              <a:rPr lang="en-US" dirty="0" err="1">
+                <a:latin typeface="Times New Roman" panose="02020603050405020304" pitchFamily="18" charset="0"/>
+                <a:cs typeface="Times New Roman" panose="02020603050405020304" pitchFamily="18" charset="0"/>
+              </a:rPr>
+              <a:t>izleme</a:t>
+            </a:r>
+            <a:r>
+              <a:rPr lang="en-US" dirty="0">
+                <a:latin typeface="Times New Roman" panose="02020603050405020304" pitchFamily="18" charset="0"/>
+                <a:cs typeface="Times New Roman" panose="02020603050405020304" pitchFamily="18" charset="0"/>
+              </a:rPr>
+              <a:t> </a:t>
+            </a:r>
+            <a:r>
+              <a:rPr lang="en-US" dirty="0" err="1">
+                <a:latin typeface="Times New Roman" panose="02020603050405020304" pitchFamily="18" charset="0"/>
+                <a:cs typeface="Times New Roman" panose="02020603050405020304" pitchFamily="18" charset="0"/>
+              </a:rPr>
+              <a:t>görevlerinde</a:t>
+            </a:r>
+            <a:r>
+              <a:rPr lang="tr-TR" dirty="0">
+                <a:latin typeface="Times New Roman" panose="02020603050405020304" pitchFamily="18" charset="0"/>
+                <a:cs typeface="Times New Roman" panose="02020603050405020304" pitchFamily="18" charset="0"/>
+              </a:rPr>
+              <a:t> kullanılır. Daha hızlı çalışır.</a:t>
+            </a:r>
+          </a:p>
+          <a:p>
+            <a:pPr marL="457200" indent="-457200">
+              <a:buFont typeface="Arial" panose="020B0604020202020204" pitchFamily="34" charset="0"/>
+              <a:buChar char="•"/>
+            </a:pPr>
+            <a:r>
+              <a:rPr lang="tr-TR" dirty="0" err="1">
+                <a:latin typeface="Times New Roman" panose="02020603050405020304" pitchFamily="18" charset="0"/>
+                <a:cs typeface="Times New Roman" panose="02020603050405020304" pitchFamily="18" charset="0"/>
+              </a:rPr>
+              <a:t>vision.HandLandmarker</a:t>
+            </a:r>
+            <a:r>
+              <a:rPr lang="tr-TR" dirty="0">
+                <a:latin typeface="Times New Roman" panose="02020603050405020304" pitchFamily="18" charset="0"/>
+                <a:cs typeface="Times New Roman" panose="02020603050405020304" pitchFamily="18" charset="0"/>
+              </a:rPr>
+              <a:t>, daha karmaşık uygulamalar için uygundur. Özellikle oyunlar, VR/AR uygulamaları veya 3D hareket izleme gerektiren projelerde kullanılır.</a:t>
+            </a:r>
+          </a:p>
+          <a:p>
+            <a:pPr marL="457200" indent="-457200">
+              <a:buFont typeface="Arial" panose="020B0604020202020204" pitchFamily="34" charset="0"/>
+              <a:buChar char="•"/>
+            </a:pPr>
+            <a:r>
+              <a:rPr lang="tr-TR" dirty="0" err="1">
+                <a:latin typeface="Times New Roman" panose="02020603050405020304" pitchFamily="18" charset="0"/>
+                <a:cs typeface="Times New Roman" panose="02020603050405020304" pitchFamily="18" charset="0"/>
+              </a:rPr>
+              <a:t>vision.HandLandmarker</a:t>
+            </a:r>
+            <a:r>
+              <a:rPr lang="tr-TR" dirty="0">
+                <a:latin typeface="Times New Roman" panose="02020603050405020304" pitchFamily="18" charset="0"/>
+                <a:cs typeface="Times New Roman" panose="02020603050405020304" pitchFamily="18" charset="0"/>
+              </a:rPr>
+              <a:t>, elin her bir parmağının yanı sıra, elin genel şeklini, elin eğilimini ve hatta parmakların birbirine olan uzaklıklarını daha doğru bir şekilde algılayabilir. Bu tür özellikler, işaret dili tanıma ve karmaşık etkileşimler için faydalıdır.</a:t>
+            </a:r>
+          </a:p>
+        </p:txBody>
+      </p:sp>
+    </p:spTree>
+    <p:extLst>
+      <p:ext uri="{BB962C8B-B14F-4D97-AF65-F5344CB8AC3E}">
+        <p14:creationId xmlns:p14="http://schemas.microsoft.com/office/powerpoint/2010/main" val="2859256481"/>
+      </p:ext>
+    </p:extLst>
+  </p:cSld>
+  <p:clrMapOvr>
+    <a:masterClrMapping/>
+  </p:clrMapOvr>
+</p:sld>
+</file>
+
+<file path=ppt/slides/slide24.xml><?xml version="1.0" encoding="utf-8"?>
+<p:sld xmlns:a="http://schemas.openxmlformats.org/drawingml/2006/main" xmlns:r="http://schemas.openxmlformats.org/officeDocument/2006/relationships" xmlns:p="http://schemas.openxmlformats.org/presentationml/2006/main">
+  <p:cSld>
+    <p:spTree>
+      <p:nvGrpSpPr>
+        <p:cNvPr id="1" name="">
+          <a:extLst>
+            <a:ext uri="{FF2B5EF4-FFF2-40B4-BE49-F238E27FC236}">
+              <a16:creationId xmlns:a16="http://schemas.microsoft.com/office/drawing/2014/main" id="{960F74F2-849A-99EE-1C28-80E3B6807B85}"/>
+            </a:ext>
+          </a:extLst>
+        </p:cNvPr>
+        <p:cNvGrpSpPr/>
+        <p:nvPr/>
+      </p:nvGrpSpPr>
+      <p:grpSpPr>
+        <a:xfrm>
+          <a:off x="0" y="0"/>
+          <a:ext cx="0" cy="0"/>
+          <a:chOff x="0" y="0"/>
+          <a:chExt cx="0" cy="0"/>
+        </a:xfrm>
+      </p:grpSpPr>
+      <p:sp>
+        <p:nvSpPr>
+          <p:cNvPr id="3" name="Başlık 2">
+            <a:extLst>
+              <a:ext uri="{FF2B5EF4-FFF2-40B4-BE49-F238E27FC236}">
+                <a16:creationId xmlns:a16="http://schemas.microsoft.com/office/drawing/2014/main" id="{2239AD6F-2BF2-C6B3-538C-7D62CCD835B3}"/>
+              </a:ext>
+            </a:extLst>
+          </p:cNvPr>
+          <p:cNvSpPr>
+            <a:spLocks noGrp="1"/>
+          </p:cNvSpPr>
+          <p:nvPr>
+            <p:ph type="title"/>
+          </p:nvPr>
+        </p:nvSpPr>
+        <p:spPr>
+          <a:xfrm>
+            <a:off x="217583" y="282440"/>
+            <a:ext cx="11436154" cy="572907"/>
+          </a:xfrm>
+        </p:spPr>
+        <p:txBody>
+          <a:bodyPr rtlCol="0">
+            <a:noAutofit/>
+          </a:bodyPr>
+          <a:lstStyle/>
+          <a:p>
+            <a:pPr rtl="0"/>
+            <a:r>
+              <a:rPr lang="tr-TR" sz="2800" dirty="0"/>
+              <a:t>El Yer İşaretlerinin Tespiti (</a:t>
+            </a:r>
+            <a:r>
+              <a:rPr lang="tr-TR" sz="2800" dirty="0" err="1"/>
+              <a:t>Hand</a:t>
+            </a:r>
+            <a:r>
+              <a:rPr lang="tr-TR" sz="2800" dirty="0"/>
+              <a:t> </a:t>
+            </a:r>
+            <a:r>
+              <a:rPr lang="tr-TR" sz="2800" dirty="0" err="1"/>
+              <a:t>Landmarks</a:t>
+            </a:r>
+            <a:r>
+              <a:rPr lang="tr-TR" sz="2800" dirty="0"/>
+              <a:t> </a:t>
+            </a:r>
+            <a:r>
+              <a:rPr lang="tr-TR" sz="2800" dirty="0" err="1"/>
+              <a:t>Detection</a:t>
+            </a:r>
+            <a:r>
+              <a:rPr lang="tr-TR" sz="2800" dirty="0"/>
+              <a:t>)-&gt; </a:t>
+            </a:r>
+            <a:r>
+              <a:rPr lang="tr-TR" sz="2800" dirty="0" err="1">
+                <a:solidFill>
+                  <a:schemeClr val="accent1"/>
+                </a:solidFill>
+              </a:rPr>
+              <a:t>mp.solutions.hands</a:t>
+            </a:r>
+            <a:r>
+              <a:rPr lang="tr-TR" sz="2800" dirty="0">
+                <a:solidFill>
+                  <a:schemeClr val="accent1"/>
+                </a:solidFill>
+              </a:rPr>
+              <a:t> Çözümü-&gt;</a:t>
+            </a:r>
+            <a:r>
+              <a:rPr lang="tr-TR" sz="2400" dirty="0">
+                <a:solidFill>
+                  <a:schemeClr val="accent1"/>
+                </a:solidFill>
+              </a:rPr>
+              <a:t>preparedatasetwithhandsolution1.py</a:t>
+            </a:r>
+            <a:endParaRPr lang="tr-TR" sz="2800" dirty="0">
+              <a:solidFill>
+                <a:schemeClr val="accent1"/>
+              </a:solidFill>
+            </a:endParaRPr>
+          </a:p>
+        </p:txBody>
+      </p:sp>
+      <p:sp>
+        <p:nvSpPr>
+          <p:cNvPr id="11" name="Slayt Numarası Yer Tutucusu 10">
+            <a:extLst>
+              <a:ext uri="{FF2B5EF4-FFF2-40B4-BE49-F238E27FC236}">
+                <a16:creationId xmlns:a16="http://schemas.microsoft.com/office/drawing/2014/main" id="{93BA2C9A-36AE-0DBD-E59E-37B0C9C8C265}"/>
+              </a:ext>
+            </a:extLst>
+          </p:cNvPr>
+          <p:cNvSpPr>
+            <a:spLocks noGrp="1"/>
+          </p:cNvSpPr>
+          <p:nvPr>
+            <p:ph type="sldNum" sz="quarter" idx="12"/>
+          </p:nvPr>
+        </p:nvSpPr>
+        <p:spPr/>
+        <p:txBody>
+          <a:bodyPr rtlCol="0"/>
+          <a:lstStyle/>
+          <a:p>
+            <a:pPr rtl="0"/>
+            <a:fld id="{D8DA9DAA-006C-4F4B-980E-E3DF019B24E2}" type="slidenum">
+              <a:rPr lang="tr-TR" smtClean="0"/>
+              <a:pPr rtl="0"/>
+              <a:t>24</a:t>
+            </a:fld>
+            <a:endParaRPr lang="tr-TR"/>
+          </a:p>
+        </p:txBody>
+      </p:sp>
+      <p:sp>
+        <p:nvSpPr>
+          <p:cNvPr id="4" name="İçerik Yer Tutucusu 3">
+            <a:extLst>
+              <a:ext uri="{FF2B5EF4-FFF2-40B4-BE49-F238E27FC236}">
+                <a16:creationId xmlns:a16="http://schemas.microsoft.com/office/drawing/2014/main" id="{3AB09B57-C936-25DB-53F1-C5EA0E023E42}"/>
+              </a:ext>
+            </a:extLst>
+          </p:cNvPr>
+          <p:cNvSpPr>
+            <a:spLocks noGrp="1"/>
+          </p:cNvSpPr>
+          <p:nvPr>
+            <p:ph idx="1"/>
+          </p:nvPr>
+        </p:nvSpPr>
+        <p:spPr>
+          <a:xfrm>
+            <a:off x="391887" y="984380"/>
+            <a:ext cx="10338318" cy="5371970"/>
+          </a:xfrm>
+        </p:spPr>
+        <p:txBody>
+          <a:bodyPr>
+            <a:normAutofit/>
+          </a:bodyPr>
+          <a:lstStyle/>
+          <a:p>
+            <a:pPr marL="457200" indent="-457200">
+              <a:buFont typeface="Arial" panose="020B0604020202020204" pitchFamily="34" charset="0"/>
+              <a:buChar char="•"/>
+            </a:pPr>
+            <a:endParaRPr lang="tr-TR" dirty="0">
+              <a:latin typeface="Times New Roman" panose="02020603050405020304" pitchFamily="18" charset="0"/>
+              <a:cs typeface="Times New Roman" panose="02020603050405020304" pitchFamily="18" charset="0"/>
+            </a:endParaRPr>
+          </a:p>
+        </p:txBody>
+      </p:sp>
+      <p:pic>
+        <p:nvPicPr>
+          <p:cNvPr id="14" name="Resim 13">
+            <a:extLst>
+              <a:ext uri="{FF2B5EF4-FFF2-40B4-BE49-F238E27FC236}">
+                <a16:creationId xmlns:a16="http://schemas.microsoft.com/office/drawing/2014/main" id="{E4779BA8-F4D0-4664-DC3D-E790F0908EC8}"/>
+              </a:ext>
+            </a:extLst>
+          </p:cNvPr>
+          <p:cNvPicPr>
+            <a:picLocks noChangeAspect="1"/>
+          </p:cNvPicPr>
+          <p:nvPr/>
+        </p:nvPicPr>
+        <p:blipFill>
+          <a:blip r:embed="rId3"/>
+          <a:stretch>
+            <a:fillRect/>
+          </a:stretch>
+        </p:blipFill>
+        <p:spPr>
+          <a:xfrm>
+            <a:off x="2187150" y="1008622"/>
+            <a:ext cx="5687887" cy="4594468"/>
+          </a:xfrm>
+          <a:prstGeom prst="rect">
+            <a:avLst/>
+          </a:prstGeom>
+        </p:spPr>
+      </p:pic>
+    </p:spTree>
+    <p:extLst>
+      <p:ext uri="{BB962C8B-B14F-4D97-AF65-F5344CB8AC3E}">
+        <p14:creationId xmlns:p14="http://schemas.microsoft.com/office/powerpoint/2010/main" val="4192331083"/>
+      </p:ext>
+    </p:extLst>
+  </p:cSld>
+  <p:clrMapOvr>
+    <a:masterClrMapping/>
+  </p:clrMapOvr>
+</p:sld>
+</file>
+
+<file path=ppt/slides/slide25.xml><?xml version="1.0" encoding="utf-8"?>
+<p:sld xmlns:a="http://schemas.openxmlformats.org/drawingml/2006/main" xmlns:r="http://schemas.openxmlformats.org/officeDocument/2006/relationships" xmlns:p="http://schemas.openxmlformats.org/presentationml/2006/main">
+  <p:cSld>
+    <p:spTree>
+      <p:nvGrpSpPr>
+        <p:cNvPr id="1" name="">
+          <a:extLst>
+            <a:ext uri="{FF2B5EF4-FFF2-40B4-BE49-F238E27FC236}">
+              <a16:creationId xmlns:a16="http://schemas.microsoft.com/office/drawing/2014/main" id="{4B581990-8C6A-88FC-11E5-448ECD8656BA}"/>
+            </a:ext>
+          </a:extLst>
+        </p:cNvPr>
+        <p:cNvGrpSpPr/>
+        <p:nvPr/>
+      </p:nvGrpSpPr>
+      <p:grpSpPr>
+        <a:xfrm>
+          <a:off x="0" y="0"/>
+          <a:ext cx="0" cy="0"/>
+          <a:chOff x="0" y="0"/>
+          <a:chExt cx="0" cy="0"/>
+        </a:xfrm>
+      </p:grpSpPr>
+      <p:sp>
+        <p:nvSpPr>
+          <p:cNvPr id="3" name="Başlık 2">
+            <a:extLst>
+              <a:ext uri="{FF2B5EF4-FFF2-40B4-BE49-F238E27FC236}">
+                <a16:creationId xmlns:a16="http://schemas.microsoft.com/office/drawing/2014/main" id="{4EF3FC27-366B-0162-AA0B-524D7FF47980}"/>
+              </a:ext>
+            </a:extLst>
+          </p:cNvPr>
+          <p:cNvSpPr>
+            <a:spLocks noGrp="1"/>
+          </p:cNvSpPr>
+          <p:nvPr>
+            <p:ph type="title"/>
+          </p:nvPr>
+        </p:nvSpPr>
+        <p:spPr>
+          <a:xfrm>
+            <a:off x="217583" y="282440"/>
+            <a:ext cx="11436154" cy="572907"/>
+          </a:xfrm>
+        </p:spPr>
+        <p:txBody>
+          <a:bodyPr rtlCol="0">
+            <a:noAutofit/>
+          </a:bodyPr>
+          <a:lstStyle/>
+          <a:p>
+            <a:pPr rtl="0"/>
+            <a:r>
+              <a:rPr lang="tr-TR" sz="2800" dirty="0"/>
+              <a:t>El Yer İşaretlerinin Tespiti (</a:t>
+            </a:r>
+            <a:r>
+              <a:rPr lang="tr-TR" sz="2800" dirty="0" err="1"/>
+              <a:t>Hand</a:t>
+            </a:r>
+            <a:r>
+              <a:rPr lang="tr-TR" sz="2800" dirty="0"/>
+              <a:t> </a:t>
+            </a:r>
+            <a:r>
+              <a:rPr lang="tr-TR" sz="2800" dirty="0" err="1"/>
+              <a:t>Landmarks</a:t>
+            </a:r>
+            <a:r>
+              <a:rPr lang="tr-TR" sz="2800" dirty="0"/>
+              <a:t> </a:t>
+            </a:r>
+            <a:r>
+              <a:rPr lang="tr-TR" sz="2800" dirty="0" err="1"/>
+              <a:t>Detection</a:t>
+            </a:r>
+            <a:r>
+              <a:rPr lang="tr-TR" sz="2800" dirty="0"/>
+              <a:t>)-&gt; </a:t>
+            </a:r>
+            <a:r>
+              <a:rPr lang="tr-TR" sz="2800" dirty="0" err="1">
+                <a:solidFill>
+                  <a:schemeClr val="accent1"/>
+                </a:solidFill>
+              </a:rPr>
+              <a:t>mp.solutions.hands</a:t>
+            </a:r>
+            <a:r>
+              <a:rPr lang="tr-TR" sz="2800" dirty="0">
+                <a:solidFill>
+                  <a:schemeClr val="accent1"/>
+                </a:solidFill>
+              </a:rPr>
+              <a:t> Çözümü-&gt;</a:t>
+            </a:r>
+            <a:r>
+              <a:rPr lang="tr-TR" sz="2400" dirty="0">
+                <a:solidFill>
+                  <a:schemeClr val="accent1"/>
+                </a:solidFill>
+              </a:rPr>
+              <a:t>preparedatasetwithhandsolution1.py</a:t>
+            </a:r>
+            <a:endParaRPr lang="tr-TR" sz="2800" dirty="0">
+              <a:solidFill>
+                <a:schemeClr val="accent1"/>
+              </a:solidFill>
+            </a:endParaRPr>
+          </a:p>
+        </p:txBody>
+      </p:sp>
+      <p:sp>
+        <p:nvSpPr>
+          <p:cNvPr id="11" name="Slayt Numarası Yer Tutucusu 10">
+            <a:extLst>
+              <a:ext uri="{FF2B5EF4-FFF2-40B4-BE49-F238E27FC236}">
+                <a16:creationId xmlns:a16="http://schemas.microsoft.com/office/drawing/2014/main" id="{30BFAD76-3179-6CA7-2961-5D523F4E528A}"/>
+              </a:ext>
+            </a:extLst>
+          </p:cNvPr>
+          <p:cNvSpPr>
+            <a:spLocks noGrp="1"/>
+          </p:cNvSpPr>
+          <p:nvPr>
+            <p:ph type="sldNum" sz="quarter" idx="12"/>
+          </p:nvPr>
+        </p:nvSpPr>
+        <p:spPr/>
+        <p:txBody>
+          <a:bodyPr rtlCol="0"/>
+          <a:lstStyle/>
+          <a:p>
+            <a:pPr rtl="0"/>
+            <a:fld id="{D8DA9DAA-006C-4F4B-980E-E3DF019B24E2}" type="slidenum">
+              <a:rPr lang="tr-TR" smtClean="0"/>
+              <a:pPr rtl="0"/>
+              <a:t>25</a:t>
+            </a:fld>
+            <a:endParaRPr lang="tr-TR"/>
+          </a:p>
+        </p:txBody>
+      </p:sp>
+      <p:sp>
+        <p:nvSpPr>
+          <p:cNvPr id="4" name="İçerik Yer Tutucusu 3">
+            <a:extLst>
+              <a:ext uri="{FF2B5EF4-FFF2-40B4-BE49-F238E27FC236}">
+                <a16:creationId xmlns:a16="http://schemas.microsoft.com/office/drawing/2014/main" id="{2450E36D-1411-E141-B48D-A2DF5E2BADD5}"/>
+              </a:ext>
+            </a:extLst>
+          </p:cNvPr>
+          <p:cNvSpPr>
+            <a:spLocks noGrp="1"/>
+          </p:cNvSpPr>
+          <p:nvPr>
+            <p:ph idx="1"/>
+          </p:nvPr>
+        </p:nvSpPr>
+        <p:spPr>
+          <a:xfrm>
+            <a:off x="391887" y="984379"/>
+            <a:ext cx="10338318" cy="5737095"/>
+          </a:xfrm>
+        </p:spPr>
+        <p:txBody>
+          <a:bodyPr>
+            <a:normAutofit/>
+          </a:bodyPr>
+          <a:lstStyle/>
+          <a:p>
+            <a:pPr marL="457200" indent="-457200">
+              <a:buFont typeface="Arial" panose="020B0604020202020204" pitchFamily="34" charset="0"/>
+              <a:buChar char="•"/>
+            </a:pPr>
+            <a:endParaRPr lang="tr-TR" dirty="0">
+              <a:latin typeface="Times New Roman" panose="02020603050405020304" pitchFamily="18" charset="0"/>
+              <a:cs typeface="Times New Roman" panose="02020603050405020304" pitchFamily="18" charset="0"/>
+            </a:endParaRPr>
+          </a:p>
+          <a:p>
+            <a:pPr marL="457200" indent="-457200">
+              <a:buFont typeface="Arial" panose="020B0604020202020204" pitchFamily="34" charset="0"/>
+              <a:buChar char="•"/>
+            </a:pPr>
+            <a:endParaRPr lang="tr-TR" dirty="0">
+              <a:latin typeface="Times New Roman" panose="02020603050405020304" pitchFamily="18" charset="0"/>
+              <a:cs typeface="Times New Roman" panose="02020603050405020304" pitchFamily="18" charset="0"/>
+            </a:endParaRPr>
+          </a:p>
+          <a:p>
+            <a:pPr marL="457200" indent="-457200">
+              <a:buFont typeface="Arial" panose="020B0604020202020204" pitchFamily="34" charset="0"/>
+              <a:buChar char="•"/>
+            </a:pPr>
+            <a:endParaRPr lang="tr-TR" dirty="0">
+              <a:latin typeface="Times New Roman" panose="02020603050405020304" pitchFamily="18" charset="0"/>
+              <a:cs typeface="Times New Roman" panose="02020603050405020304" pitchFamily="18" charset="0"/>
+            </a:endParaRPr>
+          </a:p>
+          <a:p>
+            <a:pPr marL="457200" indent="-457200">
+              <a:buFont typeface="Arial" panose="020B0604020202020204" pitchFamily="34" charset="0"/>
+              <a:buChar char="•"/>
+            </a:pPr>
+            <a:endParaRPr lang="tr-TR" dirty="0">
+              <a:latin typeface="Times New Roman" panose="02020603050405020304" pitchFamily="18" charset="0"/>
+              <a:cs typeface="Times New Roman" panose="02020603050405020304" pitchFamily="18" charset="0"/>
+            </a:endParaRPr>
+          </a:p>
+          <a:p>
+            <a:pPr marL="457200" indent="-457200">
+              <a:buFont typeface="Arial" panose="020B0604020202020204" pitchFamily="34" charset="0"/>
+              <a:buChar char="•"/>
+            </a:pPr>
+            <a:endParaRPr lang="tr-TR" dirty="0">
+              <a:latin typeface="Times New Roman" panose="02020603050405020304" pitchFamily="18" charset="0"/>
+              <a:cs typeface="Times New Roman" panose="02020603050405020304" pitchFamily="18" charset="0"/>
+            </a:endParaRPr>
+          </a:p>
+          <a:p>
+            <a:pPr marL="457200" indent="-457200">
+              <a:buFont typeface="Arial" panose="020B0604020202020204" pitchFamily="34" charset="0"/>
+              <a:buChar char="•"/>
+            </a:pPr>
+            <a:endParaRPr lang="tr-TR" dirty="0">
+              <a:latin typeface="Times New Roman" panose="02020603050405020304" pitchFamily="18" charset="0"/>
+              <a:cs typeface="Times New Roman" panose="02020603050405020304" pitchFamily="18" charset="0"/>
+            </a:endParaRPr>
+          </a:p>
+          <a:p>
+            <a:pPr marL="457200" indent="-457200">
+              <a:buFont typeface="Arial" panose="020B0604020202020204" pitchFamily="34" charset="0"/>
+              <a:buChar char="•"/>
+            </a:pPr>
+            <a:endParaRPr lang="tr-TR" dirty="0">
+              <a:latin typeface="Times New Roman" panose="02020603050405020304" pitchFamily="18" charset="0"/>
+              <a:cs typeface="Times New Roman" panose="02020603050405020304" pitchFamily="18" charset="0"/>
+            </a:endParaRPr>
+          </a:p>
+          <a:p>
+            <a:pPr marL="457200" indent="-457200">
+              <a:buFont typeface="Arial" panose="020B0604020202020204" pitchFamily="34" charset="0"/>
+              <a:buChar char="•"/>
+            </a:pPr>
+            <a:endParaRPr lang="tr-TR" dirty="0">
+              <a:latin typeface="Times New Roman" panose="02020603050405020304" pitchFamily="18" charset="0"/>
+              <a:cs typeface="Times New Roman" panose="02020603050405020304" pitchFamily="18" charset="0"/>
+            </a:endParaRPr>
+          </a:p>
+          <a:p>
+            <a:pPr marL="457200" indent="-457200">
+              <a:buFont typeface="Arial" panose="020B0604020202020204" pitchFamily="34" charset="0"/>
+              <a:buChar char="•"/>
+            </a:pPr>
+            <a:endParaRPr lang="tr-TR" dirty="0">
+              <a:latin typeface="Times New Roman" panose="02020603050405020304" pitchFamily="18" charset="0"/>
+              <a:cs typeface="Times New Roman" panose="02020603050405020304" pitchFamily="18" charset="0"/>
+            </a:endParaRPr>
+          </a:p>
+          <a:p>
+            <a:pPr marL="457200" indent="-457200">
+              <a:buFont typeface="Arial" panose="020B0604020202020204" pitchFamily="34" charset="0"/>
+              <a:buChar char="•"/>
+            </a:pPr>
+            <a:r>
+              <a:rPr lang="tr-TR" dirty="0" err="1">
+                <a:latin typeface="Times New Roman" panose="02020603050405020304" pitchFamily="18" charset="0"/>
+                <a:cs typeface="Times New Roman" panose="02020603050405020304" pitchFamily="18" charset="0"/>
+              </a:rPr>
+              <a:t>multi_hand_landmarks</a:t>
+            </a:r>
+            <a:r>
+              <a:rPr lang="tr-TR" dirty="0">
+                <a:latin typeface="Times New Roman" panose="02020603050405020304" pitchFamily="18" charset="0"/>
+                <a:cs typeface="Times New Roman" panose="02020603050405020304" pitchFamily="18" charset="0"/>
+              </a:rPr>
+              <a:t> ve </a:t>
+            </a:r>
+            <a:r>
+              <a:rPr lang="tr-TR" dirty="0" err="1">
+                <a:latin typeface="Times New Roman" panose="02020603050405020304" pitchFamily="18" charset="0"/>
+                <a:cs typeface="Times New Roman" panose="02020603050405020304" pitchFamily="18" charset="0"/>
+              </a:rPr>
+              <a:t>multi_handedness</a:t>
+            </a:r>
+            <a:r>
+              <a:rPr lang="tr-TR" dirty="0">
+                <a:latin typeface="Times New Roman" panose="02020603050405020304" pitchFamily="18" charset="0"/>
+                <a:cs typeface="Times New Roman" panose="02020603050405020304" pitchFamily="18" charset="0"/>
+              </a:rPr>
+              <a:t> aynı boyutta veri üretir. </a:t>
+            </a:r>
+            <a:r>
+              <a:rPr lang="tr-TR" dirty="0" err="1">
+                <a:latin typeface="Times New Roman" panose="02020603050405020304" pitchFamily="18" charset="0"/>
+                <a:cs typeface="Times New Roman" panose="02020603050405020304" pitchFamily="18" charset="0"/>
+              </a:rPr>
+              <a:t>Handedness</a:t>
+            </a:r>
+            <a:r>
+              <a:rPr lang="tr-TR" dirty="0">
+                <a:latin typeface="Times New Roman" panose="02020603050405020304" pitchFamily="18" charset="0"/>
+                <a:cs typeface="Times New Roman" panose="02020603050405020304" pitchFamily="18" charset="0"/>
+              </a:rPr>
+              <a:t> </a:t>
+            </a:r>
+            <a:r>
+              <a:rPr lang="tr-TR" dirty="0" err="1">
+                <a:latin typeface="Times New Roman" panose="02020603050405020304" pitchFamily="18" charset="0"/>
+                <a:cs typeface="Times New Roman" panose="02020603050405020304" pitchFamily="18" charset="0"/>
+              </a:rPr>
+              <a:t>classification</a:t>
+            </a:r>
+            <a:r>
+              <a:rPr lang="tr-TR" dirty="0">
+                <a:latin typeface="Times New Roman" panose="02020603050405020304" pitchFamily="18" charset="0"/>
+                <a:cs typeface="Times New Roman" panose="02020603050405020304" pitchFamily="18" charset="0"/>
+              </a:rPr>
+              <a:t> nesnelerinden oluşan bir listedir. </a:t>
+            </a:r>
+            <a:r>
+              <a:rPr lang="tr-TR" dirty="0" err="1">
+                <a:latin typeface="Times New Roman" panose="02020603050405020304" pitchFamily="18" charset="0"/>
+                <a:cs typeface="Times New Roman" panose="02020603050405020304" pitchFamily="18" charset="0"/>
+              </a:rPr>
+              <a:t>multi_hand_landmarks</a:t>
+            </a:r>
+            <a:r>
+              <a:rPr lang="tr-TR" dirty="0">
+                <a:latin typeface="Times New Roman" panose="02020603050405020304" pitchFamily="18" charset="0"/>
+                <a:cs typeface="Times New Roman" panose="02020603050405020304" pitchFamily="18" charset="0"/>
+              </a:rPr>
+              <a:t> ise </a:t>
+            </a:r>
+            <a:r>
+              <a:rPr lang="tr-TR" dirty="0" err="1">
+                <a:latin typeface="Times New Roman" panose="02020603050405020304" pitchFamily="18" charset="0"/>
+                <a:cs typeface="Times New Roman" panose="02020603050405020304" pitchFamily="18" charset="0"/>
+              </a:rPr>
+              <a:t>landmark</a:t>
+            </a:r>
+            <a:r>
+              <a:rPr lang="tr-TR" dirty="0">
+                <a:latin typeface="Times New Roman" panose="02020603050405020304" pitchFamily="18" charset="0"/>
+                <a:cs typeface="Times New Roman" panose="02020603050405020304" pitchFamily="18" charset="0"/>
+              </a:rPr>
+              <a:t> </a:t>
+            </a:r>
+            <a:r>
+              <a:rPr lang="tr-TR" dirty="0" err="1">
+                <a:latin typeface="Times New Roman" panose="02020603050405020304" pitchFamily="18" charset="0"/>
+                <a:cs typeface="Times New Roman" panose="02020603050405020304" pitchFamily="18" charset="0"/>
+              </a:rPr>
+              <a:t>nesneleriden</a:t>
+            </a:r>
+            <a:r>
+              <a:rPr lang="tr-TR" dirty="0">
+                <a:latin typeface="Times New Roman" panose="02020603050405020304" pitchFamily="18" charset="0"/>
+                <a:cs typeface="Times New Roman" panose="02020603050405020304" pitchFamily="18" charset="0"/>
+              </a:rPr>
+              <a:t> oluşan listedir. Bu veriye göre </a:t>
+            </a:r>
+            <a:r>
+              <a:rPr lang="tr-TR" dirty="0" err="1">
+                <a:latin typeface="Times New Roman" panose="02020603050405020304" pitchFamily="18" charset="0"/>
+                <a:cs typeface="Times New Roman" panose="02020603050405020304" pitchFamily="18" charset="0"/>
+              </a:rPr>
+              <a:t>multi_hand_landmarks’ın</a:t>
+            </a:r>
+            <a:r>
+              <a:rPr lang="tr-TR" dirty="0">
+                <a:latin typeface="Times New Roman" panose="02020603050405020304" pitchFamily="18" charset="0"/>
+                <a:cs typeface="Times New Roman" panose="02020603050405020304" pitchFamily="18" charset="0"/>
+              </a:rPr>
+              <a:t> ilk elamanı içinde sol ele ait 21 </a:t>
+            </a:r>
+            <a:r>
+              <a:rPr lang="tr-TR" dirty="0" err="1">
+                <a:latin typeface="Times New Roman" panose="02020603050405020304" pitchFamily="18" charset="0"/>
+                <a:cs typeface="Times New Roman" panose="02020603050405020304" pitchFamily="18" charset="0"/>
+              </a:rPr>
+              <a:t>landmark</a:t>
+            </a:r>
+            <a:r>
+              <a:rPr lang="tr-TR" dirty="0">
+                <a:latin typeface="Times New Roman" panose="02020603050405020304" pitchFamily="18" charset="0"/>
+                <a:cs typeface="Times New Roman" panose="02020603050405020304" pitchFamily="18" charset="0"/>
+              </a:rPr>
+              <a:t> bulunmaktadır. İkinci </a:t>
+            </a:r>
+            <a:r>
+              <a:rPr lang="tr-TR" dirty="0" err="1">
+                <a:latin typeface="Times New Roman" panose="02020603050405020304" pitchFamily="18" charset="0"/>
+                <a:cs typeface="Times New Roman" panose="02020603050405020304" pitchFamily="18" charset="0"/>
+              </a:rPr>
+              <a:t>elamnında</a:t>
+            </a:r>
+            <a:r>
+              <a:rPr lang="tr-TR" dirty="0">
+                <a:latin typeface="Times New Roman" panose="02020603050405020304" pitchFamily="18" charset="0"/>
+                <a:cs typeface="Times New Roman" panose="02020603050405020304" pitchFamily="18" charset="0"/>
+              </a:rPr>
+              <a:t> ise sağ ele ait 21 </a:t>
+            </a:r>
+            <a:r>
+              <a:rPr lang="tr-TR" dirty="0" err="1">
+                <a:latin typeface="Times New Roman" panose="02020603050405020304" pitchFamily="18" charset="0"/>
+                <a:cs typeface="Times New Roman" panose="02020603050405020304" pitchFamily="18" charset="0"/>
+              </a:rPr>
+              <a:t>landmark</a:t>
+            </a:r>
+            <a:r>
+              <a:rPr lang="tr-TR" dirty="0">
+                <a:latin typeface="Times New Roman" panose="02020603050405020304" pitchFamily="18" charset="0"/>
+                <a:cs typeface="Times New Roman" panose="02020603050405020304" pitchFamily="18" charset="0"/>
+              </a:rPr>
+              <a:t> verisi vardır.</a:t>
+            </a:r>
+          </a:p>
+        </p:txBody>
+      </p:sp>
+      <p:pic>
+        <p:nvPicPr>
+          <p:cNvPr id="5" name="Resim 4">
+            <a:extLst>
+              <a:ext uri="{FF2B5EF4-FFF2-40B4-BE49-F238E27FC236}">
+                <a16:creationId xmlns:a16="http://schemas.microsoft.com/office/drawing/2014/main" id="{05FB8000-9E8F-2776-6940-F78737332751}"/>
+              </a:ext>
+            </a:extLst>
+          </p:cNvPr>
+          <p:cNvPicPr>
+            <a:picLocks noChangeAspect="1"/>
+          </p:cNvPicPr>
+          <p:nvPr/>
+        </p:nvPicPr>
+        <p:blipFill>
+          <a:blip r:embed="rId3"/>
+          <a:stretch>
+            <a:fillRect/>
+          </a:stretch>
+        </p:blipFill>
+        <p:spPr>
+          <a:xfrm>
+            <a:off x="1250302" y="2936952"/>
+            <a:ext cx="3662605" cy="2055276"/>
+          </a:xfrm>
+          <a:prstGeom prst="rect">
+            <a:avLst/>
+          </a:prstGeom>
+        </p:spPr>
+      </p:pic>
+      <p:pic>
+        <p:nvPicPr>
+          <p:cNvPr id="7" name="Resim 6">
+            <a:extLst>
+              <a:ext uri="{FF2B5EF4-FFF2-40B4-BE49-F238E27FC236}">
+                <a16:creationId xmlns:a16="http://schemas.microsoft.com/office/drawing/2014/main" id="{26C1DC54-02B7-4641-0591-2F6B597EAE61}"/>
+              </a:ext>
+            </a:extLst>
+          </p:cNvPr>
+          <p:cNvPicPr>
+            <a:picLocks noChangeAspect="1"/>
+          </p:cNvPicPr>
+          <p:nvPr/>
+        </p:nvPicPr>
+        <p:blipFill>
+          <a:blip r:embed="rId4"/>
+          <a:stretch>
+            <a:fillRect/>
+          </a:stretch>
+        </p:blipFill>
+        <p:spPr>
+          <a:xfrm>
+            <a:off x="6167899" y="2852097"/>
+            <a:ext cx="3386648" cy="2362976"/>
+          </a:xfrm>
+          <a:prstGeom prst="rect">
+            <a:avLst/>
+          </a:prstGeom>
+        </p:spPr>
+      </p:pic>
+      <p:pic>
+        <p:nvPicPr>
+          <p:cNvPr id="6" name="Resim 5">
+            <a:extLst>
+              <a:ext uri="{FF2B5EF4-FFF2-40B4-BE49-F238E27FC236}">
+                <a16:creationId xmlns:a16="http://schemas.microsoft.com/office/drawing/2014/main" id="{8E8D55DB-2387-9C89-D6F3-0848F016D7A8}"/>
+              </a:ext>
+            </a:extLst>
+          </p:cNvPr>
+          <p:cNvPicPr>
+            <a:picLocks noChangeAspect="1"/>
+          </p:cNvPicPr>
+          <p:nvPr/>
+        </p:nvPicPr>
+        <p:blipFill>
+          <a:blip r:embed="rId5"/>
+          <a:stretch>
+            <a:fillRect/>
+          </a:stretch>
+        </p:blipFill>
+        <p:spPr>
+          <a:xfrm>
+            <a:off x="1461795" y="1089764"/>
+            <a:ext cx="8621804" cy="1158913"/>
+          </a:xfrm>
+          <a:prstGeom prst="rect">
+            <a:avLst/>
+          </a:prstGeom>
+        </p:spPr>
+      </p:pic>
+      <p:cxnSp>
+        <p:nvCxnSpPr>
+          <p:cNvPr id="9" name="Düz Ok Bağlayıcısı 8">
+            <a:extLst>
+              <a:ext uri="{FF2B5EF4-FFF2-40B4-BE49-F238E27FC236}">
+                <a16:creationId xmlns:a16="http://schemas.microsoft.com/office/drawing/2014/main" id="{958BE8D4-1873-5D73-CA41-B2C72AC5A611}"/>
+              </a:ext>
+            </a:extLst>
+          </p:cNvPr>
+          <p:cNvCxnSpPr/>
+          <p:nvPr/>
+        </p:nvCxnSpPr>
+        <p:spPr>
+          <a:xfrm flipH="1">
+            <a:off x="8714792" y="1623527"/>
+            <a:ext cx="391886" cy="1530220"/>
+          </a:xfrm>
+          <a:prstGeom prst="straightConnector1">
+            <a:avLst/>
+          </a:prstGeom>
+          <a:ln>
+            <a:tailEnd type="triangle"/>
+          </a:ln>
+        </p:spPr>
+        <p:style>
+          <a:lnRef idx="1">
+            <a:schemeClr val="accent1"/>
+          </a:lnRef>
+          <a:fillRef idx="0">
+            <a:schemeClr val="accent1"/>
+          </a:fillRef>
+          <a:effectRef idx="0">
+            <a:schemeClr val="accent1"/>
+          </a:effectRef>
+          <a:fontRef idx="minor">
+            <a:schemeClr val="tx1"/>
+          </a:fontRef>
+        </p:style>
+      </p:cxnSp>
+      <p:cxnSp>
+        <p:nvCxnSpPr>
+          <p:cNvPr id="12" name="Düz Ok Bağlayıcısı 11">
+            <a:extLst>
+              <a:ext uri="{FF2B5EF4-FFF2-40B4-BE49-F238E27FC236}">
+                <a16:creationId xmlns:a16="http://schemas.microsoft.com/office/drawing/2014/main" id="{686FA70C-3878-C8C4-42BE-FDD2A4B8921C}"/>
+              </a:ext>
+            </a:extLst>
+          </p:cNvPr>
+          <p:cNvCxnSpPr>
+            <a:cxnSpLocks/>
+          </p:cNvCxnSpPr>
+          <p:nvPr/>
+        </p:nvCxnSpPr>
+        <p:spPr>
+          <a:xfrm flipH="1">
+            <a:off x="4650121" y="1912776"/>
+            <a:ext cx="1517778" cy="1110342"/>
+          </a:xfrm>
+          <a:prstGeom prst="straightConnector1">
+            <a:avLst/>
+          </a:prstGeom>
+          <a:ln>
+            <a:tailEnd type="triangle"/>
+          </a:ln>
+        </p:spPr>
+        <p:style>
+          <a:lnRef idx="1">
+            <a:schemeClr val="accent1"/>
+          </a:lnRef>
+          <a:fillRef idx="0">
+            <a:schemeClr val="accent1"/>
+          </a:fillRef>
+          <a:effectRef idx="0">
+            <a:schemeClr val="accent1"/>
+          </a:effectRef>
+          <a:fontRef idx="minor">
+            <a:schemeClr val="tx1"/>
+          </a:fontRef>
+        </p:style>
+      </p:cxnSp>
+    </p:spTree>
+    <p:extLst>
+      <p:ext uri="{BB962C8B-B14F-4D97-AF65-F5344CB8AC3E}">
+        <p14:creationId xmlns:p14="http://schemas.microsoft.com/office/powerpoint/2010/main" val="367743007"/>
+      </p:ext>
+    </p:extLst>
+  </p:cSld>
+  <p:clrMapOvr>
+    <a:masterClrMapping/>
+  </p:clrMapOvr>
+</p:sld>
+</file>
+
+<file path=ppt/slides/slide26.xml><?xml version="1.0" encoding="utf-8"?>
+<p:sld xmlns:a="http://schemas.openxmlformats.org/drawingml/2006/main" xmlns:r="http://schemas.openxmlformats.org/officeDocument/2006/relationships" xmlns:p="http://schemas.openxmlformats.org/presentationml/2006/main">
+  <p:cSld>
+    <p:spTree>
+      <p:nvGrpSpPr>
+        <p:cNvPr id="1" name="">
+          <a:extLst>
+            <a:ext uri="{FF2B5EF4-FFF2-40B4-BE49-F238E27FC236}">
+              <a16:creationId xmlns:a16="http://schemas.microsoft.com/office/drawing/2014/main" id="{5A8EEE69-CECF-77A0-98FA-FA92144C0181}"/>
+            </a:ext>
+          </a:extLst>
+        </p:cNvPr>
+        <p:cNvGrpSpPr/>
+        <p:nvPr/>
+      </p:nvGrpSpPr>
+      <p:grpSpPr>
+        <a:xfrm>
+          <a:off x="0" y="0"/>
+          <a:ext cx="0" cy="0"/>
+          <a:chOff x="0" y="0"/>
+          <a:chExt cx="0" cy="0"/>
+        </a:xfrm>
+      </p:grpSpPr>
+      <p:sp>
+        <p:nvSpPr>
+          <p:cNvPr id="3" name="Başlık 2">
+            <a:extLst>
+              <a:ext uri="{FF2B5EF4-FFF2-40B4-BE49-F238E27FC236}">
+                <a16:creationId xmlns:a16="http://schemas.microsoft.com/office/drawing/2014/main" id="{977438BB-1238-36BB-B5A4-BDBB230C0EFD}"/>
+              </a:ext>
+            </a:extLst>
+          </p:cNvPr>
+          <p:cNvSpPr>
+            <a:spLocks noGrp="1"/>
+          </p:cNvSpPr>
+          <p:nvPr>
+            <p:ph type="title"/>
+          </p:nvPr>
+        </p:nvSpPr>
+        <p:spPr>
+          <a:xfrm>
+            <a:off x="217583" y="282440"/>
+            <a:ext cx="11436154" cy="572907"/>
+          </a:xfrm>
+        </p:spPr>
+        <p:txBody>
+          <a:bodyPr rtlCol="0">
+            <a:noAutofit/>
+          </a:bodyPr>
+          <a:lstStyle/>
+          <a:p>
+            <a:pPr rtl="0"/>
+            <a:r>
+              <a:rPr lang="tr-TR" sz="2800" dirty="0"/>
+              <a:t>El Yer İşaretlerinin Tespiti (</a:t>
+            </a:r>
+            <a:r>
+              <a:rPr lang="tr-TR" sz="2800" dirty="0" err="1"/>
+              <a:t>Hand</a:t>
+            </a:r>
+            <a:r>
+              <a:rPr lang="tr-TR" sz="2800" dirty="0"/>
+              <a:t> </a:t>
+            </a:r>
+            <a:r>
+              <a:rPr lang="tr-TR" sz="2800" dirty="0" err="1"/>
+              <a:t>Landmarks</a:t>
+            </a:r>
+            <a:r>
+              <a:rPr lang="tr-TR" sz="2800" dirty="0"/>
+              <a:t> </a:t>
+            </a:r>
+            <a:r>
+              <a:rPr lang="tr-TR" sz="2800" dirty="0" err="1"/>
+              <a:t>Detection</a:t>
+            </a:r>
+            <a:r>
+              <a:rPr lang="tr-TR" sz="2800" dirty="0"/>
+              <a:t>)-&gt; </a:t>
+            </a:r>
+            <a:r>
+              <a:rPr lang="tr-TR" sz="2800" dirty="0" err="1">
+                <a:solidFill>
+                  <a:schemeClr val="accent1"/>
+                </a:solidFill>
+              </a:rPr>
+              <a:t>mp.solutions.hands</a:t>
+            </a:r>
+            <a:r>
+              <a:rPr lang="tr-TR" sz="2800" dirty="0">
+                <a:solidFill>
+                  <a:schemeClr val="accent1"/>
+                </a:solidFill>
+              </a:rPr>
+              <a:t> Çözümü-&gt;</a:t>
+            </a:r>
+            <a:r>
+              <a:rPr lang="tr-TR" sz="2400" dirty="0">
+                <a:solidFill>
+                  <a:schemeClr val="accent1"/>
+                </a:solidFill>
+              </a:rPr>
+              <a:t>preparedatasetwithhandsolution1.py</a:t>
+            </a:r>
+            <a:endParaRPr lang="tr-TR" sz="2800" dirty="0">
+              <a:solidFill>
+                <a:schemeClr val="accent1"/>
+              </a:solidFill>
+            </a:endParaRPr>
+          </a:p>
+        </p:txBody>
+      </p:sp>
+      <p:sp>
+        <p:nvSpPr>
+          <p:cNvPr id="11" name="Slayt Numarası Yer Tutucusu 10">
+            <a:extLst>
+              <a:ext uri="{FF2B5EF4-FFF2-40B4-BE49-F238E27FC236}">
+                <a16:creationId xmlns:a16="http://schemas.microsoft.com/office/drawing/2014/main" id="{E3DD02E6-CF6E-EE57-D2BE-81A69A7645CB}"/>
+              </a:ext>
+            </a:extLst>
+          </p:cNvPr>
+          <p:cNvSpPr>
+            <a:spLocks noGrp="1"/>
+          </p:cNvSpPr>
+          <p:nvPr>
+            <p:ph type="sldNum" sz="quarter" idx="12"/>
+          </p:nvPr>
+        </p:nvSpPr>
+        <p:spPr/>
+        <p:txBody>
+          <a:bodyPr rtlCol="0"/>
+          <a:lstStyle/>
+          <a:p>
+            <a:pPr rtl="0"/>
+            <a:fld id="{D8DA9DAA-006C-4F4B-980E-E3DF019B24E2}" type="slidenum">
+              <a:rPr lang="tr-TR" smtClean="0"/>
+              <a:pPr rtl="0"/>
+              <a:t>26</a:t>
+            </a:fld>
+            <a:endParaRPr lang="tr-TR"/>
+          </a:p>
+        </p:txBody>
+      </p:sp>
+      <p:sp>
+        <p:nvSpPr>
+          <p:cNvPr id="4" name="İçerik Yer Tutucusu 3">
+            <a:extLst>
+              <a:ext uri="{FF2B5EF4-FFF2-40B4-BE49-F238E27FC236}">
+                <a16:creationId xmlns:a16="http://schemas.microsoft.com/office/drawing/2014/main" id="{5B8746A5-9F7B-C70B-331F-895DD044C01E}"/>
+              </a:ext>
+            </a:extLst>
+          </p:cNvPr>
+          <p:cNvSpPr>
+            <a:spLocks noGrp="1"/>
+          </p:cNvSpPr>
+          <p:nvPr>
+            <p:ph idx="1"/>
+          </p:nvPr>
+        </p:nvSpPr>
+        <p:spPr>
+          <a:xfrm>
+            <a:off x="466532" y="1438205"/>
+            <a:ext cx="10338318" cy="5591181"/>
+          </a:xfrm>
+        </p:spPr>
+        <p:txBody>
+          <a:bodyPr>
+            <a:normAutofit fontScale="92500" lnSpcReduction="20000"/>
+          </a:bodyPr>
+          <a:lstStyle/>
+          <a:p>
+            <a:pPr marL="457200" indent="-457200">
+              <a:buFont typeface="Arial" panose="020B0604020202020204" pitchFamily="34" charset="0"/>
+              <a:buChar char="•"/>
+            </a:pPr>
+            <a:endParaRPr lang="tr-TR" dirty="0">
+              <a:latin typeface="Times New Roman" panose="02020603050405020304" pitchFamily="18" charset="0"/>
+              <a:cs typeface="Times New Roman" panose="02020603050405020304" pitchFamily="18" charset="0"/>
+            </a:endParaRPr>
+          </a:p>
+          <a:p>
+            <a:pPr marL="457200" indent="-457200">
+              <a:buFont typeface="Arial" panose="020B0604020202020204" pitchFamily="34" charset="0"/>
+              <a:buChar char="•"/>
+            </a:pPr>
+            <a:endParaRPr lang="tr-TR" dirty="0">
+              <a:latin typeface="Times New Roman" panose="02020603050405020304" pitchFamily="18" charset="0"/>
+              <a:cs typeface="Times New Roman" panose="02020603050405020304" pitchFamily="18" charset="0"/>
+            </a:endParaRPr>
+          </a:p>
+          <a:p>
+            <a:pPr marL="457200" indent="-457200">
+              <a:buFont typeface="Arial" panose="020B0604020202020204" pitchFamily="34" charset="0"/>
+              <a:buChar char="•"/>
+            </a:pPr>
+            <a:endParaRPr lang="tr-TR" dirty="0">
+              <a:latin typeface="Times New Roman" panose="02020603050405020304" pitchFamily="18" charset="0"/>
+              <a:cs typeface="Times New Roman" panose="02020603050405020304" pitchFamily="18" charset="0"/>
+            </a:endParaRPr>
+          </a:p>
+          <a:p>
+            <a:pPr marL="457200" indent="-457200">
+              <a:buFont typeface="Arial" panose="020B0604020202020204" pitchFamily="34" charset="0"/>
+              <a:buChar char="•"/>
+            </a:pPr>
+            <a:endParaRPr lang="tr-TR" dirty="0">
+              <a:latin typeface="Times New Roman" panose="02020603050405020304" pitchFamily="18" charset="0"/>
+              <a:cs typeface="Times New Roman" panose="02020603050405020304" pitchFamily="18" charset="0"/>
+            </a:endParaRPr>
+          </a:p>
+          <a:p>
+            <a:pPr marL="457200" indent="-457200">
+              <a:buFont typeface="Arial" panose="020B0604020202020204" pitchFamily="34" charset="0"/>
+              <a:buChar char="•"/>
+            </a:pPr>
+            <a:endParaRPr lang="tr-TR" dirty="0">
+              <a:latin typeface="Times New Roman" panose="02020603050405020304" pitchFamily="18" charset="0"/>
+              <a:cs typeface="Times New Roman" panose="02020603050405020304" pitchFamily="18" charset="0"/>
+            </a:endParaRPr>
+          </a:p>
+          <a:p>
+            <a:pPr marL="457200" indent="-457200">
+              <a:buFont typeface="Arial" panose="020B0604020202020204" pitchFamily="34" charset="0"/>
+              <a:buChar char="•"/>
+            </a:pPr>
+            <a:endParaRPr lang="tr-TR" dirty="0">
+              <a:latin typeface="Times New Roman" panose="02020603050405020304" pitchFamily="18" charset="0"/>
+              <a:cs typeface="Times New Roman" panose="02020603050405020304" pitchFamily="18" charset="0"/>
+            </a:endParaRPr>
+          </a:p>
+          <a:p>
+            <a:pPr marL="457200" indent="-457200">
+              <a:buFont typeface="Arial" panose="020B0604020202020204" pitchFamily="34" charset="0"/>
+              <a:buChar char="•"/>
+            </a:pPr>
+            <a:endParaRPr lang="tr-TR" dirty="0">
+              <a:latin typeface="Times New Roman" panose="02020603050405020304" pitchFamily="18" charset="0"/>
+              <a:cs typeface="Times New Roman" panose="02020603050405020304" pitchFamily="18" charset="0"/>
+            </a:endParaRPr>
+          </a:p>
+          <a:p>
+            <a:pPr marL="457200" indent="-457200">
+              <a:buFont typeface="Arial" panose="020B0604020202020204" pitchFamily="34" charset="0"/>
+              <a:buChar char="•"/>
+            </a:pPr>
+            <a:endParaRPr lang="tr-TR" dirty="0">
+              <a:latin typeface="Times New Roman" panose="02020603050405020304" pitchFamily="18" charset="0"/>
+              <a:cs typeface="Times New Roman" panose="02020603050405020304" pitchFamily="18" charset="0"/>
+            </a:endParaRPr>
+          </a:p>
+          <a:p>
+            <a:pPr marL="457200" indent="-457200">
+              <a:buFont typeface="Arial" panose="020B0604020202020204" pitchFamily="34" charset="0"/>
+              <a:buChar char="•"/>
+            </a:pPr>
+            <a:endParaRPr lang="tr-TR" dirty="0">
+              <a:latin typeface="Times New Roman" panose="02020603050405020304" pitchFamily="18" charset="0"/>
+              <a:cs typeface="Times New Roman" panose="02020603050405020304" pitchFamily="18" charset="0"/>
+            </a:endParaRPr>
+          </a:p>
+          <a:p>
+            <a:pPr marL="457200" indent="-457200">
+              <a:buFont typeface="Arial" panose="020B0604020202020204" pitchFamily="34" charset="0"/>
+              <a:buChar char="•"/>
+            </a:pPr>
+            <a:endParaRPr lang="tr-TR" dirty="0">
+              <a:latin typeface="Times New Roman" panose="02020603050405020304" pitchFamily="18" charset="0"/>
+              <a:cs typeface="Times New Roman" panose="02020603050405020304" pitchFamily="18" charset="0"/>
+            </a:endParaRPr>
+          </a:p>
+          <a:p>
+            <a:pPr marL="457200" indent="-457200">
+              <a:lnSpc>
+                <a:spcPct val="120000"/>
+              </a:lnSpc>
+              <a:spcBef>
+                <a:spcPts val="0"/>
+              </a:spcBef>
+              <a:buFont typeface="Arial" panose="020B0604020202020204" pitchFamily="34" charset="0"/>
+              <a:buChar char="•"/>
+            </a:pPr>
+            <a:r>
+              <a:rPr lang="tr-TR" sz="1900" dirty="0" err="1">
+                <a:solidFill>
+                  <a:schemeClr val="tx2">
+                    <a:lumMod val="50000"/>
+                    <a:lumOff val="50000"/>
+                  </a:schemeClr>
+                </a:solidFill>
+                <a:latin typeface="Times New Roman" panose="02020603050405020304" pitchFamily="18" charset="0"/>
+                <a:cs typeface="Times New Roman" panose="02020603050405020304" pitchFamily="18" charset="0"/>
+              </a:rPr>
+              <a:t>for</a:t>
+            </a:r>
+            <a:r>
+              <a:rPr lang="tr-TR" sz="1900" dirty="0">
+                <a:solidFill>
+                  <a:schemeClr val="tx2">
+                    <a:lumMod val="50000"/>
+                    <a:lumOff val="50000"/>
+                  </a:schemeClr>
+                </a:solidFill>
+                <a:latin typeface="Times New Roman" panose="02020603050405020304" pitchFamily="18" charset="0"/>
+                <a:cs typeface="Times New Roman" panose="02020603050405020304" pitchFamily="18" charset="0"/>
+              </a:rPr>
+              <a:t> </a:t>
+            </a:r>
+            <a:r>
+              <a:rPr lang="en-US" sz="1900" dirty="0" err="1">
+                <a:solidFill>
+                  <a:schemeClr val="tx2">
+                    <a:lumMod val="50000"/>
+                    <a:lumOff val="50000"/>
+                  </a:schemeClr>
+                </a:solidFill>
+                <a:latin typeface="Times New Roman" panose="02020603050405020304" pitchFamily="18" charset="0"/>
+                <a:cs typeface="Times New Roman" panose="02020603050405020304" pitchFamily="18" charset="0"/>
+              </a:rPr>
+              <a:t>hand_landmarks,handedness</a:t>
+            </a:r>
+            <a:r>
+              <a:rPr lang="en-US" sz="1900" dirty="0">
+                <a:solidFill>
+                  <a:schemeClr val="tx2">
+                    <a:lumMod val="50000"/>
+                    <a:lumOff val="50000"/>
+                  </a:schemeClr>
+                </a:solidFill>
+                <a:latin typeface="Times New Roman" panose="02020603050405020304" pitchFamily="18" charset="0"/>
+                <a:cs typeface="Times New Roman" panose="02020603050405020304" pitchFamily="18" charset="0"/>
+              </a:rPr>
+              <a:t> in zip(</a:t>
+            </a:r>
+            <a:r>
+              <a:rPr lang="en-US" sz="1900" dirty="0" err="1">
+                <a:solidFill>
+                  <a:schemeClr val="tx2">
+                    <a:lumMod val="50000"/>
+                    <a:lumOff val="50000"/>
+                  </a:schemeClr>
+                </a:solidFill>
+                <a:latin typeface="Times New Roman" panose="02020603050405020304" pitchFamily="18" charset="0"/>
+                <a:cs typeface="Times New Roman" panose="02020603050405020304" pitchFamily="18" charset="0"/>
+              </a:rPr>
+              <a:t>results.multi_hand_landmarks</a:t>
+            </a:r>
+            <a:r>
+              <a:rPr lang="en-US" sz="1900" dirty="0">
+                <a:solidFill>
+                  <a:schemeClr val="tx2">
+                    <a:lumMod val="50000"/>
+                    <a:lumOff val="50000"/>
+                  </a:schemeClr>
+                </a:solidFill>
+                <a:latin typeface="Times New Roman" panose="02020603050405020304" pitchFamily="18" charset="0"/>
+                <a:cs typeface="Times New Roman" panose="02020603050405020304" pitchFamily="18" charset="0"/>
+              </a:rPr>
+              <a:t>, </a:t>
+            </a:r>
+            <a:r>
+              <a:rPr lang="en-US" sz="1900" dirty="0" err="1">
+                <a:solidFill>
+                  <a:schemeClr val="tx2">
+                    <a:lumMod val="50000"/>
+                    <a:lumOff val="50000"/>
+                  </a:schemeClr>
+                </a:solidFill>
+                <a:latin typeface="Times New Roman" panose="02020603050405020304" pitchFamily="18" charset="0"/>
+                <a:cs typeface="Times New Roman" panose="02020603050405020304" pitchFamily="18" charset="0"/>
+              </a:rPr>
+              <a:t>results.multi_handedness</a:t>
+            </a:r>
+            <a:r>
+              <a:rPr lang="en-US" sz="1900" dirty="0">
+                <a:solidFill>
+                  <a:schemeClr val="tx2">
+                    <a:lumMod val="50000"/>
+                    <a:lumOff val="50000"/>
+                  </a:schemeClr>
+                </a:solidFill>
+                <a:latin typeface="Times New Roman" panose="02020603050405020304" pitchFamily="18" charset="0"/>
+                <a:cs typeface="Times New Roman" panose="02020603050405020304" pitchFamily="18" charset="0"/>
+              </a:rPr>
+              <a:t>)</a:t>
+            </a:r>
+            <a:r>
+              <a:rPr lang="tr-TR" sz="1900" dirty="0">
+                <a:solidFill>
+                  <a:schemeClr val="tx2">
+                    <a:lumMod val="50000"/>
+                    <a:lumOff val="50000"/>
+                  </a:schemeClr>
+                </a:solidFill>
+                <a:latin typeface="Times New Roman" panose="02020603050405020304" pitchFamily="18" charset="0"/>
+                <a:cs typeface="Times New Roman" panose="02020603050405020304" pitchFamily="18" charset="0"/>
+              </a:rPr>
+              <a:t> </a:t>
+            </a:r>
+            <a:r>
+              <a:rPr lang="tr-TR" sz="1900" dirty="0">
+                <a:latin typeface="Times New Roman" panose="02020603050405020304" pitchFamily="18" charset="0"/>
+                <a:cs typeface="Times New Roman" panose="02020603050405020304" pitchFamily="18" charset="0"/>
+              </a:rPr>
+              <a:t>: </a:t>
+            </a:r>
+            <a:r>
+              <a:rPr lang="tr-TR" sz="1900" dirty="0" err="1">
+                <a:latin typeface="Times New Roman" panose="02020603050405020304" pitchFamily="18" charset="0"/>
+                <a:cs typeface="Times New Roman" panose="02020603050405020304" pitchFamily="18" charset="0"/>
+              </a:rPr>
+              <a:t>results</a:t>
+            </a:r>
+            <a:r>
+              <a:rPr lang="tr-TR" sz="1900" dirty="0">
+                <a:latin typeface="Times New Roman" panose="02020603050405020304" pitchFamily="18" charset="0"/>
+                <a:cs typeface="Times New Roman" panose="02020603050405020304" pitchFamily="18" charset="0"/>
+              </a:rPr>
+              <a:t> içindeki </a:t>
+            </a:r>
+            <a:r>
+              <a:rPr lang="tr-TR" sz="1900" dirty="0" err="1">
+                <a:latin typeface="Times New Roman" panose="02020603050405020304" pitchFamily="18" charset="0"/>
+                <a:cs typeface="Times New Roman" panose="02020603050405020304" pitchFamily="18" charset="0"/>
+              </a:rPr>
+              <a:t>landmark</a:t>
+            </a:r>
+            <a:r>
+              <a:rPr lang="tr-TR" sz="1900" dirty="0">
+                <a:latin typeface="Times New Roman" panose="02020603050405020304" pitchFamily="18" charset="0"/>
+                <a:cs typeface="Times New Roman" panose="02020603050405020304" pitchFamily="18" charset="0"/>
+              </a:rPr>
+              <a:t> ve el bilgisine ait nesneleri </a:t>
+            </a:r>
+            <a:r>
+              <a:rPr lang="en-US" sz="1900" dirty="0" err="1">
+                <a:latin typeface="Times New Roman" panose="02020603050405020304" pitchFamily="18" charset="0"/>
+                <a:cs typeface="Times New Roman" panose="02020603050405020304" pitchFamily="18" charset="0"/>
+              </a:rPr>
+              <a:t>hand_landmarks</a:t>
+            </a:r>
+            <a:r>
+              <a:rPr lang="tr-TR" sz="1900" dirty="0">
+                <a:latin typeface="Times New Roman" panose="02020603050405020304" pitchFamily="18" charset="0"/>
+                <a:cs typeface="Times New Roman" panose="02020603050405020304" pitchFamily="18" charset="0"/>
+              </a:rPr>
+              <a:t> ve </a:t>
+            </a:r>
+            <a:r>
+              <a:rPr lang="en-US" sz="1900" dirty="0">
+                <a:latin typeface="Times New Roman" panose="02020603050405020304" pitchFamily="18" charset="0"/>
+                <a:cs typeface="Times New Roman" panose="02020603050405020304" pitchFamily="18" charset="0"/>
+              </a:rPr>
+              <a:t>handedness </a:t>
+            </a:r>
+            <a:r>
+              <a:rPr lang="tr-TR" sz="1900" dirty="0">
+                <a:latin typeface="Times New Roman" panose="02020603050405020304" pitchFamily="18" charset="0"/>
+                <a:cs typeface="Times New Roman" panose="02020603050405020304" pitchFamily="18" charset="0"/>
+              </a:rPr>
+              <a:t>nesne dizisi tipindeki değişkenlerine aktarır.</a:t>
+            </a:r>
+          </a:p>
+          <a:p>
+            <a:pPr marL="457200" indent="-457200">
+              <a:lnSpc>
+                <a:spcPct val="120000"/>
+              </a:lnSpc>
+              <a:spcBef>
+                <a:spcPts val="0"/>
+              </a:spcBef>
+              <a:buFont typeface="Arial" panose="020B0604020202020204" pitchFamily="34" charset="0"/>
+              <a:buChar char="•"/>
+            </a:pPr>
+            <a:r>
+              <a:rPr lang="tr-TR" sz="1900" dirty="0" err="1">
+                <a:solidFill>
+                  <a:schemeClr val="tx2">
+                    <a:lumMod val="50000"/>
+                    <a:lumOff val="50000"/>
+                  </a:schemeClr>
+                </a:solidFill>
+                <a:latin typeface="Times New Roman" panose="02020603050405020304" pitchFamily="18" charset="0"/>
+                <a:cs typeface="Times New Roman" panose="02020603050405020304" pitchFamily="18" charset="0"/>
+              </a:rPr>
+              <a:t>lm</a:t>
+            </a:r>
+            <a:r>
+              <a:rPr lang="tr-TR" sz="1900" dirty="0">
+                <a:solidFill>
+                  <a:schemeClr val="tx2">
+                    <a:lumMod val="50000"/>
+                    <a:lumOff val="50000"/>
+                  </a:schemeClr>
+                </a:solidFill>
+                <a:latin typeface="Times New Roman" panose="02020603050405020304" pitchFamily="18" charset="0"/>
+                <a:cs typeface="Times New Roman" panose="02020603050405020304" pitchFamily="18" charset="0"/>
+              </a:rPr>
+              <a:t>=</a:t>
+            </a:r>
+            <a:r>
+              <a:rPr lang="tr-TR" sz="1900" dirty="0" err="1">
+                <a:solidFill>
+                  <a:schemeClr val="tx2">
+                    <a:lumMod val="50000"/>
+                    <a:lumOff val="50000"/>
+                  </a:schemeClr>
+                </a:solidFill>
+                <a:latin typeface="Times New Roman" panose="02020603050405020304" pitchFamily="18" charset="0"/>
+                <a:cs typeface="Times New Roman" panose="02020603050405020304" pitchFamily="18" charset="0"/>
+              </a:rPr>
+              <a:t>hand_landmarks.landmark</a:t>
+            </a:r>
+            <a:r>
+              <a:rPr lang="tr-TR" sz="1900" dirty="0">
+                <a:solidFill>
+                  <a:schemeClr val="tx2">
+                    <a:lumMod val="50000"/>
+                    <a:lumOff val="50000"/>
+                  </a:schemeClr>
+                </a:solidFill>
+                <a:latin typeface="Times New Roman" panose="02020603050405020304" pitchFamily="18" charset="0"/>
+                <a:cs typeface="Times New Roman" panose="02020603050405020304" pitchFamily="18" charset="0"/>
+              </a:rPr>
+              <a:t>[i]: </a:t>
+            </a:r>
+            <a:r>
+              <a:rPr lang="tr-TR" sz="1900" dirty="0">
+                <a:latin typeface="Times New Roman" panose="02020603050405020304" pitchFamily="18" charset="0"/>
+                <a:cs typeface="Times New Roman" panose="02020603050405020304" pitchFamily="18" charset="0"/>
+              </a:rPr>
+              <a:t>i. </a:t>
+            </a:r>
+            <a:r>
+              <a:rPr lang="tr-TR" sz="1900" dirty="0" err="1">
+                <a:latin typeface="Times New Roman" panose="02020603050405020304" pitchFamily="18" charset="0"/>
+                <a:cs typeface="Times New Roman" panose="02020603050405020304" pitchFamily="18" charset="0"/>
+              </a:rPr>
+              <a:t>Landmark</a:t>
+            </a:r>
+            <a:r>
+              <a:rPr lang="tr-TR" sz="1900" dirty="0">
+                <a:latin typeface="Times New Roman" panose="02020603050405020304" pitchFamily="18" charset="0"/>
+                <a:cs typeface="Times New Roman" panose="02020603050405020304" pitchFamily="18" charset="0"/>
+              </a:rPr>
+              <a:t> nesnesini alır. Bu nesne üzerinden </a:t>
+            </a:r>
+            <a:r>
+              <a:rPr lang="tr-TR" sz="1900" dirty="0" err="1">
+                <a:latin typeface="Times New Roman" panose="02020603050405020304" pitchFamily="18" charset="0"/>
+                <a:cs typeface="Times New Roman" panose="02020603050405020304" pitchFamily="18" charset="0"/>
+              </a:rPr>
+              <a:t>x,y,z’ye</a:t>
+            </a:r>
+            <a:r>
+              <a:rPr lang="tr-TR" sz="1900" dirty="0">
+                <a:latin typeface="Times New Roman" panose="02020603050405020304" pitchFamily="18" charset="0"/>
+                <a:cs typeface="Times New Roman" panose="02020603050405020304" pitchFamily="18" charset="0"/>
+              </a:rPr>
+              <a:t> ulaşılır.</a:t>
+            </a:r>
+          </a:p>
+          <a:p>
+            <a:pPr marL="457200" indent="-457200">
+              <a:lnSpc>
+                <a:spcPct val="120000"/>
+              </a:lnSpc>
+              <a:spcBef>
+                <a:spcPts val="0"/>
+              </a:spcBef>
+              <a:buFont typeface="Arial" panose="020B0604020202020204" pitchFamily="34" charset="0"/>
+              <a:buChar char="•"/>
+            </a:pPr>
+            <a:r>
+              <a:rPr lang="tr-TR" sz="1900" dirty="0" err="1">
+                <a:solidFill>
+                  <a:schemeClr val="tx2">
+                    <a:lumMod val="50000"/>
+                    <a:lumOff val="50000"/>
+                  </a:schemeClr>
+                </a:solidFill>
+                <a:latin typeface="Times New Roman" panose="02020603050405020304" pitchFamily="18" charset="0"/>
+                <a:cs typeface="Times New Roman" panose="02020603050405020304" pitchFamily="18" charset="0"/>
+              </a:rPr>
+              <a:t>handedness.classification</a:t>
+            </a:r>
+            <a:r>
+              <a:rPr lang="tr-TR" sz="1900" dirty="0">
+                <a:solidFill>
+                  <a:schemeClr val="tx2">
+                    <a:lumMod val="50000"/>
+                    <a:lumOff val="50000"/>
+                  </a:schemeClr>
+                </a:solidFill>
+                <a:latin typeface="Times New Roman" panose="02020603050405020304" pitchFamily="18" charset="0"/>
+                <a:cs typeface="Times New Roman" panose="02020603050405020304" pitchFamily="18" charset="0"/>
+              </a:rPr>
+              <a:t>[0].</a:t>
+            </a:r>
+            <a:r>
+              <a:rPr lang="tr-TR" sz="1900" dirty="0" err="1">
+                <a:solidFill>
+                  <a:schemeClr val="tx2">
+                    <a:lumMod val="50000"/>
+                    <a:lumOff val="50000"/>
+                  </a:schemeClr>
+                </a:solidFill>
+                <a:latin typeface="Times New Roman" panose="02020603050405020304" pitchFamily="18" charset="0"/>
+                <a:cs typeface="Times New Roman" panose="02020603050405020304" pitchFamily="18" charset="0"/>
+              </a:rPr>
+              <a:t>index</a:t>
+            </a:r>
+            <a:r>
+              <a:rPr lang="tr-TR" sz="1900" dirty="0">
+                <a:latin typeface="Times New Roman" panose="02020603050405020304" pitchFamily="18" charset="0"/>
+                <a:cs typeface="Times New Roman" panose="02020603050405020304" pitchFamily="18" charset="0"/>
+              </a:rPr>
+              <a:t>: 0. </a:t>
+            </a:r>
+            <a:r>
+              <a:rPr lang="tr-TR" sz="1900" dirty="0" err="1">
+                <a:latin typeface="Times New Roman" panose="02020603050405020304" pitchFamily="18" charset="0"/>
+                <a:cs typeface="Times New Roman" panose="02020603050405020304" pitchFamily="18" charset="0"/>
+              </a:rPr>
+              <a:t>classification</a:t>
+            </a:r>
+            <a:r>
+              <a:rPr lang="tr-TR" sz="1900" dirty="0">
+                <a:latin typeface="Times New Roman" panose="02020603050405020304" pitchFamily="18" charset="0"/>
+                <a:cs typeface="Times New Roman" panose="02020603050405020304" pitchFamily="18" charset="0"/>
+              </a:rPr>
+              <a:t> nesnesini alır.  Alır zaten bir tane nesne vardır</a:t>
+            </a:r>
+            <a:r>
+              <a:rPr lang="tr-TR" dirty="0">
+                <a:latin typeface="Times New Roman" panose="02020603050405020304" pitchFamily="18" charset="0"/>
+                <a:cs typeface="Times New Roman" panose="02020603050405020304" pitchFamily="18" charset="0"/>
+              </a:rPr>
+              <a:t>.</a:t>
+            </a:r>
+          </a:p>
+        </p:txBody>
+      </p:sp>
+      <p:pic>
+        <p:nvPicPr>
+          <p:cNvPr id="8" name="Resim 7">
+            <a:extLst>
+              <a:ext uri="{FF2B5EF4-FFF2-40B4-BE49-F238E27FC236}">
+                <a16:creationId xmlns:a16="http://schemas.microsoft.com/office/drawing/2014/main" id="{D8BE7861-BF16-B52A-071A-EEF2A43024B6}"/>
+              </a:ext>
+            </a:extLst>
+          </p:cNvPr>
+          <p:cNvPicPr>
+            <a:picLocks noChangeAspect="1"/>
+          </p:cNvPicPr>
+          <p:nvPr/>
+        </p:nvPicPr>
+        <p:blipFill>
+          <a:blip r:embed="rId3"/>
+          <a:stretch>
+            <a:fillRect/>
+          </a:stretch>
+        </p:blipFill>
+        <p:spPr>
+          <a:xfrm>
+            <a:off x="2192956" y="693899"/>
+            <a:ext cx="7566864" cy="4467716"/>
+          </a:xfrm>
+          <a:prstGeom prst="rect">
+            <a:avLst/>
+          </a:prstGeom>
+        </p:spPr>
+      </p:pic>
+    </p:spTree>
+    <p:extLst>
+      <p:ext uri="{BB962C8B-B14F-4D97-AF65-F5344CB8AC3E}">
+        <p14:creationId xmlns:p14="http://schemas.microsoft.com/office/powerpoint/2010/main" val="473120655"/>
+      </p:ext>
+    </p:extLst>
+  </p:cSld>
+  <p:clrMapOvr>
+    <a:masterClrMapping/>
+  </p:clrMapOvr>
+</p:sld>
+</file>
+
+<file path=ppt/slides/slide27.xml><?xml version="1.0" encoding="utf-8"?>
+<p:sld xmlns:a="http://schemas.openxmlformats.org/drawingml/2006/main" xmlns:r="http://schemas.openxmlformats.org/officeDocument/2006/relationships" xmlns:p="http://schemas.openxmlformats.org/presentationml/2006/main">
+  <p:cSld>
+    <p:spTree>
+      <p:nvGrpSpPr>
+        <p:cNvPr id="1" name="">
+          <a:extLst>
+            <a:ext uri="{FF2B5EF4-FFF2-40B4-BE49-F238E27FC236}">
+              <a16:creationId xmlns:a16="http://schemas.microsoft.com/office/drawing/2014/main" id="{5F32A5C3-D4D6-73F6-FDBD-B4E4AD9EA76C}"/>
+            </a:ext>
+          </a:extLst>
+        </p:cNvPr>
+        <p:cNvGrpSpPr/>
+        <p:nvPr/>
+      </p:nvGrpSpPr>
+      <p:grpSpPr>
+        <a:xfrm>
+          <a:off x="0" y="0"/>
+          <a:ext cx="0" cy="0"/>
+          <a:chOff x="0" y="0"/>
+          <a:chExt cx="0" cy="0"/>
+        </a:xfrm>
+      </p:grpSpPr>
+      <p:sp>
+        <p:nvSpPr>
+          <p:cNvPr id="3" name="Başlık 2">
+            <a:extLst>
+              <a:ext uri="{FF2B5EF4-FFF2-40B4-BE49-F238E27FC236}">
+                <a16:creationId xmlns:a16="http://schemas.microsoft.com/office/drawing/2014/main" id="{55785390-CA03-7B01-ACD7-0B0784F569EE}"/>
+              </a:ext>
+            </a:extLst>
+          </p:cNvPr>
+          <p:cNvSpPr>
+            <a:spLocks noGrp="1"/>
+          </p:cNvSpPr>
+          <p:nvPr>
+            <p:ph type="title"/>
+          </p:nvPr>
+        </p:nvSpPr>
+        <p:spPr>
+          <a:xfrm>
+            <a:off x="217583" y="282440"/>
+            <a:ext cx="11436154" cy="572907"/>
+          </a:xfrm>
+        </p:spPr>
+        <p:txBody>
+          <a:bodyPr rtlCol="0">
+            <a:noAutofit/>
+          </a:bodyPr>
+          <a:lstStyle/>
+          <a:p>
+            <a:pPr rtl="0"/>
+            <a:r>
+              <a:rPr lang="tr-TR" sz="2800" dirty="0"/>
+              <a:t>El Yer İşaretlerinin Tespiti (</a:t>
+            </a:r>
+            <a:r>
+              <a:rPr lang="tr-TR" sz="2800" dirty="0" err="1"/>
+              <a:t>Hand</a:t>
+            </a:r>
+            <a:r>
+              <a:rPr lang="tr-TR" sz="2800" dirty="0"/>
+              <a:t> </a:t>
+            </a:r>
+            <a:r>
+              <a:rPr lang="tr-TR" sz="2800" dirty="0" err="1"/>
+              <a:t>Landmarks</a:t>
+            </a:r>
+            <a:r>
+              <a:rPr lang="tr-TR" sz="2800" dirty="0"/>
+              <a:t> </a:t>
+            </a:r>
+            <a:r>
+              <a:rPr lang="tr-TR" sz="2800" dirty="0" err="1"/>
+              <a:t>Detection</a:t>
+            </a:r>
+            <a:r>
+              <a:rPr lang="tr-TR" sz="2800" dirty="0"/>
+              <a:t>)-&gt; </a:t>
+            </a:r>
+            <a:r>
+              <a:rPr lang="tr-TR" sz="2800" dirty="0" err="1">
+                <a:solidFill>
+                  <a:schemeClr val="accent1"/>
+                </a:solidFill>
+              </a:rPr>
+              <a:t>mp.solutions.hands</a:t>
+            </a:r>
+            <a:r>
+              <a:rPr lang="tr-TR" sz="2800" dirty="0">
+                <a:solidFill>
+                  <a:schemeClr val="accent1"/>
+                </a:solidFill>
+              </a:rPr>
+              <a:t> Çözümü-&gt;</a:t>
+            </a:r>
+            <a:r>
+              <a:rPr lang="tr-TR" sz="2400" dirty="0">
+                <a:solidFill>
+                  <a:schemeClr val="accent1"/>
+                </a:solidFill>
+              </a:rPr>
+              <a:t>preparedatasetwithhandsolution1.py</a:t>
+            </a:r>
+            <a:endParaRPr lang="tr-TR" sz="2800" dirty="0">
+              <a:solidFill>
+                <a:schemeClr val="accent1"/>
+              </a:solidFill>
+            </a:endParaRPr>
+          </a:p>
+        </p:txBody>
+      </p:sp>
+      <p:sp>
+        <p:nvSpPr>
+          <p:cNvPr id="11" name="Slayt Numarası Yer Tutucusu 10">
+            <a:extLst>
+              <a:ext uri="{FF2B5EF4-FFF2-40B4-BE49-F238E27FC236}">
+                <a16:creationId xmlns:a16="http://schemas.microsoft.com/office/drawing/2014/main" id="{E4321429-1D70-D1C5-59BA-55FA5BC7D722}"/>
+              </a:ext>
+            </a:extLst>
+          </p:cNvPr>
+          <p:cNvSpPr>
+            <a:spLocks noGrp="1"/>
+          </p:cNvSpPr>
+          <p:nvPr>
+            <p:ph type="sldNum" sz="quarter" idx="12"/>
+          </p:nvPr>
+        </p:nvSpPr>
+        <p:spPr/>
+        <p:txBody>
+          <a:bodyPr rtlCol="0"/>
+          <a:lstStyle/>
+          <a:p>
+            <a:pPr rtl="0"/>
+            <a:fld id="{D8DA9DAA-006C-4F4B-980E-E3DF019B24E2}" type="slidenum">
+              <a:rPr lang="tr-TR" smtClean="0"/>
+              <a:pPr rtl="0"/>
+              <a:t>27</a:t>
+            </a:fld>
+            <a:endParaRPr lang="tr-TR"/>
+          </a:p>
+        </p:txBody>
+      </p:sp>
+      <p:sp>
+        <p:nvSpPr>
+          <p:cNvPr id="4" name="İçerik Yer Tutucusu 3">
+            <a:extLst>
+              <a:ext uri="{FF2B5EF4-FFF2-40B4-BE49-F238E27FC236}">
+                <a16:creationId xmlns:a16="http://schemas.microsoft.com/office/drawing/2014/main" id="{E75AD224-FFAB-9E71-E52F-412866BF4F62}"/>
+              </a:ext>
+            </a:extLst>
+          </p:cNvPr>
+          <p:cNvSpPr>
+            <a:spLocks noGrp="1"/>
+          </p:cNvSpPr>
+          <p:nvPr>
+            <p:ph idx="1"/>
+          </p:nvPr>
+        </p:nvSpPr>
+        <p:spPr>
+          <a:xfrm>
+            <a:off x="466532" y="1438205"/>
+            <a:ext cx="10338318" cy="5591181"/>
+          </a:xfrm>
+        </p:spPr>
+        <p:txBody>
+          <a:bodyPr>
+            <a:normAutofit/>
+          </a:bodyPr>
+          <a:lstStyle/>
+          <a:p>
+            <a:pPr marL="457200" indent="-457200">
+              <a:buFont typeface="Arial" panose="020B0604020202020204" pitchFamily="34" charset="0"/>
+              <a:buChar char="•"/>
+            </a:pPr>
+            <a:endParaRPr lang="tr-TR" dirty="0">
+              <a:latin typeface="Times New Roman" panose="02020603050405020304" pitchFamily="18" charset="0"/>
+              <a:cs typeface="Times New Roman" panose="02020603050405020304" pitchFamily="18" charset="0"/>
+            </a:endParaRPr>
+          </a:p>
+          <a:p>
+            <a:pPr marL="457200" indent="-457200">
+              <a:buFont typeface="Arial" panose="020B0604020202020204" pitchFamily="34" charset="0"/>
+              <a:buChar char="•"/>
+            </a:pPr>
+            <a:endParaRPr lang="tr-TR" dirty="0">
+              <a:latin typeface="Times New Roman" panose="02020603050405020304" pitchFamily="18" charset="0"/>
+              <a:cs typeface="Times New Roman" panose="02020603050405020304" pitchFamily="18" charset="0"/>
+            </a:endParaRPr>
+          </a:p>
+          <a:p>
+            <a:pPr marL="457200" indent="-457200">
+              <a:buFont typeface="Arial" panose="020B0604020202020204" pitchFamily="34" charset="0"/>
+              <a:buChar char="•"/>
+            </a:pPr>
+            <a:endParaRPr lang="tr-TR" dirty="0">
+              <a:latin typeface="Times New Roman" panose="02020603050405020304" pitchFamily="18" charset="0"/>
+              <a:cs typeface="Times New Roman" panose="02020603050405020304" pitchFamily="18" charset="0"/>
+            </a:endParaRPr>
+          </a:p>
+          <a:p>
+            <a:pPr marL="457200" indent="-457200">
+              <a:buFont typeface="Arial" panose="020B0604020202020204" pitchFamily="34" charset="0"/>
+              <a:buChar char="•"/>
+            </a:pPr>
+            <a:endParaRPr lang="tr-TR" dirty="0">
+              <a:latin typeface="Times New Roman" panose="02020603050405020304" pitchFamily="18" charset="0"/>
+              <a:cs typeface="Times New Roman" panose="02020603050405020304" pitchFamily="18" charset="0"/>
+            </a:endParaRPr>
+          </a:p>
+          <a:p>
+            <a:pPr marL="457200" indent="-457200">
+              <a:buFont typeface="Arial" panose="020B0604020202020204" pitchFamily="34" charset="0"/>
+              <a:buChar char="•"/>
+            </a:pPr>
+            <a:endParaRPr lang="tr-TR" dirty="0">
+              <a:latin typeface="Times New Roman" panose="02020603050405020304" pitchFamily="18" charset="0"/>
+              <a:cs typeface="Times New Roman" panose="02020603050405020304" pitchFamily="18" charset="0"/>
+            </a:endParaRPr>
+          </a:p>
+          <a:p>
+            <a:pPr marL="457200" indent="-457200">
+              <a:buFont typeface="Arial" panose="020B0604020202020204" pitchFamily="34" charset="0"/>
+              <a:buChar char="•"/>
+            </a:pPr>
+            <a:endParaRPr lang="tr-TR" dirty="0">
+              <a:latin typeface="Times New Roman" panose="02020603050405020304" pitchFamily="18" charset="0"/>
+              <a:cs typeface="Times New Roman" panose="02020603050405020304" pitchFamily="18" charset="0"/>
+            </a:endParaRPr>
+          </a:p>
+          <a:p>
+            <a:pPr marL="457200" indent="-457200">
+              <a:buFont typeface="Arial" panose="020B0604020202020204" pitchFamily="34" charset="0"/>
+              <a:buChar char="•"/>
+            </a:pPr>
+            <a:endParaRPr lang="tr-TR" dirty="0">
+              <a:latin typeface="Times New Roman" panose="02020603050405020304" pitchFamily="18" charset="0"/>
+              <a:cs typeface="Times New Roman" panose="02020603050405020304" pitchFamily="18" charset="0"/>
+            </a:endParaRPr>
+          </a:p>
+          <a:p>
+            <a:pPr marL="457200" indent="-457200">
+              <a:buFont typeface="Arial" panose="020B0604020202020204" pitchFamily="34" charset="0"/>
+              <a:buChar char="•"/>
+            </a:pPr>
+            <a:r>
+              <a:rPr lang="tr-TR" dirty="0" err="1">
+                <a:latin typeface="Times New Roman" panose="02020603050405020304" pitchFamily="18" charset="0"/>
+                <a:cs typeface="Times New Roman" panose="02020603050405020304" pitchFamily="18" charset="0"/>
+              </a:rPr>
+              <a:t>Landmark’lar</a:t>
+            </a:r>
+            <a:r>
+              <a:rPr lang="tr-TR" dirty="0">
+                <a:latin typeface="Times New Roman" panose="02020603050405020304" pitchFamily="18" charset="0"/>
+                <a:cs typeface="Times New Roman" panose="02020603050405020304" pitchFamily="18" charset="0"/>
+              </a:rPr>
+              <a:t> el üzerine yerleştiriliyor. </a:t>
+            </a:r>
+          </a:p>
+          <a:p>
+            <a:pPr marL="457200" indent="-457200">
+              <a:buFont typeface="Arial" panose="020B0604020202020204" pitchFamily="34" charset="0"/>
+              <a:buChar char="•"/>
+            </a:pPr>
+            <a:r>
+              <a:rPr lang="tr-TR" dirty="0" err="1">
+                <a:solidFill>
+                  <a:schemeClr val="tx2">
+                    <a:lumMod val="50000"/>
+                    <a:lumOff val="50000"/>
+                  </a:schemeClr>
+                </a:solidFill>
+                <a:latin typeface="Times New Roman" panose="02020603050405020304" pitchFamily="18" charset="0"/>
+                <a:cs typeface="Times New Roman" panose="02020603050405020304" pitchFamily="18" charset="0"/>
+              </a:rPr>
+              <a:t>for</a:t>
+            </a:r>
+            <a:r>
+              <a:rPr lang="tr-TR" dirty="0">
+                <a:solidFill>
+                  <a:schemeClr val="tx2">
+                    <a:lumMod val="50000"/>
+                    <a:lumOff val="50000"/>
+                  </a:schemeClr>
+                </a:solidFill>
+                <a:latin typeface="Times New Roman" panose="02020603050405020304" pitchFamily="18" charset="0"/>
+                <a:cs typeface="Times New Roman" panose="02020603050405020304" pitchFamily="18" charset="0"/>
+              </a:rPr>
+              <a:t> </a:t>
+            </a:r>
+            <a:r>
+              <a:rPr lang="tr-TR" dirty="0" err="1">
+                <a:solidFill>
+                  <a:schemeClr val="tx2">
+                    <a:lumMod val="50000"/>
+                    <a:lumOff val="50000"/>
+                  </a:schemeClr>
+                </a:solidFill>
+                <a:latin typeface="Times New Roman" panose="02020603050405020304" pitchFamily="18" charset="0"/>
+                <a:cs typeface="Times New Roman" panose="02020603050405020304" pitchFamily="18" charset="0"/>
+              </a:rPr>
+              <a:t>landmark</a:t>
+            </a:r>
+            <a:r>
+              <a:rPr lang="tr-TR" dirty="0">
+                <a:solidFill>
+                  <a:schemeClr val="tx2">
+                    <a:lumMod val="50000"/>
+                    <a:lumOff val="50000"/>
+                  </a:schemeClr>
+                </a:solidFill>
+                <a:latin typeface="Times New Roman" panose="02020603050405020304" pitchFamily="18" charset="0"/>
+                <a:cs typeface="Times New Roman" panose="02020603050405020304" pitchFamily="18" charset="0"/>
+              </a:rPr>
+              <a:t> in </a:t>
+            </a:r>
+            <a:r>
+              <a:rPr lang="tr-TR" dirty="0" err="1">
+                <a:solidFill>
+                  <a:schemeClr val="tx2">
+                    <a:lumMod val="50000"/>
+                    <a:lumOff val="50000"/>
+                  </a:schemeClr>
+                </a:solidFill>
+                <a:latin typeface="Times New Roman" panose="02020603050405020304" pitchFamily="18" charset="0"/>
+                <a:cs typeface="Times New Roman" panose="02020603050405020304" pitchFamily="18" charset="0"/>
+              </a:rPr>
+              <a:t>hand_landmarks.landmark</a:t>
+            </a:r>
+            <a:r>
+              <a:rPr lang="tr-TR" dirty="0">
+                <a:solidFill>
+                  <a:schemeClr val="tx2">
+                    <a:lumMod val="50000"/>
+                    <a:lumOff val="50000"/>
+                  </a:schemeClr>
+                </a:solidFill>
+                <a:latin typeface="Times New Roman" panose="02020603050405020304" pitchFamily="18" charset="0"/>
+                <a:cs typeface="Times New Roman" panose="02020603050405020304" pitchFamily="18" charset="0"/>
+              </a:rPr>
+              <a:t>: </a:t>
+            </a:r>
+            <a:r>
+              <a:rPr lang="tr-TR" dirty="0" err="1">
+                <a:latin typeface="Times New Roman" panose="02020603050405020304" pitchFamily="18" charset="0"/>
+                <a:cs typeface="Times New Roman" panose="02020603050405020304" pitchFamily="18" charset="0"/>
+              </a:rPr>
+              <a:t>hand_landmarks</a:t>
+            </a:r>
+            <a:r>
+              <a:rPr lang="tr-TR" dirty="0">
+                <a:latin typeface="Times New Roman" panose="02020603050405020304" pitchFamily="18" charset="0"/>
+                <a:cs typeface="Times New Roman" panose="02020603050405020304" pitchFamily="18" charset="0"/>
+              </a:rPr>
+              <a:t> nesne dizisindeki her </a:t>
+            </a:r>
+            <a:r>
+              <a:rPr lang="tr-TR" dirty="0" err="1">
+                <a:latin typeface="Times New Roman" panose="02020603050405020304" pitchFamily="18" charset="0"/>
+                <a:cs typeface="Times New Roman" panose="02020603050405020304" pitchFamily="18" charset="0"/>
+              </a:rPr>
+              <a:t>landmark</a:t>
+            </a:r>
+            <a:r>
+              <a:rPr lang="tr-TR" dirty="0">
+                <a:latin typeface="Times New Roman" panose="02020603050405020304" pitchFamily="18" charset="0"/>
+                <a:cs typeface="Times New Roman" panose="02020603050405020304" pitchFamily="18" charset="0"/>
+              </a:rPr>
+              <a:t> nesnesi sırayla </a:t>
+            </a:r>
+            <a:r>
+              <a:rPr lang="tr-TR" dirty="0" err="1">
+                <a:latin typeface="Times New Roman" panose="02020603050405020304" pitchFamily="18" charset="0"/>
+                <a:cs typeface="Times New Roman" panose="02020603050405020304" pitchFamily="18" charset="0"/>
+              </a:rPr>
+              <a:t>landmark</a:t>
+            </a:r>
+            <a:r>
+              <a:rPr lang="tr-TR" dirty="0">
+                <a:latin typeface="Times New Roman" panose="02020603050405020304" pitchFamily="18" charset="0"/>
+                <a:cs typeface="Times New Roman" panose="02020603050405020304" pitchFamily="18" charset="0"/>
+              </a:rPr>
+              <a:t> değişkenine aktarılıyor. Bu yöntemle de nesnelere erişilebilir.</a:t>
+            </a:r>
+          </a:p>
+        </p:txBody>
+      </p:sp>
+      <p:pic>
+        <p:nvPicPr>
+          <p:cNvPr id="5" name="Resim 4">
+            <a:extLst>
+              <a:ext uri="{FF2B5EF4-FFF2-40B4-BE49-F238E27FC236}">
+                <a16:creationId xmlns:a16="http://schemas.microsoft.com/office/drawing/2014/main" id="{726D6899-D994-BFAD-A602-66A920BA84BA}"/>
+              </a:ext>
+            </a:extLst>
+          </p:cNvPr>
+          <p:cNvPicPr>
+            <a:picLocks noChangeAspect="1"/>
+          </p:cNvPicPr>
+          <p:nvPr/>
+        </p:nvPicPr>
+        <p:blipFill>
+          <a:blip r:embed="rId3"/>
+          <a:stretch>
+            <a:fillRect/>
+          </a:stretch>
+        </p:blipFill>
+        <p:spPr>
+          <a:xfrm>
+            <a:off x="2503599" y="1216982"/>
+            <a:ext cx="7581215" cy="2739198"/>
+          </a:xfrm>
+          <a:prstGeom prst="rect">
+            <a:avLst/>
+          </a:prstGeom>
+        </p:spPr>
+      </p:pic>
+    </p:spTree>
+    <p:extLst>
+      <p:ext uri="{BB962C8B-B14F-4D97-AF65-F5344CB8AC3E}">
+        <p14:creationId xmlns:p14="http://schemas.microsoft.com/office/powerpoint/2010/main" val="3606774424"/>
+      </p:ext>
+    </p:extLst>
+  </p:cSld>
+  <p:clrMapOvr>
+    <a:masterClrMapping/>
+  </p:clrMapOvr>
+</p:sld>
+</file>
+
+<file path=ppt/slides/slide28.xml><?xml version="1.0" encoding="utf-8"?>
+<p:sld xmlns:a="http://schemas.openxmlformats.org/drawingml/2006/main" xmlns:r="http://schemas.openxmlformats.org/officeDocument/2006/relationships" xmlns:p="http://schemas.openxmlformats.org/presentationml/2006/main">
+  <p:cSld>
+    <p:spTree>
+      <p:nvGrpSpPr>
+        <p:cNvPr id="1" name="">
+          <a:extLst>
+            <a:ext uri="{FF2B5EF4-FFF2-40B4-BE49-F238E27FC236}">
+              <a16:creationId xmlns:a16="http://schemas.microsoft.com/office/drawing/2014/main" id="{8DE9992D-1022-23C4-B228-840EC4C9219F}"/>
+            </a:ext>
+          </a:extLst>
+        </p:cNvPr>
+        <p:cNvGrpSpPr/>
+        <p:nvPr/>
+      </p:nvGrpSpPr>
+      <p:grpSpPr>
+        <a:xfrm>
+          <a:off x="0" y="0"/>
+          <a:ext cx="0" cy="0"/>
+          <a:chOff x="0" y="0"/>
+          <a:chExt cx="0" cy="0"/>
+        </a:xfrm>
+      </p:grpSpPr>
+      <p:sp>
+        <p:nvSpPr>
+          <p:cNvPr id="3" name="Başlık 2">
+            <a:extLst>
+              <a:ext uri="{FF2B5EF4-FFF2-40B4-BE49-F238E27FC236}">
+                <a16:creationId xmlns:a16="http://schemas.microsoft.com/office/drawing/2014/main" id="{CB57AA01-F22A-1C2F-1224-86C62961CB9E}"/>
+              </a:ext>
+            </a:extLst>
+          </p:cNvPr>
+          <p:cNvSpPr>
+            <a:spLocks noGrp="1"/>
+          </p:cNvSpPr>
+          <p:nvPr>
+            <p:ph type="title"/>
+          </p:nvPr>
+        </p:nvSpPr>
+        <p:spPr>
+          <a:xfrm>
+            <a:off x="217583" y="282440"/>
+            <a:ext cx="11436154" cy="572907"/>
+          </a:xfrm>
+        </p:spPr>
+        <p:txBody>
+          <a:bodyPr rtlCol="0">
+            <a:noAutofit/>
+          </a:bodyPr>
+          <a:lstStyle/>
+          <a:p>
+            <a:pPr rtl="0"/>
+            <a:r>
+              <a:rPr lang="tr-TR" sz="2800" dirty="0"/>
+              <a:t>El Yer İşaretlerinin Tespiti (</a:t>
+            </a:r>
+            <a:r>
+              <a:rPr lang="tr-TR" sz="2800" dirty="0" err="1"/>
+              <a:t>Hand</a:t>
+            </a:r>
+            <a:r>
+              <a:rPr lang="tr-TR" sz="2800" dirty="0"/>
+              <a:t> </a:t>
+            </a:r>
+            <a:r>
+              <a:rPr lang="tr-TR" sz="2800" dirty="0" err="1"/>
+              <a:t>Landmarks</a:t>
+            </a:r>
+            <a:r>
+              <a:rPr lang="tr-TR" sz="2800" dirty="0"/>
+              <a:t> </a:t>
+            </a:r>
+            <a:r>
+              <a:rPr lang="tr-TR" sz="2800" dirty="0" err="1"/>
+              <a:t>Detection</a:t>
+            </a:r>
+            <a:r>
+              <a:rPr lang="tr-TR" sz="2800" dirty="0"/>
+              <a:t>)-&gt; </a:t>
+            </a:r>
+            <a:r>
+              <a:rPr lang="tr-TR" sz="2800" dirty="0" err="1">
+                <a:solidFill>
+                  <a:schemeClr val="accent1"/>
+                </a:solidFill>
+              </a:rPr>
+              <a:t>mp.solutions.hands</a:t>
+            </a:r>
+            <a:r>
+              <a:rPr lang="tr-TR" sz="2800" dirty="0">
+                <a:solidFill>
+                  <a:schemeClr val="accent1"/>
+                </a:solidFill>
+              </a:rPr>
+              <a:t> Çözümü-&gt;</a:t>
+            </a:r>
+            <a:r>
+              <a:rPr lang="tr-TR" sz="2400" dirty="0">
+                <a:solidFill>
+                  <a:schemeClr val="accent1"/>
+                </a:solidFill>
+              </a:rPr>
+              <a:t>preparedatasetwithhandsolution2.py</a:t>
+            </a:r>
+            <a:endParaRPr lang="tr-TR" sz="2800" dirty="0">
+              <a:solidFill>
+                <a:schemeClr val="accent1"/>
+              </a:solidFill>
+            </a:endParaRPr>
+          </a:p>
+        </p:txBody>
+      </p:sp>
+      <p:sp>
+        <p:nvSpPr>
+          <p:cNvPr id="11" name="Slayt Numarası Yer Tutucusu 10">
+            <a:extLst>
+              <a:ext uri="{FF2B5EF4-FFF2-40B4-BE49-F238E27FC236}">
+                <a16:creationId xmlns:a16="http://schemas.microsoft.com/office/drawing/2014/main" id="{BB4254A0-CAF6-B22D-A1B7-04B1AD5DF437}"/>
+              </a:ext>
+            </a:extLst>
+          </p:cNvPr>
+          <p:cNvSpPr>
+            <a:spLocks noGrp="1"/>
+          </p:cNvSpPr>
+          <p:nvPr>
+            <p:ph type="sldNum" sz="quarter" idx="12"/>
+          </p:nvPr>
+        </p:nvSpPr>
+        <p:spPr/>
+        <p:txBody>
+          <a:bodyPr rtlCol="0"/>
+          <a:lstStyle/>
+          <a:p>
+            <a:pPr rtl="0"/>
+            <a:fld id="{D8DA9DAA-006C-4F4B-980E-E3DF019B24E2}" type="slidenum">
+              <a:rPr lang="tr-TR" smtClean="0"/>
+              <a:pPr rtl="0"/>
+              <a:t>28</a:t>
+            </a:fld>
+            <a:endParaRPr lang="tr-TR"/>
+          </a:p>
+        </p:txBody>
+      </p:sp>
+      <p:sp>
+        <p:nvSpPr>
+          <p:cNvPr id="4" name="İçerik Yer Tutucusu 3">
+            <a:extLst>
+              <a:ext uri="{FF2B5EF4-FFF2-40B4-BE49-F238E27FC236}">
+                <a16:creationId xmlns:a16="http://schemas.microsoft.com/office/drawing/2014/main" id="{A0AED440-46F0-CA39-67A4-17918F674BAC}"/>
+              </a:ext>
+            </a:extLst>
+          </p:cNvPr>
+          <p:cNvSpPr>
+            <a:spLocks noGrp="1"/>
+          </p:cNvSpPr>
+          <p:nvPr>
+            <p:ph idx="1"/>
+          </p:nvPr>
+        </p:nvSpPr>
+        <p:spPr>
+          <a:xfrm>
+            <a:off x="466532" y="1438205"/>
+            <a:ext cx="10338318" cy="5591181"/>
+          </a:xfrm>
+        </p:spPr>
+        <p:txBody>
+          <a:bodyPr>
+            <a:normAutofit/>
+          </a:bodyPr>
+          <a:lstStyle/>
+          <a:p>
+            <a:pPr marL="457200" indent="-457200">
+              <a:buFont typeface="Arial" panose="020B0604020202020204" pitchFamily="34" charset="0"/>
+              <a:buChar char="•"/>
+            </a:pPr>
+            <a:r>
+              <a:rPr lang="tr-TR" sz="2000" dirty="0"/>
+              <a:t>preparedatasetwithhandsolution2.py</a:t>
+            </a:r>
+          </a:p>
+          <a:p>
+            <a:pPr marL="457200" indent="-457200">
+              <a:buFont typeface="Arial" panose="020B0604020202020204" pitchFamily="34" charset="0"/>
+              <a:buChar char="•"/>
+            </a:pPr>
+            <a:r>
+              <a:rPr lang="tr-TR" dirty="0">
+                <a:latin typeface="Times New Roman" panose="02020603050405020304" pitchFamily="18" charset="0"/>
+                <a:cs typeface="Times New Roman" panose="02020603050405020304" pitchFamily="18" charset="0"/>
+              </a:rPr>
+              <a:t>Dosyasını inceleyin. Bu uygulama iki el için veri seti oluşturarak </a:t>
+            </a:r>
+            <a:r>
+              <a:rPr lang="tr-TR" dirty="0" err="1">
+                <a:latin typeface="Times New Roman" panose="02020603050405020304" pitchFamily="18" charset="0"/>
+                <a:cs typeface="Times New Roman" panose="02020603050405020304" pitchFamily="18" charset="0"/>
+              </a:rPr>
+              <a:t>excel’e</a:t>
+            </a:r>
+            <a:r>
+              <a:rPr lang="tr-TR" dirty="0">
+                <a:latin typeface="Times New Roman" panose="02020603050405020304" pitchFamily="18" charset="0"/>
+                <a:cs typeface="Times New Roman" panose="02020603050405020304" pitchFamily="18" charset="0"/>
+              </a:rPr>
+              <a:t> </a:t>
+            </a:r>
+            <a:r>
+              <a:rPr lang="tr-TR" dirty="0" err="1">
+                <a:latin typeface="Times New Roman" panose="02020603050405020304" pitchFamily="18" charset="0"/>
+                <a:cs typeface="Times New Roman" panose="02020603050405020304" pitchFamily="18" charset="0"/>
+              </a:rPr>
+              <a:t>csv</a:t>
+            </a:r>
+            <a:r>
+              <a:rPr lang="tr-TR" dirty="0">
+                <a:latin typeface="Times New Roman" panose="02020603050405020304" pitchFamily="18" charset="0"/>
+                <a:cs typeface="Times New Roman" panose="02020603050405020304" pitchFamily="18" charset="0"/>
+              </a:rPr>
+              <a:t> olarak kaydetmektedir.</a:t>
+            </a:r>
+          </a:p>
+          <a:p>
+            <a:pPr marL="457200" indent="-457200">
+              <a:buFont typeface="Arial" panose="020B0604020202020204" pitchFamily="34" charset="0"/>
+              <a:buChar char="•"/>
+            </a:pPr>
+            <a:r>
+              <a:rPr lang="tr-TR" dirty="0">
+                <a:latin typeface="Times New Roman" panose="02020603050405020304" pitchFamily="18" charset="0"/>
+                <a:cs typeface="Times New Roman" panose="02020603050405020304" pitchFamily="18" charset="0"/>
+              </a:rPr>
+              <a:t>30 </a:t>
+            </a:r>
+            <a:r>
+              <a:rPr lang="tr-TR" dirty="0" err="1">
+                <a:latin typeface="Times New Roman" panose="02020603050405020304" pitchFamily="18" charset="0"/>
+                <a:cs typeface="Times New Roman" panose="02020603050405020304" pitchFamily="18" charset="0"/>
+              </a:rPr>
+              <a:t>frame</a:t>
+            </a:r>
+            <a:r>
+              <a:rPr lang="tr-TR" dirty="0">
+                <a:latin typeface="Times New Roman" panose="02020603050405020304" pitchFamily="18" charset="0"/>
+                <a:cs typeface="Times New Roman" panose="02020603050405020304" pitchFamily="18" charset="0"/>
+              </a:rPr>
+              <a:t> kaydetmektedir. Hem sol hem de sağ el için tüm her örnek bir satırlık veri </a:t>
+            </a:r>
+            <a:r>
+              <a:rPr lang="tr-TR">
+                <a:latin typeface="Times New Roman" panose="02020603050405020304" pitchFamily="18" charset="0"/>
+                <a:cs typeface="Times New Roman" panose="02020603050405020304" pitchFamily="18" charset="0"/>
+              </a:rPr>
+              <a:t>olarak kaydedilmektedir.</a:t>
+            </a:r>
+            <a:endParaRPr lang="tr-TR" dirty="0">
+              <a:latin typeface="Times New Roman" panose="02020603050405020304" pitchFamily="18" charset="0"/>
+              <a:cs typeface="Times New Roman" panose="02020603050405020304" pitchFamily="18" charset="0"/>
+            </a:endParaRPr>
+          </a:p>
+          <a:p>
+            <a:pPr marL="457200" indent="-457200">
+              <a:buFont typeface="Arial" panose="020B0604020202020204" pitchFamily="34" charset="0"/>
+              <a:buChar char="•"/>
+            </a:pPr>
+            <a:endParaRPr lang="tr-TR" dirty="0">
+              <a:latin typeface="Times New Roman" panose="02020603050405020304" pitchFamily="18" charset="0"/>
+              <a:cs typeface="Times New Roman" panose="02020603050405020304" pitchFamily="18" charset="0"/>
+            </a:endParaRPr>
+          </a:p>
+          <a:p>
+            <a:pPr marL="457200" indent="-457200">
+              <a:buFont typeface="Arial" panose="020B0604020202020204" pitchFamily="34" charset="0"/>
+              <a:buChar char="•"/>
+            </a:pPr>
+            <a:endParaRPr lang="tr-TR" dirty="0">
+              <a:latin typeface="Times New Roman" panose="02020603050405020304" pitchFamily="18" charset="0"/>
+              <a:cs typeface="Times New Roman" panose="02020603050405020304" pitchFamily="18" charset="0"/>
+            </a:endParaRPr>
+          </a:p>
+          <a:p>
+            <a:pPr marL="457200" indent="-457200">
+              <a:buFont typeface="Arial" panose="020B0604020202020204" pitchFamily="34" charset="0"/>
+              <a:buChar char="•"/>
+            </a:pPr>
+            <a:endParaRPr lang="tr-TR" dirty="0">
+              <a:latin typeface="Times New Roman" panose="02020603050405020304" pitchFamily="18" charset="0"/>
+              <a:cs typeface="Times New Roman" panose="02020603050405020304" pitchFamily="18" charset="0"/>
+            </a:endParaRPr>
+          </a:p>
+          <a:p>
+            <a:pPr marL="457200" indent="-457200">
+              <a:buFont typeface="Arial" panose="020B0604020202020204" pitchFamily="34" charset="0"/>
+              <a:buChar char="•"/>
+            </a:pPr>
+            <a:endParaRPr lang="tr-TR" dirty="0">
+              <a:latin typeface="Times New Roman" panose="02020603050405020304" pitchFamily="18" charset="0"/>
+              <a:cs typeface="Times New Roman" panose="02020603050405020304" pitchFamily="18" charset="0"/>
+            </a:endParaRPr>
+          </a:p>
+          <a:p>
+            <a:pPr marL="457200" indent="-457200">
+              <a:buFont typeface="Arial" panose="020B0604020202020204" pitchFamily="34" charset="0"/>
+              <a:buChar char="•"/>
+            </a:pPr>
+            <a:endParaRPr lang="tr-TR" dirty="0">
+              <a:latin typeface="Times New Roman" panose="02020603050405020304" pitchFamily="18" charset="0"/>
+              <a:cs typeface="Times New Roman" panose="02020603050405020304" pitchFamily="18" charset="0"/>
+            </a:endParaRPr>
+          </a:p>
+          <a:p>
+            <a:pPr marL="457200" indent="-457200">
+              <a:buFont typeface="Arial" panose="020B0604020202020204" pitchFamily="34" charset="0"/>
+              <a:buChar char="•"/>
+            </a:pPr>
+            <a:endParaRPr lang="tr-TR" dirty="0">
+              <a:latin typeface="Times New Roman" panose="02020603050405020304" pitchFamily="18" charset="0"/>
+              <a:cs typeface="Times New Roman" panose="02020603050405020304" pitchFamily="18" charset="0"/>
+            </a:endParaRPr>
+          </a:p>
+        </p:txBody>
+      </p:sp>
+    </p:spTree>
+    <p:extLst>
+      <p:ext uri="{BB962C8B-B14F-4D97-AF65-F5344CB8AC3E}">
+        <p14:creationId xmlns:p14="http://schemas.microsoft.com/office/powerpoint/2010/main" val="945452256"/>
       </p:ext>
     </p:extLst>
   </p:cSld>
@@ -15973,7 +21340,7 @@
           <p:nvPr>
             <p:extLst>
               <p:ext uri="{D42A27DB-BD31-4B8C-83A1-F6EECF244321}">
-                <p14:modId xmlns:p14="http://schemas.microsoft.com/office/powerpoint/2010/main" val="2683549987"/>
+                <p14:modId xmlns:p14="http://schemas.microsoft.com/office/powerpoint/2010/main" val="1088024220"/>
               </p:ext>
             </p:extLst>
           </p:nvPr>
@@ -16116,448 +21483,70 @@
                     <a:p>
                       <a:pPr algn="l" fontAlgn="t"/>
                       <a:r>
-                        <a:rPr lang="en-US" sz="1300" dirty="0" err="1">
+                        <a:rPr lang="tr-TR" sz="1300" noProof="0" dirty="0">
                           <a:effectLst/>
                         </a:rPr>
-                        <a:t>Görevin</a:t>
-                      </a:r>
-                      <a:r>
-                        <a:rPr lang="en-US" sz="1300" dirty="0">
-                          <a:effectLst/>
-                        </a:rPr>
-                        <a:t> </a:t>
-                      </a:r>
-                      <a:r>
-                        <a:rPr lang="en-US" sz="1300" dirty="0" err="1">
-                          <a:effectLst/>
-                        </a:rPr>
-                        <a:t>çalışma</a:t>
-                      </a:r>
-                      <a:r>
-                        <a:rPr lang="en-US" sz="1300" dirty="0">
-                          <a:effectLst/>
-                        </a:rPr>
-                        <a:t> </a:t>
-                      </a:r>
-                      <a:r>
-                        <a:rPr lang="en-US" sz="1300" dirty="0" err="1">
-                          <a:effectLst/>
-                        </a:rPr>
-                        <a:t>modunu</a:t>
-                      </a:r>
-                      <a:r>
-                        <a:rPr lang="en-US" sz="1300" dirty="0">
-                          <a:effectLst/>
-                        </a:rPr>
-                        <a:t> </a:t>
-                      </a:r>
-                      <a:r>
-                        <a:rPr lang="en-US" sz="1300" dirty="0" err="1">
-                          <a:effectLst/>
-                        </a:rPr>
-                        <a:t>belirler</a:t>
-                      </a:r>
-                      <a:r>
-                        <a:rPr lang="en-US" sz="1300" dirty="0">
-                          <a:effectLst/>
-                        </a:rPr>
-                        <a:t>. </a:t>
-                      </a:r>
-                      <a:r>
-                        <a:rPr lang="en-US" sz="1300" dirty="0" err="1">
-                          <a:effectLst/>
-                        </a:rPr>
-                        <a:t>Üç</a:t>
-                      </a:r>
-                      <a:r>
-                        <a:rPr lang="en-US" sz="1300" dirty="0">
-                          <a:effectLst/>
-                        </a:rPr>
-                        <a:t> </a:t>
-                      </a:r>
-                      <a:r>
-                        <a:rPr lang="en-US" sz="1300" dirty="0" err="1">
-                          <a:effectLst/>
-                        </a:rPr>
-                        <a:t>farklı</a:t>
-                      </a:r>
-                      <a:r>
-                        <a:rPr lang="en-US" sz="1300" dirty="0">
-                          <a:effectLst/>
-                        </a:rPr>
-                        <a:t> mod </a:t>
-                      </a:r>
-                      <a:r>
-                        <a:rPr lang="en-US" sz="1300" dirty="0" err="1">
-                          <a:effectLst/>
-                        </a:rPr>
-                        <a:t>bulunur</a:t>
-                      </a:r>
-                      <a:r>
-                        <a:rPr lang="en-US" sz="1300" dirty="0">
-                          <a:effectLst/>
-                        </a:rPr>
-                        <a:t>:</a:t>
+                        <a:t>Görevin çalışma modunu belirler. Üç farklı mod bulunur:</a:t>
                       </a:r>
                       <a:br>
-                        <a:rPr lang="en-US" sz="1300" dirty="0">
+                        <a:rPr lang="tr-TR" sz="1300" noProof="0" dirty="0">
                           <a:effectLst/>
                         </a:rPr>
                       </a:br>
                       <a:br>
-                        <a:rPr lang="en-US" sz="1300" dirty="0">
+                        <a:rPr lang="tr-TR" sz="1300" noProof="0" dirty="0">
                           <a:effectLst/>
                         </a:rPr>
                       </a:br>
                       <a:r>
-                        <a:rPr lang="en-US" sz="1300" dirty="0">
+                        <a:rPr lang="tr-TR" sz="1300" noProof="0" dirty="0">
                           <a:effectLst/>
                         </a:rPr>
-                        <a:t>IMAGE: Tek </a:t>
-                      </a:r>
-                      <a:r>
-                        <a:rPr lang="en-US" sz="1300" dirty="0" err="1">
-                          <a:effectLst/>
-                        </a:rPr>
-                        <a:t>bir</a:t>
-                      </a:r>
-                      <a:r>
-                        <a:rPr lang="en-US" sz="1300" dirty="0">
-                          <a:effectLst/>
-                        </a:rPr>
-                        <a:t> </a:t>
-                      </a:r>
-                      <a:r>
-                        <a:rPr lang="en-US" sz="1300" dirty="0" err="1">
-                          <a:effectLst/>
-                        </a:rPr>
-                        <a:t>görüntü</a:t>
-                      </a:r>
-                      <a:r>
-                        <a:rPr lang="en-US" sz="1300" dirty="0">
-                          <a:effectLst/>
-                        </a:rPr>
-                        <a:t> </a:t>
-                      </a:r>
-                      <a:r>
-                        <a:rPr lang="en-US" sz="1300" dirty="0" err="1">
-                          <a:effectLst/>
-                        </a:rPr>
-                        <a:t>girdisi</a:t>
-                      </a:r>
-                      <a:r>
-                        <a:rPr lang="en-US" sz="1300" dirty="0">
-                          <a:effectLst/>
-                        </a:rPr>
-                        <a:t> </a:t>
-                      </a:r>
-                      <a:r>
-                        <a:rPr lang="en-US" sz="1300" dirty="0" err="1">
-                          <a:effectLst/>
-                        </a:rPr>
-                        <a:t>için</a:t>
-                      </a:r>
-                      <a:r>
-                        <a:rPr lang="en-US" sz="1300" dirty="0">
-                          <a:effectLst/>
-                        </a:rPr>
-                        <a:t> mod..</a:t>
+                        <a:t>IMAGE: Tek bir görüntü girdisi için mod.</a:t>
                       </a:r>
                       <a:br>
-                        <a:rPr lang="en-US" sz="1300" dirty="0">
+                        <a:rPr lang="tr-TR" sz="1300" noProof="0" dirty="0">
                           <a:effectLst/>
                         </a:rPr>
                       </a:br>
                       <a:br>
-                        <a:rPr lang="en-US" sz="1300" dirty="0">
+                        <a:rPr lang="tr-TR" sz="1300" noProof="0" dirty="0">
                           <a:effectLst/>
                         </a:rPr>
                       </a:br>
                       <a:r>
-                        <a:rPr lang="en-US" sz="1300" dirty="0">
+                        <a:rPr lang="tr-TR" sz="1300" noProof="0" dirty="0">
                           <a:effectLst/>
                         </a:rPr>
-                        <a:t>VIDEO: Video </a:t>
-                      </a:r>
-                      <a:r>
-                        <a:rPr lang="en-US" sz="1300" dirty="0" err="1">
-                          <a:effectLst/>
-                        </a:rPr>
-                        <a:t>çözülmüş</a:t>
-                      </a:r>
-                      <a:r>
-                        <a:rPr lang="en-US" sz="1300" dirty="0">
-                          <a:effectLst/>
-                        </a:rPr>
-                        <a:t> </a:t>
-                      </a:r>
-                      <a:r>
-                        <a:rPr lang="en-US" sz="1300" dirty="0" err="1">
-                          <a:effectLst/>
-                        </a:rPr>
-                        <a:t>kareleri</a:t>
-                      </a:r>
-                      <a:r>
-                        <a:rPr lang="en-US" sz="1300" dirty="0">
-                          <a:effectLst/>
-                        </a:rPr>
-                        <a:t> </a:t>
-                      </a:r>
-                      <a:r>
-                        <a:rPr lang="en-US" sz="1300" dirty="0" err="1">
-                          <a:effectLst/>
-                        </a:rPr>
-                        <a:t>için</a:t>
-                      </a:r>
-                      <a:r>
-                        <a:rPr lang="en-US" sz="1300" dirty="0">
-                          <a:effectLst/>
-                        </a:rPr>
-                        <a:t> mod.</a:t>
+                        <a:t>VIDEO: Video çözülmüş kareleri için mod.</a:t>
                       </a:r>
                       <a:br>
-                        <a:rPr lang="en-US" sz="1300" dirty="0">
+                        <a:rPr lang="tr-TR" sz="1300" noProof="0" dirty="0">
                           <a:effectLst/>
                         </a:rPr>
                       </a:br>
                       <a:br>
-                        <a:rPr lang="en-US" sz="1300" dirty="0">
+                        <a:rPr lang="tr-TR" sz="1300" noProof="0" dirty="0">
                           <a:effectLst/>
                         </a:rPr>
                       </a:br>
                       <a:r>
-                        <a:rPr lang="en-US" sz="1300" dirty="0">
+                        <a:rPr lang="tr-TR" sz="1300" noProof="0" dirty="0">
                           <a:effectLst/>
                         </a:rPr>
-                        <a:t>LIVE_STREAM: </a:t>
+                        <a:t>LIVE_STREAM: Kamera gibi bir girdi verisini canlı akış olarak kullanmak için mod. Bu modda sonuçları asenkron olarak almak için </a:t>
                       </a:r>
                       <a:r>
-                        <a:rPr lang="en-US" sz="1300" dirty="0" err="1">
-                          <a:effectLst/>
-                        </a:rPr>
-                        <a:t>Kamera</a:t>
-                      </a:r>
-                      <a:r>
-                        <a:rPr lang="en-US" sz="1300" dirty="0">
-                          <a:effectLst/>
-                        </a:rPr>
-                        <a:t> </a:t>
-                      </a:r>
-                      <a:r>
-                        <a:rPr lang="en-US" sz="1300" dirty="0" err="1">
-                          <a:effectLst/>
-                        </a:rPr>
-                        <a:t>gibi</a:t>
-                      </a:r>
-                      <a:r>
-                        <a:rPr lang="en-US" sz="1300" dirty="0">
-                          <a:effectLst/>
-                        </a:rPr>
-                        <a:t> </a:t>
-                      </a:r>
-                      <a:r>
-                        <a:rPr lang="en-US" sz="1300" dirty="0" err="1">
-                          <a:effectLst/>
-                        </a:rPr>
-                        <a:t>bir</a:t>
-                      </a:r>
-                      <a:r>
-                        <a:rPr lang="en-US" sz="1300" dirty="0">
-                          <a:effectLst/>
-                        </a:rPr>
-                        <a:t> </a:t>
-                      </a:r>
-                      <a:r>
-                        <a:rPr lang="en-US" sz="1300" dirty="0" err="1">
-                          <a:effectLst/>
-                        </a:rPr>
-                        <a:t>girdi</a:t>
-                      </a:r>
-                      <a:r>
-                        <a:rPr lang="en-US" sz="1300" dirty="0">
-                          <a:effectLst/>
-                        </a:rPr>
-                        <a:t> </a:t>
-                      </a:r>
-                      <a:r>
-                        <a:rPr lang="en-US" sz="1300" dirty="0" err="1">
-                          <a:effectLst/>
-                        </a:rPr>
-                        <a:t>verisini</a:t>
-                      </a:r>
-                      <a:r>
-                        <a:rPr lang="en-US" sz="1300" dirty="0">
-                          <a:effectLst/>
-                        </a:rPr>
-                        <a:t> </a:t>
-                      </a:r>
-                      <a:r>
-                        <a:rPr lang="en-US" sz="1300" dirty="0" err="1">
-                          <a:effectLst/>
-                        </a:rPr>
-                        <a:t>canlı</a:t>
-                      </a:r>
-                      <a:r>
-                        <a:rPr lang="en-US" sz="1300" dirty="0">
-                          <a:effectLst/>
-                        </a:rPr>
-                        <a:t> </a:t>
-                      </a:r>
-                      <a:r>
-                        <a:rPr lang="en-US" sz="1300" dirty="0" err="1">
-                          <a:effectLst/>
-                        </a:rPr>
-                        <a:t>akış</a:t>
-                      </a:r>
-                      <a:r>
-                        <a:rPr lang="en-US" sz="1300" dirty="0">
-                          <a:effectLst/>
-                        </a:rPr>
-                        <a:t> </a:t>
-                      </a:r>
-                      <a:r>
-                        <a:rPr lang="en-US" sz="1300" dirty="0" err="1">
-                          <a:effectLst/>
-                        </a:rPr>
-                        <a:t>olarak</a:t>
-                      </a:r>
-                      <a:r>
-                        <a:rPr lang="en-US" sz="1300" dirty="0">
-                          <a:effectLst/>
-                        </a:rPr>
-                        <a:t> </a:t>
-                      </a:r>
-                      <a:r>
-                        <a:rPr lang="en-US" sz="1300" dirty="0" err="1">
-                          <a:effectLst/>
-                        </a:rPr>
-                        <a:t>kullanmak</a:t>
-                      </a:r>
-                      <a:r>
-                        <a:rPr lang="en-US" sz="1300" dirty="0">
-                          <a:effectLst/>
-                        </a:rPr>
-                        <a:t> </a:t>
-                      </a:r>
-                      <a:r>
-                        <a:rPr lang="en-US" sz="1300" dirty="0" err="1">
-                          <a:effectLst/>
-                        </a:rPr>
-                        <a:t>için</a:t>
-                      </a:r>
-                      <a:r>
-                        <a:rPr lang="en-US" sz="1300" dirty="0">
-                          <a:effectLst/>
-                        </a:rPr>
-                        <a:t> mod. Bu </a:t>
-                      </a:r>
-                      <a:r>
-                        <a:rPr lang="en-US" sz="1300" dirty="0" err="1">
-                          <a:effectLst/>
-                        </a:rPr>
-                        <a:t>modda</a:t>
-                      </a:r>
-                      <a:r>
-                        <a:rPr lang="en-US" sz="1300" dirty="0">
-                          <a:effectLst/>
-                        </a:rPr>
-                        <a:t> </a:t>
-                      </a:r>
-                      <a:r>
-                        <a:rPr lang="en-US" sz="1300" dirty="0" err="1">
-                          <a:effectLst/>
-                        </a:rPr>
-                        <a:t>sonuçları</a:t>
-                      </a:r>
-                      <a:r>
-                        <a:rPr lang="en-US" sz="1300" dirty="0">
-                          <a:effectLst/>
-                        </a:rPr>
-                        <a:t> </a:t>
-                      </a:r>
-                      <a:r>
-                        <a:rPr lang="en-US" sz="1300" dirty="0" err="1">
-                          <a:effectLst/>
-                        </a:rPr>
-                        <a:t>asenkron</a:t>
-                      </a:r>
-                      <a:r>
-                        <a:rPr lang="en-US" sz="1300" dirty="0">
-                          <a:effectLst/>
-                        </a:rPr>
-                        <a:t> </a:t>
-                      </a:r>
-                      <a:r>
-                        <a:rPr lang="en-US" sz="1300" dirty="0" err="1">
-                          <a:effectLst/>
-                        </a:rPr>
-                        <a:t>olarak</a:t>
-                      </a:r>
-                      <a:r>
-                        <a:rPr lang="en-US" sz="1300" dirty="0">
-                          <a:effectLst/>
-                        </a:rPr>
-                        <a:t> </a:t>
-                      </a:r>
-                      <a:r>
-                        <a:rPr lang="en-US" sz="1300" dirty="0" err="1">
-                          <a:effectLst/>
-                        </a:rPr>
-                        <a:t>almak</a:t>
-                      </a:r>
-                      <a:r>
-                        <a:rPr lang="en-US" sz="1300" dirty="0">
-                          <a:effectLst/>
-                        </a:rPr>
-                        <a:t> </a:t>
-                      </a:r>
-                      <a:r>
-                        <a:rPr lang="en-US" sz="1300" dirty="0" err="1">
-                          <a:effectLst/>
-                        </a:rPr>
-                        <a:t>için</a:t>
-                      </a:r>
-                      <a:r>
-                        <a:rPr lang="en-US" sz="1300" dirty="0">
-                          <a:effectLst/>
-                        </a:rPr>
-                        <a:t> </a:t>
-                      </a:r>
-                      <a:r>
-                        <a:rPr lang="en-US" sz="1300" dirty="0" err="1">
+                        <a:rPr lang="tr-TR" sz="1300" noProof="0" dirty="0" err="1">
                           <a:effectLst/>
                         </a:rPr>
                         <a:t>resultListener'ı</a:t>
                       </a:r>
                       <a:r>
-                        <a:rPr lang="en-US" sz="1300" dirty="0">
+                        <a:rPr lang="tr-TR" sz="1300" noProof="0" dirty="0">
                           <a:effectLst/>
                         </a:rPr>
-                        <a:t> </a:t>
-                      </a:r>
-                      <a:r>
-                        <a:rPr lang="en-US" sz="1300" dirty="0" err="1">
-                          <a:effectLst/>
-                        </a:rPr>
-                        <a:t>çağırmak</a:t>
-                      </a:r>
-                      <a:r>
-                        <a:rPr lang="en-US" sz="1300" dirty="0">
-                          <a:effectLst/>
-                        </a:rPr>
-                        <a:t> </a:t>
-                      </a:r>
-                      <a:r>
-                        <a:rPr lang="en-US" sz="1300" dirty="0" err="1">
-                          <a:effectLst/>
-                        </a:rPr>
-                        <a:t>gerekir</a:t>
-                      </a:r>
-                      <a:r>
-                        <a:rPr lang="en-US" sz="1300" dirty="0">
-                          <a:effectLst/>
-                        </a:rPr>
-                        <a:t>.</a:t>
+                        <a:t> çağırmak gerekir.</a:t>
                       </a:r>
                     </a:p>
                   </a:txBody>
@@ -16625,94 +21614,28 @@
                     <a:p>
                       <a:pPr algn="l" fontAlgn="t"/>
                       <a:r>
-                        <a:rPr lang="en-US" sz="1300" dirty="0">
+                        <a:rPr lang="tr-TR" sz="1300" noProof="0" dirty="0" err="1">
                           <a:effectLst/>
                         </a:rPr>
-                        <a:t>Hand Landmark </a:t>
+                        <a:t>Hand</a:t>
                       </a:r>
                       <a:r>
-                        <a:rPr lang="en-US" sz="1300" dirty="0" err="1">
-                          <a:effectLst/>
-                        </a:rPr>
-                        <a:t>dedektörü</a:t>
-                      </a:r>
-                      <a:r>
-                        <a:rPr lang="en-US" sz="1300" dirty="0">
+                        <a:rPr lang="tr-TR" sz="1300" noProof="0" dirty="0">
                           <a:effectLst/>
                         </a:rPr>
                         <a:t> </a:t>
                       </a:r>
                       <a:r>
-                        <a:rPr lang="en-US" sz="1300" dirty="0" err="1">
+                        <a:rPr lang="tr-TR" sz="1300" noProof="0" dirty="0" err="1">
                           <a:effectLst/>
                         </a:rPr>
-                        <a:t>tarafından</a:t>
+                        <a:t>Landmark</a:t>
                       </a:r>
                       <a:r>
-                        <a:rPr lang="en-US" sz="1300" dirty="0">
+                        <a:rPr lang="tr-TR" sz="1300" noProof="0" dirty="0">
                           <a:effectLst/>
                         </a:rPr>
-                        <a:t> </a:t>
-                      </a:r>
-                      <a:r>
-                        <a:rPr lang="en-US" sz="1300" dirty="0" err="1">
-                          <a:effectLst/>
-                        </a:rPr>
-                        <a:t>tespit</a:t>
-                      </a:r>
-                      <a:r>
-                        <a:rPr lang="en-US" sz="1300" dirty="0">
-                          <a:effectLst/>
-                        </a:rPr>
-                        <a:t> </a:t>
-                      </a:r>
-                      <a:r>
-                        <a:rPr lang="en-US" sz="1300" dirty="0" err="1">
-                          <a:effectLst/>
-                        </a:rPr>
-                        <a:t>edilen</a:t>
-                      </a:r>
-                      <a:r>
-                        <a:rPr lang="en-US" sz="1300" dirty="0">
-                          <a:effectLst/>
-                        </a:rPr>
-                        <a:t> </a:t>
-                      </a:r>
-                      <a:r>
-                        <a:rPr lang="en-US" sz="1300" dirty="0" err="1">
-                          <a:effectLst/>
-                        </a:rPr>
-                        <a:t>ellerin</a:t>
-                      </a:r>
-                      <a:r>
-                        <a:rPr lang="en-US" sz="1300" dirty="0">
-                          <a:effectLst/>
-                        </a:rPr>
-                        <a:t> </a:t>
-                      </a:r>
-                      <a:r>
-                        <a:rPr lang="en-US" sz="1300" dirty="0" err="1">
-                          <a:effectLst/>
-                        </a:rPr>
-                        <a:t>maksimum</a:t>
-                      </a:r>
-                      <a:r>
-                        <a:rPr lang="en-US" sz="1300" dirty="0">
-                          <a:effectLst/>
-                        </a:rPr>
-                        <a:t> </a:t>
-                      </a:r>
-                      <a:r>
-                        <a:rPr lang="en-US" sz="1300" dirty="0" err="1">
-                          <a:effectLst/>
-                        </a:rPr>
-                        <a:t>sayısı</a:t>
-                      </a:r>
-                      <a:r>
-                        <a:rPr lang="en-US" sz="1300" dirty="0">
-                          <a:effectLst/>
-                        </a:rPr>
-                        <a:t>.</a:t>
+                        <a:t> dedektörü tarafından tespit edilen ellerin maksimum sayısı.</a:t>
                       </a:r>
                     </a:p>
                   </a:txBody>
@@ -16783,154 +21706,10 @@
                     <a:p>
                       <a:pPr algn="l" fontAlgn="t"/>
                       <a:r>
-                        <a:rPr lang="en-US" sz="1300" dirty="0">
+                        <a:rPr lang="tr-TR" sz="1300" noProof="0" dirty="0">
                           <a:effectLst/>
                         </a:rPr>
-                        <a:t>Elin </a:t>
-                      </a:r>
-                      <a:r>
-                        <a:rPr lang="en-US" sz="1300" dirty="0" err="1">
-                          <a:effectLst/>
-                        </a:rPr>
-                        <a:t>algılamasının</a:t>
-                      </a:r>
-                      <a:r>
-                        <a:rPr lang="en-US" sz="1300" dirty="0">
-                          <a:effectLst/>
-                        </a:rPr>
-                        <a:t> </a:t>
-                      </a:r>
-                      <a:r>
-                        <a:rPr lang="en-US" sz="1300" dirty="0" err="1">
-                          <a:effectLst/>
-                        </a:rPr>
-                        <a:t>başarılı</a:t>
-                      </a:r>
-                      <a:r>
-                        <a:rPr lang="en-US" sz="1300" dirty="0">
-                          <a:effectLst/>
-                        </a:rPr>
-                        <a:t> </a:t>
-                      </a:r>
-                      <a:r>
-                        <a:rPr lang="en-US" sz="1300" dirty="0" err="1">
-                          <a:effectLst/>
-                        </a:rPr>
-                        <a:t>kabul</a:t>
-                      </a:r>
-                      <a:r>
-                        <a:rPr lang="en-US" sz="1300" dirty="0">
-                          <a:effectLst/>
-                        </a:rPr>
-                        <a:t> </a:t>
-                      </a:r>
-                      <a:r>
-                        <a:rPr lang="en-US" sz="1300" dirty="0" err="1">
-                          <a:effectLst/>
-                        </a:rPr>
-                        <a:t>edilmesi</a:t>
-                      </a:r>
-                      <a:r>
-                        <a:rPr lang="en-US" sz="1300" dirty="0">
-                          <a:effectLst/>
-                        </a:rPr>
-                        <a:t> </a:t>
-                      </a:r>
-                      <a:r>
-                        <a:rPr lang="en-US" sz="1300" dirty="0" err="1">
-                          <a:effectLst/>
-                        </a:rPr>
-                        <a:t>için</a:t>
-                      </a:r>
-                      <a:r>
-                        <a:rPr lang="en-US" sz="1300" dirty="0">
-                          <a:effectLst/>
-                        </a:rPr>
-                        <a:t> </a:t>
-                      </a:r>
-                      <a:r>
-                        <a:rPr lang="en-US" sz="1300" dirty="0" err="1">
-                          <a:effectLst/>
-                        </a:rPr>
-                        <a:t>avuç</a:t>
-                      </a:r>
-                      <a:r>
-                        <a:rPr lang="en-US" sz="1300" dirty="0">
-                          <a:effectLst/>
-                        </a:rPr>
-                        <a:t> </a:t>
-                      </a:r>
-                      <a:r>
-                        <a:rPr lang="en-US" sz="1300" dirty="0" err="1">
-                          <a:effectLst/>
-                        </a:rPr>
-                        <a:t>içi</a:t>
-                      </a:r>
-                      <a:r>
-                        <a:rPr lang="en-US" sz="1300" dirty="0">
-                          <a:effectLst/>
-                        </a:rPr>
-                        <a:t> </a:t>
-                      </a:r>
-                      <a:r>
-                        <a:rPr lang="en-US" sz="1300" dirty="0" err="1">
-                          <a:effectLst/>
-                        </a:rPr>
-                        <a:t>algılama</a:t>
-                      </a:r>
-                      <a:r>
-                        <a:rPr lang="en-US" sz="1300" dirty="0">
-                          <a:effectLst/>
-                        </a:rPr>
-                        <a:t> </a:t>
-                      </a:r>
-                      <a:r>
-                        <a:rPr lang="en-US" sz="1300" dirty="0" err="1">
-                          <a:effectLst/>
-                        </a:rPr>
-                        <a:t>modelinde</a:t>
-                      </a:r>
-                      <a:r>
-                        <a:rPr lang="en-US" sz="1300" dirty="0">
-                          <a:effectLst/>
-                        </a:rPr>
-                        <a:t> </a:t>
-                      </a:r>
-                      <a:r>
-                        <a:rPr lang="en-US" sz="1300" dirty="0" err="1">
-                          <a:effectLst/>
-                        </a:rPr>
-                        <a:t>gereken</a:t>
-                      </a:r>
-                      <a:r>
-                        <a:rPr lang="en-US" sz="1300" dirty="0">
-                          <a:effectLst/>
-                        </a:rPr>
-                        <a:t> minimum </a:t>
-                      </a:r>
-                      <a:r>
-                        <a:rPr lang="en-US" sz="1300" dirty="0" err="1">
-                          <a:effectLst/>
-                        </a:rPr>
-                        <a:t>güven</a:t>
-                      </a:r>
-                      <a:r>
-                        <a:rPr lang="en-US" sz="1300" dirty="0">
-                          <a:effectLst/>
-                        </a:rPr>
-                        <a:t> </a:t>
-                      </a:r>
-                      <a:r>
-                        <a:rPr lang="en-US" sz="1300" dirty="0" err="1">
-                          <a:effectLst/>
-                        </a:rPr>
-                        <a:t>skoru</a:t>
-                      </a:r>
-                      <a:r>
-                        <a:rPr lang="en-US" sz="1300" dirty="0">
-                          <a:effectLst/>
-                        </a:rPr>
-                        <a:t>.</a:t>
+                        <a:t>Elin algılamasının başarılı kabul edilmesi için avuç içi algılama modelinde gereken minimum güven skoru.</a:t>
                       </a:r>
                     </a:p>
                   </a:txBody>
@@ -17001,622 +21780,10 @@
                     <a:p>
                       <a:pPr algn="l" fontAlgn="t"/>
                       <a:r>
-                        <a:rPr lang="en-US" sz="1300" dirty="0">
+                        <a:rPr lang="tr-TR" sz="1300" noProof="0" dirty="0">
                           <a:effectLst/>
                         </a:rPr>
-                        <a:t>El </a:t>
-                      </a:r>
-                      <a:r>
-                        <a:rPr lang="en-US" sz="1300" dirty="0" err="1">
-                          <a:effectLst/>
-                        </a:rPr>
-                        <a:t>yer</a:t>
-                      </a:r>
-                      <a:r>
-                        <a:rPr lang="en-US" sz="1300" dirty="0">
-                          <a:effectLst/>
-                        </a:rPr>
-                        <a:t> </a:t>
-                      </a:r>
-                      <a:r>
-                        <a:rPr lang="en-US" sz="1300" dirty="0" err="1">
-                          <a:effectLst/>
-                        </a:rPr>
-                        <a:t>işareti</a:t>
-                      </a:r>
-                      <a:r>
-                        <a:rPr lang="en-US" sz="1300" dirty="0">
-                          <a:effectLst/>
-                        </a:rPr>
-                        <a:t> </a:t>
-                      </a:r>
-                      <a:r>
-                        <a:rPr lang="en-US" sz="1300" dirty="0" err="1">
-                          <a:effectLst/>
-                        </a:rPr>
-                        <a:t>tespit</a:t>
-                      </a:r>
-                      <a:r>
-                        <a:rPr lang="en-US" sz="1300" dirty="0">
-                          <a:effectLst/>
-                        </a:rPr>
-                        <a:t> </a:t>
-                      </a:r>
-                      <a:r>
-                        <a:rPr lang="en-US" sz="1300" dirty="0" err="1">
-                          <a:effectLst/>
-                        </a:rPr>
-                        <a:t>modelinde</a:t>
-                      </a:r>
-                      <a:r>
-                        <a:rPr lang="en-US" sz="1300" dirty="0">
-                          <a:effectLst/>
-                        </a:rPr>
-                        <a:t> </a:t>
-                      </a:r>
-                      <a:r>
-                        <a:rPr lang="en-US" sz="1300" dirty="0" err="1">
-                          <a:effectLst/>
-                        </a:rPr>
-                        <a:t>el</a:t>
-                      </a:r>
-                      <a:r>
-                        <a:rPr lang="en-US" sz="1300" dirty="0">
-                          <a:effectLst/>
-                        </a:rPr>
-                        <a:t> </a:t>
-                      </a:r>
-                      <a:r>
-                        <a:rPr lang="en-US" sz="1300" dirty="0" err="1">
-                          <a:effectLst/>
-                        </a:rPr>
-                        <a:t>varlığı</a:t>
-                      </a:r>
-                      <a:r>
-                        <a:rPr lang="en-US" sz="1300" dirty="0">
-                          <a:effectLst/>
-                        </a:rPr>
-                        <a:t> </a:t>
-                      </a:r>
-                      <a:r>
-                        <a:rPr lang="en-US" sz="1300" dirty="0" err="1">
-                          <a:effectLst/>
-                        </a:rPr>
-                        <a:t>puanına</a:t>
-                      </a:r>
-                      <a:r>
-                        <a:rPr lang="en-US" sz="1300" dirty="0">
-                          <a:effectLst/>
-                        </a:rPr>
-                        <a:t> </a:t>
-                      </a:r>
-                      <a:r>
-                        <a:rPr lang="en-US" sz="1300" dirty="0" err="1">
-                          <a:effectLst/>
-                        </a:rPr>
-                        <a:t>ilişkin</a:t>
-                      </a:r>
-                      <a:r>
-                        <a:rPr lang="en-US" sz="1300" dirty="0">
-                          <a:effectLst/>
-                        </a:rPr>
-                        <a:t> minimum </a:t>
-                      </a:r>
-                      <a:r>
-                        <a:rPr lang="en-US" sz="1300" dirty="0" err="1">
-                          <a:effectLst/>
-                        </a:rPr>
-                        <a:t>güven</a:t>
-                      </a:r>
-                      <a:r>
-                        <a:rPr lang="en-US" sz="1300" dirty="0">
-                          <a:effectLst/>
-                        </a:rPr>
-                        <a:t> </a:t>
-                      </a:r>
-                      <a:r>
-                        <a:rPr lang="en-US" sz="1300" dirty="0" err="1">
-                          <a:effectLst/>
-                        </a:rPr>
-                        <a:t>puanı</a:t>
-                      </a:r>
-                      <a:r>
-                        <a:rPr lang="en-US" sz="1300" dirty="0">
-                          <a:effectLst/>
-                        </a:rPr>
-                        <a:t>. Video </a:t>
-                      </a:r>
-                      <a:r>
-                        <a:rPr lang="en-US" sz="1300" dirty="0" err="1">
-                          <a:effectLst/>
-                        </a:rPr>
-                        <a:t>modunda</a:t>
-                      </a:r>
-                      <a:r>
-                        <a:rPr lang="en-US" sz="1300" dirty="0">
-                          <a:effectLst/>
-                        </a:rPr>
-                        <a:t> </a:t>
-                      </a:r>
-                      <a:r>
-                        <a:rPr lang="en-US" sz="1300" dirty="0" err="1">
-                          <a:effectLst/>
-                        </a:rPr>
-                        <a:t>ve</a:t>
-                      </a:r>
-                      <a:r>
-                        <a:rPr lang="en-US" sz="1300" dirty="0">
-                          <a:effectLst/>
-                        </a:rPr>
-                        <a:t> </a:t>
-                      </a:r>
-                      <a:r>
-                        <a:rPr lang="en-US" sz="1300" dirty="0" err="1">
-                          <a:effectLst/>
-                        </a:rPr>
-                        <a:t>Canlı</a:t>
-                      </a:r>
-                      <a:r>
-                        <a:rPr lang="en-US" sz="1300" dirty="0">
-                          <a:effectLst/>
-                        </a:rPr>
-                        <a:t> </a:t>
-                      </a:r>
-                      <a:r>
-                        <a:rPr lang="en-US" sz="1300" dirty="0" err="1">
-                          <a:effectLst/>
-                        </a:rPr>
-                        <a:t>yayın</a:t>
-                      </a:r>
-                      <a:r>
-                        <a:rPr lang="en-US" sz="1300" dirty="0">
-                          <a:effectLst/>
-                        </a:rPr>
-                        <a:t> </a:t>
-                      </a:r>
-                      <a:r>
-                        <a:rPr lang="en-US" sz="1300" dirty="0" err="1">
-                          <a:effectLst/>
-                        </a:rPr>
-                        <a:t>modunda</a:t>
-                      </a:r>
-                      <a:r>
-                        <a:rPr lang="en-US" sz="1300" dirty="0">
-                          <a:effectLst/>
-                        </a:rPr>
-                        <a:t>, </a:t>
-                      </a:r>
-                      <a:r>
-                        <a:rPr lang="en-US" sz="1300" dirty="0" err="1">
-                          <a:effectLst/>
-                        </a:rPr>
-                        <a:t>el</a:t>
-                      </a:r>
-                      <a:r>
-                        <a:rPr lang="en-US" sz="1300" dirty="0">
-                          <a:effectLst/>
-                        </a:rPr>
-                        <a:t> </a:t>
-                      </a:r>
-                      <a:r>
-                        <a:rPr lang="en-US" sz="1300" dirty="0" err="1">
-                          <a:effectLst/>
-                        </a:rPr>
-                        <a:t>yer</a:t>
-                      </a:r>
-                      <a:r>
-                        <a:rPr lang="en-US" sz="1300" dirty="0">
-                          <a:effectLst/>
-                        </a:rPr>
-                        <a:t> </a:t>
-                      </a:r>
-                      <a:r>
-                        <a:rPr lang="en-US" sz="1300" dirty="0" err="1">
-                          <a:effectLst/>
-                        </a:rPr>
-                        <a:t>işareti</a:t>
-                      </a:r>
-                      <a:r>
-                        <a:rPr lang="en-US" sz="1300" dirty="0">
-                          <a:effectLst/>
-                        </a:rPr>
-                        <a:t> </a:t>
-                      </a:r>
-                      <a:r>
-                        <a:rPr lang="en-US" sz="1300" dirty="0" err="1">
-                          <a:effectLst/>
-                        </a:rPr>
-                        <a:t>modelinden</a:t>
-                      </a:r>
-                      <a:r>
-                        <a:rPr lang="en-US" sz="1300" dirty="0">
-                          <a:effectLst/>
-                        </a:rPr>
-                        <a:t> </a:t>
-                      </a:r>
-                      <a:r>
-                        <a:rPr lang="en-US" sz="1300" dirty="0" err="1">
-                          <a:effectLst/>
-                        </a:rPr>
-                        <a:t>elde</a:t>
-                      </a:r>
-                      <a:r>
-                        <a:rPr lang="en-US" sz="1300" dirty="0">
-                          <a:effectLst/>
-                        </a:rPr>
-                        <a:t> </a:t>
-                      </a:r>
-                      <a:r>
-                        <a:rPr lang="en-US" sz="1300" dirty="0" err="1">
-                          <a:effectLst/>
-                        </a:rPr>
-                        <a:t>edilen</a:t>
-                      </a:r>
-                      <a:r>
-                        <a:rPr lang="en-US" sz="1300" dirty="0">
-                          <a:effectLst/>
-                        </a:rPr>
-                        <a:t> </a:t>
-                      </a:r>
-                      <a:r>
-                        <a:rPr lang="en-US" sz="1300" dirty="0" err="1">
-                          <a:effectLst/>
-                        </a:rPr>
-                        <a:t>el</a:t>
-                      </a:r>
-                      <a:r>
-                        <a:rPr lang="en-US" sz="1300" dirty="0">
-                          <a:effectLst/>
-                        </a:rPr>
-                        <a:t> </a:t>
-                      </a:r>
-                      <a:r>
-                        <a:rPr lang="en-US" sz="1300" dirty="0" err="1">
-                          <a:effectLst/>
-                        </a:rPr>
-                        <a:t>varlığı</a:t>
-                      </a:r>
-                      <a:r>
-                        <a:rPr lang="en-US" sz="1300" dirty="0">
-                          <a:effectLst/>
-                        </a:rPr>
-                        <a:t> </a:t>
-                      </a:r>
-                      <a:r>
-                        <a:rPr lang="en-US" sz="1300" dirty="0" err="1">
-                          <a:effectLst/>
-                        </a:rPr>
-                        <a:t>güven</a:t>
-                      </a:r>
-                      <a:r>
-                        <a:rPr lang="en-US" sz="1300" dirty="0">
-                          <a:effectLst/>
-                        </a:rPr>
-                        <a:t> </a:t>
-                      </a:r>
-                      <a:r>
-                        <a:rPr lang="en-US" sz="1300" dirty="0" err="1">
-                          <a:effectLst/>
-                        </a:rPr>
-                        <a:t>puanı</a:t>
-                      </a:r>
-                      <a:r>
-                        <a:rPr lang="en-US" sz="1300" dirty="0">
-                          <a:effectLst/>
-                        </a:rPr>
-                        <a:t> </a:t>
-                      </a:r>
-                      <a:r>
-                        <a:rPr lang="en-US" sz="1300" dirty="0" err="1">
-                          <a:effectLst/>
-                        </a:rPr>
-                        <a:t>bu</a:t>
-                      </a:r>
-                      <a:r>
-                        <a:rPr lang="en-US" sz="1300" dirty="0">
-                          <a:effectLst/>
-                        </a:rPr>
-                        <a:t> </a:t>
-                      </a:r>
-                      <a:r>
-                        <a:rPr lang="en-US" sz="1300" dirty="0" err="1">
-                          <a:effectLst/>
-                        </a:rPr>
-                        <a:t>eşiğin</a:t>
-                      </a:r>
-                      <a:r>
-                        <a:rPr lang="en-US" sz="1300" dirty="0">
-                          <a:effectLst/>
-                        </a:rPr>
-                        <a:t> </a:t>
-                      </a:r>
-                      <a:r>
-                        <a:rPr lang="en-US" sz="1300" dirty="0" err="1">
-                          <a:effectLst/>
-                        </a:rPr>
-                        <a:t>altındaysa</a:t>
-                      </a:r>
-                      <a:r>
-                        <a:rPr lang="en-US" sz="1300" dirty="0">
-                          <a:effectLst/>
-                        </a:rPr>
-                        <a:t>, El Yer </a:t>
-                      </a:r>
-                      <a:r>
-                        <a:rPr lang="en-US" sz="1300" dirty="0" err="1">
-                          <a:effectLst/>
-                        </a:rPr>
-                        <a:t>İşareti</a:t>
-                      </a:r>
-                      <a:r>
-                        <a:rPr lang="en-US" sz="1300" dirty="0">
-                          <a:effectLst/>
-                        </a:rPr>
-                        <a:t> </a:t>
-                      </a:r>
-                      <a:r>
-                        <a:rPr lang="en-US" sz="1300" dirty="0" err="1">
-                          <a:effectLst/>
-                        </a:rPr>
-                        <a:t>avuç</a:t>
-                      </a:r>
-                      <a:r>
-                        <a:rPr lang="en-US" sz="1300" dirty="0">
-                          <a:effectLst/>
-                        </a:rPr>
-                        <a:t> </a:t>
-                      </a:r>
-                      <a:r>
-                        <a:rPr lang="en-US" sz="1300" dirty="0" err="1">
-                          <a:effectLst/>
-                        </a:rPr>
-                        <a:t>içi</a:t>
-                      </a:r>
-                      <a:r>
-                        <a:rPr lang="en-US" sz="1300" dirty="0">
-                          <a:effectLst/>
-                        </a:rPr>
-                        <a:t> </a:t>
-                      </a:r>
-                      <a:r>
-                        <a:rPr lang="en-US" sz="1300" dirty="0" err="1">
-                          <a:effectLst/>
-                        </a:rPr>
-                        <a:t>algılama</a:t>
-                      </a:r>
-                      <a:r>
-                        <a:rPr lang="en-US" sz="1300" dirty="0">
-                          <a:effectLst/>
-                        </a:rPr>
-                        <a:t> </a:t>
-                      </a:r>
-                      <a:r>
-                        <a:rPr lang="en-US" sz="1300" dirty="0" err="1">
-                          <a:effectLst/>
-                        </a:rPr>
-                        <a:t>modelini</a:t>
-                      </a:r>
-                      <a:r>
-                        <a:rPr lang="en-US" sz="1300" dirty="0">
-                          <a:effectLst/>
-                        </a:rPr>
-                        <a:t> </a:t>
-                      </a:r>
-                      <a:r>
-                        <a:rPr lang="en-US" sz="1300" dirty="0" err="1">
-                          <a:effectLst/>
-                        </a:rPr>
-                        <a:t>tetikler</a:t>
-                      </a:r>
-                      <a:r>
-                        <a:rPr lang="en-US" sz="1300" dirty="0">
-                          <a:effectLst/>
-                        </a:rPr>
-                        <a:t>. </a:t>
-                      </a:r>
-                      <a:r>
-                        <a:rPr lang="en-US" sz="1300" dirty="0" err="1">
-                          <a:effectLst/>
-                        </a:rPr>
-                        <a:t>Aksi</a:t>
-                      </a:r>
-                      <a:r>
-                        <a:rPr lang="en-US" sz="1300" dirty="0">
-                          <a:effectLst/>
-                        </a:rPr>
-                        <a:t> </a:t>
-                      </a:r>
-                      <a:r>
-                        <a:rPr lang="en-US" sz="1300" dirty="0" err="1">
-                          <a:effectLst/>
-                        </a:rPr>
-                        <a:t>takdirde</a:t>
-                      </a:r>
-                      <a:r>
-                        <a:rPr lang="en-US" sz="1300" dirty="0">
-                          <a:effectLst/>
-                        </a:rPr>
-                        <a:t>, </a:t>
-                      </a:r>
-                      <a:r>
-                        <a:rPr lang="en-US" sz="1300" dirty="0" err="1">
-                          <a:effectLst/>
-                        </a:rPr>
-                        <a:t>hafif</a:t>
-                      </a:r>
-                      <a:r>
-                        <a:rPr lang="en-US" sz="1300" dirty="0">
-                          <a:effectLst/>
-                        </a:rPr>
-                        <a:t> </a:t>
-                      </a:r>
-                      <a:r>
-                        <a:rPr lang="en-US" sz="1300" dirty="0" err="1">
-                          <a:effectLst/>
-                        </a:rPr>
-                        <a:t>bir</a:t>
-                      </a:r>
-                      <a:r>
-                        <a:rPr lang="en-US" sz="1300" dirty="0">
-                          <a:effectLst/>
-                        </a:rPr>
-                        <a:t> </a:t>
-                      </a:r>
-                      <a:r>
-                        <a:rPr lang="en-US" sz="1300" dirty="0" err="1">
-                          <a:effectLst/>
-                        </a:rPr>
-                        <a:t>el</a:t>
-                      </a:r>
-                      <a:r>
-                        <a:rPr lang="en-US" sz="1300" dirty="0">
-                          <a:effectLst/>
-                        </a:rPr>
-                        <a:t> </a:t>
-                      </a:r>
-                      <a:r>
-                        <a:rPr lang="en-US" sz="1300" dirty="0" err="1">
-                          <a:effectLst/>
-                        </a:rPr>
-                        <a:t>izleme</a:t>
-                      </a:r>
-                      <a:r>
-                        <a:rPr lang="en-US" sz="1300" dirty="0">
-                          <a:effectLst/>
-                        </a:rPr>
-                        <a:t> </a:t>
-                      </a:r>
-                      <a:r>
-                        <a:rPr lang="en-US" sz="1300" dirty="0" err="1">
-                          <a:effectLst/>
-                        </a:rPr>
-                        <a:t>algoritması</a:t>
-                      </a:r>
-                      <a:r>
-                        <a:rPr lang="en-US" sz="1300" dirty="0">
-                          <a:effectLst/>
-                        </a:rPr>
-                        <a:t>, </a:t>
-                      </a:r>
-                      <a:r>
-                        <a:rPr lang="en-US" sz="1300" dirty="0" err="1">
-                          <a:effectLst/>
-                        </a:rPr>
-                        <a:t>daha</a:t>
-                      </a:r>
-                      <a:r>
-                        <a:rPr lang="en-US" sz="1300" dirty="0">
-                          <a:effectLst/>
-                        </a:rPr>
-                        <a:t> </a:t>
-                      </a:r>
-                      <a:r>
-                        <a:rPr lang="en-US" sz="1300" dirty="0" err="1">
-                          <a:effectLst/>
-                        </a:rPr>
-                        <a:t>sonraki</a:t>
-                      </a:r>
-                      <a:r>
-                        <a:rPr lang="en-US" sz="1300" dirty="0">
-                          <a:effectLst/>
-                        </a:rPr>
-                        <a:t> </a:t>
-                      </a:r>
-                      <a:r>
-                        <a:rPr lang="en-US" sz="1300" dirty="0" err="1">
-                          <a:effectLst/>
-                        </a:rPr>
-                        <a:t>yer</a:t>
-                      </a:r>
-                      <a:r>
-                        <a:rPr lang="en-US" sz="1300" dirty="0">
-                          <a:effectLst/>
-                        </a:rPr>
-                        <a:t> </a:t>
-                      </a:r>
-                      <a:r>
-                        <a:rPr lang="en-US" sz="1300" dirty="0" err="1">
-                          <a:effectLst/>
-                        </a:rPr>
-                        <a:t>işareti</a:t>
-                      </a:r>
-                      <a:r>
-                        <a:rPr lang="en-US" sz="1300" dirty="0">
-                          <a:effectLst/>
-                        </a:rPr>
-                        <a:t> </a:t>
-                      </a:r>
-                      <a:r>
-                        <a:rPr lang="en-US" sz="1300" dirty="0" err="1">
-                          <a:effectLst/>
-                        </a:rPr>
-                        <a:t>tespitleri</a:t>
-                      </a:r>
-                      <a:r>
-                        <a:rPr lang="en-US" sz="1300" dirty="0">
-                          <a:effectLst/>
-                        </a:rPr>
-                        <a:t> </a:t>
-                      </a:r>
-                      <a:r>
-                        <a:rPr lang="en-US" sz="1300" dirty="0" err="1">
-                          <a:effectLst/>
-                        </a:rPr>
-                        <a:t>için</a:t>
-                      </a:r>
-                      <a:r>
-                        <a:rPr lang="en-US" sz="1300" dirty="0">
-                          <a:effectLst/>
-                        </a:rPr>
-                        <a:t> </a:t>
-                      </a:r>
-                      <a:r>
-                        <a:rPr lang="en-US" sz="1300" dirty="0" err="1">
-                          <a:effectLst/>
-                        </a:rPr>
-                        <a:t>elin</a:t>
-                      </a:r>
-                      <a:r>
-                        <a:rPr lang="en-US" sz="1300" dirty="0">
-                          <a:effectLst/>
-                        </a:rPr>
-                        <a:t>/</a:t>
-                      </a:r>
-                      <a:r>
-                        <a:rPr lang="en-US" sz="1300" dirty="0" err="1">
-                          <a:effectLst/>
-                        </a:rPr>
-                        <a:t>ellerin</a:t>
-                      </a:r>
-                      <a:r>
-                        <a:rPr lang="en-US" sz="1300" dirty="0">
-                          <a:effectLst/>
-                        </a:rPr>
-                        <a:t> </a:t>
-                      </a:r>
-                      <a:r>
-                        <a:rPr lang="en-US" sz="1300" dirty="0" err="1">
-                          <a:effectLst/>
-                        </a:rPr>
-                        <a:t>konumunu</a:t>
-                      </a:r>
-                      <a:r>
-                        <a:rPr lang="en-US" sz="1300" dirty="0">
-                          <a:effectLst/>
-                        </a:rPr>
-                        <a:t> </a:t>
-                      </a:r>
-                      <a:r>
-                        <a:rPr lang="en-US" sz="1300" dirty="0" err="1">
-                          <a:effectLst/>
-                        </a:rPr>
-                        <a:t>belirler</a:t>
-                      </a:r>
-                      <a:r>
-                        <a:rPr lang="en-US" sz="1300" dirty="0">
-                          <a:effectLst/>
-                        </a:rPr>
-                        <a:t>.</a:t>
+                        <a:t>El yer işareti tespit modelinde el varlığı puanına ilişkin minimum güven puanı. Video modunda ve Canlı yayın modunda, el yer işareti modelinden elde edilen el varlığı güven puanı bu eşiğin altındaysa, El Yer İşareti avuç içi algılama modelini tetikler. Aksi takdirde, hafif bir el izleme algoritması, daha sonraki yer işareti tespitleri için elin/ellerin konumunu belirler.</a:t>
                       </a:r>
                     </a:p>
                   </a:txBody>
@@ -17684,418 +21851,58 @@
                     <a:p>
                       <a:pPr algn="l" fontAlgn="t"/>
                       <a:r>
-                        <a:rPr lang="en-US" sz="1300" dirty="0">
+                        <a:rPr lang="tr-TR" sz="1300" noProof="0" dirty="0">
                           <a:effectLst/>
                         </a:rPr>
-                        <a:t>El </a:t>
+                        <a:t>El takibinin başarılı kabul edilmesi için gereken minimum güven skoru. Bu, mevcut çerçeve ve son çerçeve arasındaki ellerin sınırlayıcı kutu </a:t>
                       </a:r>
                       <a:r>
-                        <a:rPr lang="en-US" sz="1300" dirty="0" err="1">
+                        <a:rPr lang="tr-TR" sz="1300" noProof="0" dirty="0" err="1">
                           <a:effectLst/>
                         </a:rPr>
-                        <a:t>takibinin</a:t>
+                        <a:t>IoU</a:t>
                       </a:r>
                       <a:r>
-                        <a:rPr lang="en-US" sz="1300" dirty="0">
+                        <a:rPr lang="tr-TR" sz="1300" noProof="0" dirty="0">
+                          <a:effectLst/>
+                        </a:rPr>
+                        <a:t> eşik değeridir. </a:t>
+                      </a:r>
+                      <a:r>
+                        <a:rPr lang="tr-TR" sz="1300" noProof="0" dirty="0" err="1">
+                          <a:effectLst/>
+                        </a:rPr>
+                        <a:t>Hand</a:t>
+                      </a:r>
+                      <a:r>
+                        <a:rPr lang="tr-TR" sz="1300" noProof="0" dirty="0">
                           <a:effectLst/>
                         </a:rPr>
                         <a:t> </a:t>
                       </a:r>
                       <a:r>
-                        <a:rPr lang="en-US" sz="1300" dirty="0" err="1">
-                          <a:effectLst/>
-                        </a:rPr>
-                        <a:t>başarılı</a:t>
-                      </a:r>
-                      <a:r>
-                        <a:rPr lang="en-US" sz="1300" dirty="0">
-                          <a:effectLst/>
-                        </a:rPr>
-                        <a:t> </a:t>
-                      </a:r>
-                      <a:r>
-                        <a:rPr lang="en-US" sz="1300" dirty="0" err="1">
-                          <a:effectLst/>
-                        </a:rPr>
-                        <a:t>kabul</a:t>
-                      </a:r>
-                      <a:r>
-                        <a:rPr lang="en-US" sz="1300" dirty="0">
-                          <a:effectLst/>
-                        </a:rPr>
-                        <a:t> </a:t>
-                      </a:r>
-                      <a:r>
-                        <a:rPr lang="en-US" sz="1300" dirty="0" err="1">
-                          <a:effectLst/>
-                        </a:rPr>
-                        <a:t>edilmesi</a:t>
-                      </a:r>
-                      <a:r>
-                        <a:rPr lang="en-US" sz="1300" dirty="0">
-                          <a:effectLst/>
-                        </a:rPr>
-                        <a:t> </a:t>
-                      </a:r>
-                      <a:r>
-                        <a:rPr lang="en-US" sz="1300" dirty="0" err="1">
-                          <a:effectLst/>
-                        </a:rPr>
-                        <a:t>için</a:t>
-                      </a:r>
-                      <a:r>
-                        <a:rPr lang="en-US" sz="1300" dirty="0">
-                          <a:effectLst/>
-                        </a:rPr>
-                        <a:t> </a:t>
-                      </a:r>
-                      <a:r>
-                        <a:rPr lang="en-US" sz="1300" dirty="0" err="1">
-                          <a:effectLst/>
-                        </a:rPr>
-                        <a:t>gereken</a:t>
-                      </a:r>
-                      <a:r>
-                        <a:rPr lang="en-US" sz="1300" dirty="0">
-                          <a:effectLst/>
-                        </a:rPr>
-                        <a:t> minimum </a:t>
-                      </a:r>
-                      <a:r>
-                        <a:rPr lang="en-US" sz="1300" dirty="0" err="1">
-                          <a:effectLst/>
-                        </a:rPr>
-                        <a:t>güven</a:t>
-                      </a:r>
-                      <a:r>
-                        <a:rPr lang="en-US" sz="1300" dirty="0">
-                          <a:effectLst/>
-                        </a:rPr>
-                        <a:t> </a:t>
-                      </a:r>
-                      <a:r>
-                        <a:rPr lang="en-US" sz="1300" dirty="0" err="1">
-                          <a:effectLst/>
-                        </a:rPr>
-                        <a:t>skoru</a:t>
-                      </a:r>
-                      <a:r>
-                        <a:rPr lang="en-US" sz="1300" dirty="0">
-                          <a:effectLst/>
-                        </a:rPr>
-                        <a:t>. Bu, </a:t>
-                      </a:r>
-                      <a:r>
-                        <a:rPr lang="en-US" sz="1300" dirty="0" err="1">
-                          <a:effectLst/>
-                        </a:rPr>
-                        <a:t>mevcut</a:t>
-                      </a:r>
-                      <a:r>
-                        <a:rPr lang="en-US" sz="1300" dirty="0">
-                          <a:effectLst/>
-                        </a:rPr>
-                        <a:t> </a:t>
-                      </a:r>
-                      <a:r>
-                        <a:rPr lang="en-US" sz="1300" dirty="0" err="1">
-                          <a:effectLst/>
-                        </a:rPr>
-                        <a:t>çerçeve</a:t>
-                      </a:r>
-                      <a:r>
-                        <a:rPr lang="en-US" sz="1300" dirty="0">
-                          <a:effectLst/>
-                        </a:rPr>
-                        <a:t> </a:t>
-                      </a:r>
-                      <a:r>
-                        <a:rPr lang="en-US" sz="1300" dirty="0" err="1">
-                          <a:effectLst/>
-                        </a:rPr>
-                        <a:t>ve</a:t>
-                      </a:r>
-                      <a:r>
-                        <a:rPr lang="en-US" sz="1300" dirty="0">
-                          <a:effectLst/>
-                        </a:rPr>
-                        <a:t> son </a:t>
-                      </a:r>
-                      <a:r>
-                        <a:rPr lang="en-US" sz="1300" dirty="0" err="1">
-                          <a:effectLst/>
-                        </a:rPr>
-                        <a:t>çerçeve</a:t>
-                      </a:r>
-                      <a:r>
-                        <a:rPr lang="en-US" sz="1300" dirty="0">
-                          <a:effectLst/>
-                        </a:rPr>
-                        <a:t> </a:t>
-                      </a:r>
-                      <a:r>
-                        <a:rPr lang="en-US" sz="1300" dirty="0" err="1">
-                          <a:effectLst/>
-                        </a:rPr>
-                        <a:t>arasındaki</a:t>
-                      </a:r>
-                      <a:r>
-                        <a:rPr lang="en-US" sz="1300" dirty="0">
-                          <a:effectLst/>
-                        </a:rPr>
-                        <a:t> </a:t>
-                      </a:r>
-                      <a:r>
-                        <a:rPr lang="en-US" sz="1300" dirty="0" err="1">
-                          <a:effectLst/>
-                        </a:rPr>
-                        <a:t>ellerin</a:t>
-                      </a:r>
-                      <a:r>
-                        <a:rPr lang="en-US" sz="1300" dirty="0">
-                          <a:effectLst/>
-                        </a:rPr>
-                        <a:t> </a:t>
-                      </a:r>
-                      <a:r>
-                        <a:rPr lang="en-US" sz="1300" dirty="0" err="1">
-                          <a:effectLst/>
-                        </a:rPr>
-                        <a:t>sınırlayıcı</a:t>
-                      </a:r>
-                      <a:r>
-                        <a:rPr lang="en-US" sz="1300" dirty="0">
-                          <a:effectLst/>
-                        </a:rPr>
-                        <a:t> kutu </a:t>
-                      </a:r>
-                      <a:r>
-                        <a:rPr lang="en-US" sz="1300" dirty="0" err="1">
-                          <a:effectLst/>
-                        </a:rPr>
-                        <a:t>IoU</a:t>
-                      </a:r>
-                      <a:r>
-                        <a:rPr lang="en-US" sz="1300" dirty="0">
-                          <a:effectLst/>
-                        </a:rPr>
-                        <a:t> </a:t>
-                      </a:r>
-                      <a:r>
-                        <a:rPr lang="en-US" sz="1300" dirty="0" err="1">
-                          <a:effectLst/>
-                        </a:rPr>
-                        <a:t>eşik</a:t>
-                      </a:r>
-                      <a:r>
-                        <a:rPr lang="en-US" sz="1300" dirty="0">
-                          <a:effectLst/>
-                        </a:rPr>
-                        <a:t> </a:t>
-                      </a:r>
-                      <a:r>
-                        <a:rPr lang="en-US" sz="1300" dirty="0" err="1">
-                          <a:effectLst/>
-                        </a:rPr>
-                        <a:t>değeridir</a:t>
-                      </a:r>
-                      <a:r>
-                        <a:rPr lang="en-US" sz="1300" dirty="0">
-                          <a:effectLst/>
-                        </a:rPr>
-                        <a:t>. Hand </a:t>
-                      </a:r>
-                      <a:r>
-                        <a:rPr lang="en-US" sz="1300" dirty="0" err="1">
+                        <a:rPr lang="tr-TR" sz="1300" noProof="0" dirty="0" err="1">
                           <a:effectLst/>
                         </a:rPr>
                         <a:t>Landmarker'ın</a:t>
                       </a:r>
                       <a:r>
-                        <a:rPr lang="en-US" sz="1300" dirty="0">
+                        <a:rPr lang="tr-TR" sz="1300" noProof="0" dirty="0">
                           <a:effectLst/>
                         </a:rPr>
-                        <a:t> Video </a:t>
+                        <a:t> Video modu ve </a:t>
                       </a:r>
                       <a:r>
-                        <a:rPr lang="en-US" sz="1300" dirty="0" err="1">
+                        <a:rPr lang="tr-TR" sz="1300" noProof="0" dirty="0" err="1">
                           <a:effectLst/>
                         </a:rPr>
-                        <a:t>modu</a:t>
+                        <a:t>Stream</a:t>
                       </a:r>
                       <a:r>
-                        <a:rPr lang="en-US" sz="1300" dirty="0">
+                        <a:rPr lang="tr-TR" sz="1300" noProof="0" dirty="0">
                           <a:effectLst/>
                         </a:rPr>
-                        <a:t> </a:t>
-                      </a:r>
-                      <a:r>
-                        <a:rPr lang="en-US" sz="1300" dirty="0" err="1">
-                          <a:effectLst/>
-                        </a:rPr>
-                        <a:t>ve</a:t>
-                      </a:r>
-                      <a:r>
-                        <a:rPr lang="en-US" sz="1300" dirty="0">
-                          <a:effectLst/>
-                        </a:rPr>
-                        <a:t> Stream </a:t>
-                      </a:r>
-                      <a:r>
-                        <a:rPr lang="en-US" sz="1300" dirty="0" err="1">
-                          <a:effectLst/>
-                        </a:rPr>
-                        <a:t>modunda</a:t>
-                      </a:r>
-                      <a:r>
-                        <a:rPr lang="en-US" sz="1300" dirty="0">
-                          <a:effectLst/>
-                        </a:rPr>
-                        <a:t>, </a:t>
-                      </a:r>
-                      <a:r>
-                        <a:rPr lang="en-US" sz="1300" dirty="0" err="1">
-                          <a:effectLst/>
-                        </a:rPr>
-                        <a:t>takip</a:t>
-                      </a:r>
-                      <a:r>
-                        <a:rPr lang="en-US" sz="1300" dirty="0">
-                          <a:effectLst/>
-                        </a:rPr>
-                        <a:t> </a:t>
-                      </a:r>
-                      <a:r>
-                        <a:rPr lang="en-US" sz="1300" dirty="0" err="1">
-                          <a:effectLst/>
-                        </a:rPr>
-                        <a:t>başarısız</a:t>
-                      </a:r>
-                      <a:r>
-                        <a:rPr lang="en-US" sz="1300" dirty="0">
-                          <a:effectLst/>
-                        </a:rPr>
-                        <a:t> </a:t>
-                      </a:r>
-                      <a:r>
-                        <a:rPr lang="en-US" sz="1300" dirty="0" err="1">
-                          <a:effectLst/>
-                        </a:rPr>
-                        <a:t>olursa</a:t>
-                      </a:r>
-                      <a:r>
-                        <a:rPr lang="en-US" sz="1300" dirty="0">
-                          <a:effectLst/>
-                        </a:rPr>
-                        <a:t>, </a:t>
-                      </a:r>
-                      <a:r>
-                        <a:rPr lang="en-US" sz="1300" dirty="0" err="1">
-                          <a:effectLst/>
-                        </a:rPr>
-                        <a:t>el</a:t>
-                      </a:r>
-                      <a:r>
-                        <a:rPr lang="en-US" sz="1300" dirty="0">
-                          <a:effectLst/>
-                        </a:rPr>
-                        <a:t> </a:t>
-                      </a:r>
-                      <a:r>
-                        <a:rPr lang="en-US" sz="1300" dirty="0" err="1">
-                          <a:effectLst/>
-                        </a:rPr>
-                        <a:t>algılamasını</a:t>
-                      </a:r>
-                      <a:r>
-                        <a:rPr lang="en-US" sz="1300" dirty="0">
-                          <a:effectLst/>
-                        </a:rPr>
-                        <a:t> </a:t>
-                      </a:r>
-                      <a:r>
-                        <a:rPr lang="en-US" sz="1300" dirty="0" err="1">
-                          <a:effectLst/>
-                        </a:rPr>
-                        <a:t>tetikler</a:t>
-                      </a:r>
-                      <a:r>
-                        <a:rPr lang="en-US" sz="1300" dirty="0">
-                          <a:effectLst/>
-                        </a:rPr>
-                        <a:t>. </a:t>
-                      </a:r>
-                      <a:r>
-                        <a:rPr lang="en-US" sz="1300" dirty="0" err="1">
-                          <a:effectLst/>
-                        </a:rPr>
-                        <a:t>Aksi</a:t>
-                      </a:r>
-                      <a:r>
-                        <a:rPr lang="en-US" sz="1300" dirty="0">
-                          <a:effectLst/>
-                        </a:rPr>
-                        <a:t> </a:t>
-                      </a:r>
-                      <a:r>
-                        <a:rPr lang="en-US" sz="1300" dirty="0" err="1">
-                          <a:effectLst/>
-                        </a:rPr>
-                        <a:t>takdirde</a:t>
-                      </a:r>
-                      <a:r>
-                        <a:rPr lang="en-US" sz="1300" dirty="0">
-                          <a:effectLst/>
-                        </a:rPr>
-                        <a:t>, </a:t>
-                      </a:r>
-                      <a:r>
-                        <a:rPr lang="en-US" sz="1300" dirty="0" err="1">
-                          <a:effectLst/>
-                        </a:rPr>
-                        <a:t>el</a:t>
-                      </a:r>
-                      <a:r>
-                        <a:rPr lang="en-US" sz="1300" dirty="0">
-                          <a:effectLst/>
-                        </a:rPr>
-                        <a:t> </a:t>
-                      </a:r>
-                      <a:r>
-                        <a:rPr lang="en-US" sz="1300" dirty="0" err="1">
-                          <a:effectLst/>
-                        </a:rPr>
-                        <a:t>algılama</a:t>
-                      </a:r>
-                      <a:r>
-                        <a:rPr lang="en-US" sz="1300" dirty="0">
-                          <a:effectLst/>
-                        </a:rPr>
-                        <a:t> </a:t>
-                      </a:r>
-                      <a:r>
-                        <a:rPr lang="en-US" sz="1300" dirty="0" err="1">
-                          <a:effectLst/>
-                        </a:rPr>
-                        <a:t>işlemi</a:t>
-                      </a:r>
-                      <a:r>
-                        <a:rPr lang="en-US" sz="1300" dirty="0">
-                          <a:effectLst/>
-                        </a:rPr>
-                        <a:t> </a:t>
-                      </a:r>
-                      <a:r>
-                        <a:rPr lang="en-US" sz="1300" dirty="0" err="1">
-                          <a:effectLst/>
-                        </a:rPr>
-                        <a:t>atlanır</a:t>
-                      </a:r>
-                      <a:r>
-                        <a:rPr lang="en-US" sz="1300" dirty="0">
-                          <a:effectLst/>
-                        </a:rPr>
-                        <a:t>.</a:t>
+                        <a:t> modunda, takip başarısız olursa, el algılamasını tetikler. Aksi takdirde, el algılama işlemi atlanır.</a:t>
                       </a:r>
                     </a:p>
                   </a:txBody>
@@ -18163,244 +21970,22 @@
                     <a:p>
                       <a:pPr algn="l" fontAlgn="t"/>
                       <a:r>
-                        <a:rPr lang="en-US" sz="1300" dirty="0" err="1">
+                        <a:rPr lang="tr-TR" sz="1300" noProof="0" dirty="0">
                           <a:effectLst/>
                         </a:rPr>
-                        <a:t>Canlı</a:t>
+                        <a:t>Canlı akış modundayken el </a:t>
                       </a:r>
                       <a:r>
-                        <a:rPr lang="en-US" sz="1300" dirty="0">
-                          <a:effectLst/>
-                        </a:rPr>
-                        <a:t> </a:t>
-                      </a:r>
-                      <a:r>
-                        <a:rPr lang="en-US" sz="1300" dirty="0" err="1">
-                          <a:effectLst/>
-                        </a:rPr>
-                        <a:t>akış</a:t>
-                      </a:r>
-                      <a:r>
-                        <a:rPr lang="en-US" sz="1300" dirty="0">
-                          <a:effectLst/>
-                        </a:rPr>
-                        <a:t> </a:t>
-                      </a:r>
-                      <a:r>
-                        <a:rPr lang="en-US" sz="1300" dirty="0" err="1">
-                          <a:effectLst/>
-                        </a:rPr>
-                        <a:t>modundayken</a:t>
-                      </a:r>
-                      <a:r>
-                        <a:rPr lang="en-US" sz="1300" dirty="0">
-                          <a:effectLst/>
-                        </a:rPr>
-                        <a:t> </a:t>
-                      </a:r>
-                      <a:r>
-                        <a:rPr lang="en-US" sz="1300" dirty="0" err="1">
-                          <a:effectLst/>
-                        </a:rPr>
-                        <a:t>el</a:t>
-                      </a:r>
-                      <a:r>
-                        <a:rPr lang="en-US" sz="1300" dirty="0">
-                          <a:effectLst/>
-                        </a:rPr>
-                        <a:t> </a:t>
-                      </a:r>
-                      <a:r>
-                        <a:rPr lang="en-US" sz="1300" dirty="0" err="1">
+                        <a:rPr lang="tr-TR" sz="1300" noProof="0" dirty="0" err="1">
                           <a:effectLst/>
                         </a:rPr>
                         <a:t>landmarker'ın</a:t>
                       </a:r>
                       <a:r>
-                        <a:rPr lang="en-US" sz="1300" dirty="0">
+                        <a:rPr lang="tr-TR" sz="1300" noProof="0" dirty="0">
                           <a:effectLst/>
                         </a:rPr>
-                        <a:t> </a:t>
-                      </a:r>
-                      <a:r>
-                        <a:rPr lang="en-US" sz="1300" dirty="0" err="1">
-                          <a:effectLst/>
-                        </a:rPr>
-                        <a:t>algılama</a:t>
-                      </a:r>
-                      <a:r>
-                        <a:rPr lang="en-US" sz="1300" dirty="0">
-                          <a:effectLst/>
-                        </a:rPr>
-                        <a:t> </a:t>
-                      </a:r>
-                      <a:r>
-                        <a:rPr lang="en-US" sz="1300" dirty="0" err="1">
-                          <a:effectLst/>
-                        </a:rPr>
-                        <a:t>sonuçlarını</a:t>
-                      </a:r>
-                      <a:r>
-                        <a:rPr lang="en-US" sz="1300" dirty="0">
-                          <a:effectLst/>
-                        </a:rPr>
-                        <a:t> </a:t>
-                      </a:r>
-                      <a:r>
-                        <a:rPr lang="en-US" sz="1300" dirty="0" err="1">
-                          <a:effectLst/>
-                        </a:rPr>
-                        <a:t>asenkron</a:t>
-                      </a:r>
-                      <a:r>
-                        <a:rPr lang="en-US" sz="1300" dirty="0">
-                          <a:effectLst/>
-                        </a:rPr>
-                        <a:t> </a:t>
-                      </a:r>
-                      <a:r>
-                        <a:rPr lang="en-US" sz="1300" dirty="0" err="1">
-                          <a:effectLst/>
-                        </a:rPr>
-                        <a:t>olarak</a:t>
-                      </a:r>
-                      <a:r>
-                        <a:rPr lang="en-US" sz="1300" dirty="0">
-                          <a:effectLst/>
-                        </a:rPr>
-                        <a:t> </a:t>
-                      </a:r>
-                      <a:r>
-                        <a:rPr lang="en-US" sz="1300" dirty="0" err="1">
-                          <a:effectLst/>
-                        </a:rPr>
-                        <a:t>almak</a:t>
-                      </a:r>
-                      <a:r>
-                        <a:rPr lang="en-US" sz="1300" dirty="0">
-                          <a:effectLst/>
-                        </a:rPr>
-                        <a:t> </a:t>
-                      </a:r>
-                      <a:r>
-                        <a:rPr lang="en-US" sz="1300" dirty="0" err="1">
-                          <a:effectLst/>
-                        </a:rPr>
-                        <a:t>için</a:t>
-                      </a:r>
-                      <a:r>
-                        <a:rPr lang="en-US" sz="1300" dirty="0">
-                          <a:effectLst/>
-                        </a:rPr>
-                        <a:t> </a:t>
-                      </a:r>
-                      <a:r>
-                        <a:rPr lang="en-US" sz="1300" dirty="0" err="1">
-                          <a:effectLst/>
-                        </a:rPr>
-                        <a:t>sonuç</a:t>
-                      </a:r>
-                      <a:r>
-                        <a:rPr lang="en-US" sz="1300" dirty="0">
-                          <a:effectLst/>
-                        </a:rPr>
-                        <a:t> </a:t>
-                      </a:r>
-                      <a:r>
-                        <a:rPr lang="en-US" sz="1300" dirty="0" err="1">
-                          <a:effectLst/>
-                        </a:rPr>
-                        <a:t>dinleyicisini</a:t>
-                      </a:r>
-                      <a:r>
-                        <a:rPr lang="en-US" sz="1300" dirty="0">
-                          <a:effectLst/>
-                        </a:rPr>
-                        <a:t> </a:t>
-                      </a:r>
-                      <a:r>
-                        <a:rPr lang="en-US" sz="1300" dirty="0" err="1">
-                          <a:effectLst/>
-                        </a:rPr>
-                        <a:t>ayarlar</a:t>
-                      </a:r>
-                      <a:r>
-                        <a:rPr lang="en-US" sz="1300" dirty="0">
-                          <a:effectLst/>
-                        </a:rPr>
-                        <a:t>. </a:t>
-                      </a:r>
-                      <a:r>
-                        <a:rPr lang="en-US" sz="1300" dirty="0" err="1">
-                          <a:effectLst/>
-                        </a:rPr>
-                        <a:t>Sadece</a:t>
-                      </a:r>
-                      <a:r>
-                        <a:rPr lang="en-US" sz="1300" dirty="0">
-                          <a:effectLst/>
-                        </a:rPr>
-                        <a:t> </a:t>
-                      </a:r>
-                      <a:r>
-                        <a:rPr lang="en-US" sz="1300" dirty="0" err="1">
-                          <a:effectLst/>
-                        </a:rPr>
-                        <a:t>çalışma</a:t>
-                      </a:r>
-                      <a:r>
-                        <a:rPr lang="en-US" sz="1300" dirty="0">
-                          <a:effectLst/>
-                        </a:rPr>
-                        <a:t> </a:t>
-                      </a:r>
-                      <a:r>
-                        <a:rPr lang="en-US" sz="1300" dirty="0" err="1">
-                          <a:effectLst/>
-                        </a:rPr>
-                        <a:t>modu</a:t>
-                      </a:r>
-                      <a:r>
-                        <a:rPr lang="en-US" sz="1300" dirty="0">
-                          <a:effectLst/>
-                        </a:rPr>
-                        <a:t> "LIVE_STREAM" </a:t>
-                      </a:r>
-                      <a:r>
-                        <a:rPr lang="en-US" sz="1300" dirty="0" err="1">
-                          <a:effectLst/>
-                        </a:rPr>
-                        <a:t>olarak</a:t>
-                      </a:r>
-                      <a:r>
-                        <a:rPr lang="en-US" sz="1300" dirty="0">
-                          <a:effectLst/>
-                        </a:rPr>
-                        <a:t> </a:t>
-                      </a:r>
-                      <a:r>
-                        <a:rPr lang="en-US" sz="1300" dirty="0" err="1">
-                          <a:effectLst/>
-                        </a:rPr>
-                        <a:t>ayarlandığında</a:t>
-                      </a:r>
-                      <a:r>
-                        <a:rPr lang="en-US" sz="1300" dirty="0">
-                          <a:effectLst/>
-                        </a:rPr>
-                        <a:t> </a:t>
-                      </a:r>
-                      <a:r>
-                        <a:rPr lang="en-US" sz="1300" dirty="0" err="1">
-                          <a:effectLst/>
-                        </a:rPr>
-                        <a:t>uygulanır</a:t>
-                      </a:r>
-                      <a:r>
-                        <a:rPr lang="en-US" sz="1300" dirty="0">
-                          <a:effectLst/>
-                        </a:rPr>
-                        <a:t>.</a:t>
+                        <a:t> algılama sonuçlarını asenkron olarak almak için sonuç dinleyicisini ayarlar. Sadece çalışma modu "LIVE_STREAM" olarak ayarlandığında uygulanır.</a:t>
                       </a:r>
                     </a:p>
                   </a:txBody>
@@ -20462,15 +24047,6 @@
 </file>
 
 <file path=customXml/item1.xml><?xml version="1.0" encoding="utf-8"?>
-<?mso-contentType ?>
-<FormTemplates xmlns="http://schemas.microsoft.com/sharepoint/v3/contenttype/forms">
-  <Display>DocumentLibraryForm</Display>
-  <Edit>DocumentLibraryForm</Edit>
-  <New>DocumentLibraryForm</New>
-</FormTemplates>
-</file>
-
-<file path=customXml/item2.xml><?xml version="1.0" encoding="utf-8"?>
 <ct:contentTypeSchema xmlns:ct="http://schemas.microsoft.com/office/2006/metadata/contentType" xmlns:ma="http://schemas.microsoft.com/office/2006/metadata/properties/metaAttributes" ct:_="" ma:_="" ma:contentTypeName="Document" ma:contentTypeID="0x01010079F111ED35F8CC479449609E8A0923A6" ma:contentTypeVersion="12" ma:contentTypeDescription="Create a new document." ma:contentTypeScope="" ma:versionID="426e97fa315356fffbdcd9876fe988c2">
   <xsd:schema xmlns:xsd="http://www.w3.org/2001/XMLSchema" xmlns:xs="http://www.w3.org/2001/XMLSchema" xmlns:p="http://schemas.microsoft.com/office/2006/metadata/properties" xmlns:ns2="71af3243-3dd4-4a8d-8c0d-dd76da1f02a5" xmlns:ns3="16c05727-aa75-4e4a-9b5f-8a80a1165891" targetNamespace="http://schemas.microsoft.com/office/2006/metadata/properties" ma:root="true" ma:fieldsID="14b8f0def80e6d70ce3def20c90759ae" ns2:_="" ns3:_="">
     <xsd:import namespace="71af3243-3dd4-4a8d-8c0d-dd76da1f02a5"/>
@@ -20691,6 +24267,15 @@
 </ct:contentTypeSchema>
 </file>
 
+<file path=customXml/item2.xml><?xml version="1.0" encoding="utf-8"?>
+<?mso-contentType ?>
+<FormTemplates xmlns="http://schemas.microsoft.com/sharepoint/v3/contenttype/forms">
+  <Display>DocumentLibraryForm</Display>
+  <Edit>DocumentLibraryForm</Edit>
+  <New>DocumentLibraryForm</New>
+</FormTemplates>
+</file>
+
 <file path=customXml/item3.xml><?xml version="1.0" encoding="utf-8"?>
 <p:properties xmlns:p="http://schemas.microsoft.com/office/2006/metadata/properties" xmlns:xsi="http://www.w3.org/2001/XMLSchema-instance" xmlns:pc="http://schemas.microsoft.com/office/infopath/2007/PartnerControls">
   <documentManagement>
@@ -20701,14 +24286,6 @@
 </file>
 
 <file path=customXml/itemProps1.xml><?xml version="1.0" encoding="utf-8"?>
-<ds:datastoreItem xmlns:ds="http://schemas.openxmlformats.org/officeDocument/2006/customXml" ds:itemID="{3C8E00D1-8EA3-4E42-801D-0253E1EAFC21}">
-  <ds:schemaRefs>
-    <ds:schemaRef ds:uri="http://schemas.microsoft.com/sharepoint/v3/contenttype/forms"/>
-  </ds:schemaRefs>
-</ds:datastoreItem>
-</file>
-
-<file path=customXml/itemProps2.xml><?xml version="1.0" encoding="utf-8"?>
 <ds:datastoreItem xmlns:ds="http://schemas.openxmlformats.org/officeDocument/2006/customXml" ds:itemID="{ABC329F5-30EE-4BF7-AA2A-B837B51416B4}">
   <ds:schemaRefs>
     <ds:schemaRef ds:uri="http://schemas.microsoft.com/office/2006/metadata/contentType"/>
@@ -20727,6 +24304,14 @@
 </ds:datastoreItem>
 </file>
 
+<file path=customXml/itemProps2.xml><?xml version="1.0" encoding="utf-8"?>
+<ds:datastoreItem xmlns:ds="http://schemas.openxmlformats.org/officeDocument/2006/customXml" ds:itemID="{3C8E00D1-8EA3-4E42-801D-0253E1EAFC21}">
+  <ds:schemaRefs>
+    <ds:schemaRef ds:uri="http://schemas.microsoft.com/sharepoint/v3/contenttype/forms"/>
+  </ds:schemaRefs>
+</ds:datastoreItem>
+</file>
+
 <file path=customXml/itemProps3.xml><?xml version="1.0" encoding="utf-8"?>
 <ds:datastoreItem xmlns:ds="http://schemas.openxmlformats.org/officeDocument/2006/customXml" ds:itemID="{99919F73-B6C2-4A43-95E2-833EC48925FE}">
   <ds:schemaRefs>
